--- a/Diapos/HPC_Intro.pptx
+++ b/Diapos/HPC_Intro.pptx
@@ -5,10 +5,10 @@
     <p:sldMasterId id="2147483684" r:id="rId4"/>
   </p:sldMasterIdLst>
   <p:notesMasterIdLst>
-    <p:notesMasterId r:id="rId16"/>
+    <p:notesMasterId r:id="rId15"/>
   </p:notesMasterIdLst>
   <p:handoutMasterIdLst>
-    <p:handoutMasterId r:id="rId17"/>
+    <p:handoutMasterId r:id="rId16"/>
   </p:handoutMasterIdLst>
   <p:sldIdLst>
     <p:sldId id="256" r:id="rId5"/>
@@ -17,11 +17,10 @@
     <p:sldId id="267" r:id="rId8"/>
     <p:sldId id="262" r:id="rId9"/>
     <p:sldId id="268" r:id="rId10"/>
-    <p:sldId id="269" r:id="rId11"/>
-    <p:sldId id="271" r:id="rId12"/>
-    <p:sldId id="272" r:id="rId13"/>
-    <p:sldId id="274" r:id="rId14"/>
-    <p:sldId id="270" r:id="rId15"/>
+    <p:sldId id="271" r:id="rId11"/>
+    <p:sldId id="272" r:id="rId12"/>
+    <p:sldId id="274" r:id="rId13"/>
+    <p:sldId id="270" r:id="rId14"/>
   </p:sldIdLst>
   <p:sldSz cx="9144000" cy="5715000" type="screen16x10"/>
   <p:notesSz cx="6858000" cy="9144000"/>
@@ -1651,8 +1650,8 @@
         <a:p>
           <a:pPr rtl="0"/>
           <a:r>
-            <a:rPr lang="fr-FR" noProof="0" dirty="0" err="1" smtClean="0"/>
-            <a:t>Vectorization</a:t>
+            <a:rPr lang="fr-FR" noProof="0" dirty="0" smtClean="0"/>
+            <a:t>Vectorisation</a:t>
           </a:r>
           <a:r>
             <a:rPr lang="fr-FR" noProof="0" dirty="0" smtClean="0"/>
@@ -1702,7 +1701,7 @@
         <a:p>
           <a:pPr rtl="0"/>
           <a:r>
-            <a:rPr lang="fr-FR" noProof="0" dirty="0" err="1" smtClean="0"/>
+            <a:rPr lang="fr-FR" noProof="0" dirty="0" smtClean="0"/>
             <a:t>OpenMP</a:t>
           </a:r>
           <a:endParaRPr lang="fr-FR" noProof="0" dirty="0"/>
@@ -2072,15 +2071,7 @@
         <a:p>
           <a:r>
             <a:rPr lang="fr-FR" dirty="0" smtClean="0"/>
-            <a:t>Un </a:t>
-          </a:r>
-          <a:r>
-            <a:rPr lang="fr-FR" dirty="0" err="1" smtClean="0"/>
-            <a:t>profiling</a:t>
-          </a:r>
-          <a:r>
-            <a:rPr lang="fr-FR" dirty="0" smtClean="0"/>
-            <a:t> digne</a:t>
+            <a:t>Un profiling digne</a:t>
           </a:r>
           <a:endParaRPr lang="fr-FR" dirty="0"/>
         </a:p>
@@ -2374,17 +2365,17 @@
     </dgm:pt>
   </dgm:ptLst>
   <dgm:cxnLst>
-    <dgm:cxn modelId="{22473D99-CE9F-4483-AF95-3EC22DEA6008}" type="presOf" srcId="{04E32E28-390C-4A5F-BF19-C4E0784A2BDB}" destId="{278EDBF9-3060-409D-9AC4-F4FC96035A01}" srcOrd="1" destOrd="0" presId="urn:microsoft.com/office/officeart/2005/8/layout/hList7"/>
-    <dgm:cxn modelId="{78B20F17-1EDE-46F6-A269-5A2FF2F211D2}" type="presOf" srcId="{661DAC4A-8F06-4F6C-B499-F3B871C6E18D}" destId="{50118E7E-6484-4F19-8C28-EF4A8A716B4F}" srcOrd="1" destOrd="0" presId="urn:microsoft.com/office/officeart/2005/8/layout/hList7"/>
-    <dgm:cxn modelId="{305F1CC3-A89C-437E-AA80-61E47F5E9480}" type="presOf" srcId="{661DAC4A-8F06-4F6C-B499-F3B871C6E18D}" destId="{43E462A6-64BA-4B07-B807-5B7862050289}" srcOrd="0" destOrd="0" presId="urn:microsoft.com/office/officeart/2005/8/layout/hList7"/>
-    <dgm:cxn modelId="{60B19E00-4542-4309-8DC5-A1CD99A21802}" type="presOf" srcId="{A1D405F8-0E23-41DA-910D-C5F53B81584B}" destId="{0A7F4702-A1D1-4D9C-9B9B-2944AA65665D}" srcOrd="1" destOrd="0" presId="urn:microsoft.com/office/officeart/2005/8/layout/hList7"/>
     <dgm:cxn modelId="{C56BC2D9-DBF7-44E9-89FE-24E325563BAB}" type="presOf" srcId="{D1FE0134-A18E-41A1-8E72-6A99C379BB0B}" destId="{10CC91B2-A9D3-4CA9-B713-C13EE68877B3}" srcOrd="0" destOrd="0" presId="urn:microsoft.com/office/officeart/2005/8/layout/hList7"/>
     <dgm:cxn modelId="{1A6B4033-FFD7-477B-9DF5-42DF68A45A22}" type="presOf" srcId="{4974DDCD-C55E-432A-B071-6C1012A52486}" destId="{C1FBB04A-CE3F-41B1-B4F0-7696F293237F}" srcOrd="0" destOrd="0" presId="urn:microsoft.com/office/officeart/2005/8/layout/hList7"/>
+    <dgm:cxn modelId="{C202485C-4DA5-49C5-9E9E-CF7F07D4CD4B}" srcId="{D1FE0134-A18E-41A1-8E72-6A99C379BB0B}" destId="{661DAC4A-8F06-4F6C-B499-F3B871C6E18D}" srcOrd="2" destOrd="0" parTransId="{09D46FCF-AFD2-40D5-85F9-82140AB9F720}" sibTransId="{19193A88-02F1-4B8E-9ACE-9CF70748C729}"/>
+    <dgm:cxn modelId="{60B19E00-4542-4309-8DC5-A1CD99A21802}" type="presOf" srcId="{A1D405F8-0E23-41DA-910D-C5F53B81584B}" destId="{0A7F4702-A1D1-4D9C-9B9B-2944AA65665D}" srcOrd="1" destOrd="0" presId="urn:microsoft.com/office/officeart/2005/8/layout/hList7"/>
+    <dgm:cxn modelId="{D397A7A4-E18F-43FE-9D85-57F952659A66}" type="presOf" srcId="{A1D405F8-0E23-41DA-910D-C5F53B81584B}" destId="{EBF3B248-8ACB-4D82-8EA1-B2D9B2CAC464}" srcOrd="0" destOrd="0" presId="urn:microsoft.com/office/officeart/2005/8/layout/hList7"/>
+    <dgm:cxn modelId="{78B20F17-1EDE-46F6-A269-5A2FF2F211D2}" type="presOf" srcId="{661DAC4A-8F06-4F6C-B499-F3B871C6E18D}" destId="{50118E7E-6484-4F19-8C28-EF4A8A716B4F}" srcOrd="1" destOrd="0" presId="urn:microsoft.com/office/officeart/2005/8/layout/hList7"/>
+    <dgm:cxn modelId="{22473D99-CE9F-4483-AF95-3EC22DEA6008}" type="presOf" srcId="{04E32E28-390C-4A5F-BF19-C4E0784A2BDB}" destId="{278EDBF9-3060-409D-9AC4-F4FC96035A01}" srcOrd="1" destOrd="0" presId="urn:microsoft.com/office/officeart/2005/8/layout/hList7"/>
+    <dgm:cxn modelId="{3628E040-F59B-49B8-BA46-2812991368CF}" srcId="{D1FE0134-A18E-41A1-8E72-6A99C379BB0B}" destId="{A1D405F8-0E23-41DA-910D-C5F53B81584B}" srcOrd="1" destOrd="0" parTransId="{B88BFEBC-FC1B-4BE8-B4FF-2B7E4BE9618C}" sibTransId="{4974DDCD-C55E-432A-B071-6C1012A52486}"/>
+    <dgm:cxn modelId="{8593FA5C-ED44-45E5-B996-2E37E70821DF}" srcId="{D1FE0134-A18E-41A1-8E72-6A99C379BB0B}" destId="{04E32E28-390C-4A5F-BF19-C4E0784A2BDB}" srcOrd="0" destOrd="0" parTransId="{4501069F-6410-434E-A81E-5E84DEA95148}" sibTransId="{5FCEB48D-7ED0-4B38-8B58-08D460F657C0}"/>
     <dgm:cxn modelId="{7F42DCDD-69FA-4760-8DE8-CAE5E588D5C2}" type="presOf" srcId="{04E32E28-390C-4A5F-BF19-C4E0784A2BDB}" destId="{D742AC25-2419-4B54-BAFC-8303BD2D07C2}" srcOrd="0" destOrd="0" presId="urn:microsoft.com/office/officeart/2005/8/layout/hList7"/>
-    <dgm:cxn modelId="{8593FA5C-ED44-45E5-B996-2E37E70821DF}" srcId="{D1FE0134-A18E-41A1-8E72-6A99C379BB0B}" destId="{04E32E28-390C-4A5F-BF19-C4E0784A2BDB}" srcOrd="0" destOrd="0" parTransId="{4501069F-6410-434E-A81E-5E84DEA95148}" sibTransId="{5FCEB48D-7ED0-4B38-8B58-08D460F657C0}"/>
-    <dgm:cxn modelId="{3628E040-F59B-49B8-BA46-2812991368CF}" srcId="{D1FE0134-A18E-41A1-8E72-6A99C379BB0B}" destId="{A1D405F8-0E23-41DA-910D-C5F53B81584B}" srcOrd="1" destOrd="0" parTransId="{B88BFEBC-FC1B-4BE8-B4FF-2B7E4BE9618C}" sibTransId="{4974DDCD-C55E-432A-B071-6C1012A52486}"/>
-    <dgm:cxn modelId="{D397A7A4-E18F-43FE-9D85-57F952659A66}" type="presOf" srcId="{A1D405F8-0E23-41DA-910D-C5F53B81584B}" destId="{EBF3B248-8ACB-4D82-8EA1-B2D9B2CAC464}" srcOrd="0" destOrd="0" presId="urn:microsoft.com/office/officeart/2005/8/layout/hList7"/>
-    <dgm:cxn modelId="{C202485C-4DA5-49C5-9E9E-CF7F07D4CD4B}" srcId="{D1FE0134-A18E-41A1-8E72-6A99C379BB0B}" destId="{661DAC4A-8F06-4F6C-B499-F3B871C6E18D}" srcOrd="2" destOrd="0" parTransId="{09D46FCF-AFD2-40D5-85F9-82140AB9F720}" sibTransId="{19193A88-02F1-4B8E-9ACE-9CF70748C729}"/>
+    <dgm:cxn modelId="{305F1CC3-A89C-437E-AA80-61E47F5E9480}" type="presOf" srcId="{661DAC4A-8F06-4F6C-B499-F3B871C6E18D}" destId="{43E462A6-64BA-4B07-B807-5B7862050289}" srcOrd="0" destOrd="0" presId="urn:microsoft.com/office/officeart/2005/8/layout/hList7"/>
     <dgm:cxn modelId="{139355A0-0A06-42FD-9579-4DAC10F821EF}" type="presOf" srcId="{5FCEB48D-7ED0-4B38-8B58-08D460F657C0}" destId="{6987921A-E62D-4BD7-B87C-E1413B3591A4}" srcOrd="0" destOrd="0" presId="urn:microsoft.com/office/officeart/2005/8/layout/hList7"/>
     <dgm:cxn modelId="{92F674B4-66C8-4190-BE38-5F4A6EF9AD4D}" type="presParOf" srcId="{10CC91B2-A9D3-4CA9-B713-C13EE68877B3}" destId="{7E9D6401-7A62-43F8-8ACF-DE5C71F8D19B}" srcOrd="0" destOrd="0" presId="urn:microsoft.com/office/officeart/2005/8/layout/hList7"/>
     <dgm:cxn modelId="{F7BE8BC4-E346-4095-AA81-E97EA72FDEA4}" type="presParOf" srcId="{10CC91B2-A9D3-4CA9-B713-C13EE68877B3}" destId="{49EB445F-7EEA-4DF0-B251-F6967F28A4D4}" srcOrd="1" destOrd="0" presId="urn:microsoft.com/office/officeart/2005/8/layout/hList7"/>
@@ -2538,8 +2529,8 @@
             </a:spcAft>
           </a:pPr>
           <a:r>
-            <a:rPr lang="fr-FR" sz="2700" kern="1200" noProof="0" dirty="0" err="1" smtClean="0"/>
-            <a:t>Vectorization</a:t>
+            <a:rPr lang="fr-FR" sz="2700" kern="1200" noProof="0" dirty="0" smtClean="0"/>
+            <a:t>Vectorisation</a:t>
           </a:r>
           <a:r>
             <a:rPr lang="fr-FR" sz="2700" kern="1200" noProof="0" dirty="0" smtClean="0"/>
@@ -2674,7 +2665,7 @@
             </a:spcAft>
           </a:pPr>
           <a:r>
-            <a:rPr lang="fr-FR" sz="2700" kern="1200" noProof="0" dirty="0" err="1" smtClean="0"/>
+            <a:rPr lang="fr-FR" sz="2700" kern="1200" noProof="0" dirty="0" smtClean="0"/>
             <a:t>OpenMP</a:t>
           </a:r>
           <a:endParaRPr lang="fr-FR" sz="2700" kern="1200" noProof="0" dirty="0"/>
@@ -3022,15 +3013,7 @@
           </a:pPr>
           <a:r>
             <a:rPr lang="fr-FR" sz="2200" kern="1200" dirty="0" smtClean="0"/>
-            <a:t>Un </a:t>
-          </a:r>
-          <a:r>
-            <a:rPr lang="fr-FR" sz="2200" kern="1200" dirty="0" err="1" smtClean="0"/>
-            <a:t>profiling</a:t>
-          </a:r>
-          <a:r>
-            <a:rPr lang="fr-FR" sz="2200" kern="1200" dirty="0" smtClean="0"/>
-            <a:t> digne</a:t>
+            <a:t>Un profiling digne</a:t>
           </a:r>
           <a:endParaRPr lang="fr-FR" sz="2200" kern="1200" dirty="0"/>
         </a:p>
@@ -3485,7 +3468,7 @@
   </dgm:layoutNode>
   <dgm:extLst>
     <a:ext uri="{68A01E43-0DF5-4B5B-8FA6-DAF915123BFB}">
-      <dgm1612:lstStyle xmlns:dgm1612="http://schemas.microsoft.com/office/drawing/2016/12/diagram" xmlns="">
+      <dgm1612:lstStyle xmlns="" xmlns:dgm1612="http://schemas.microsoft.com/office/drawing/2016/12/diagram">
         <a:lvl1pPr>
           <a:lnSpc>
             <a:spcPct val="100000"/>
@@ -5816,7 +5799,7 @@
           </a:lstStyle>
           <a:p>
             <a:pPr rtl="0"/>
-            <a:endParaRPr lang="fr-FR"/>
+            <a:endParaRPr lang="fr-FR" dirty="0"/>
           </a:p>
         </p:txBody>
       </p:sp>
@@ -5856,9 +5839,9 @@
             <a:pPr rtl="0"/>
             <a:fld id="{44067F72-4B43-4EB2-81AF-1356A084F97D}" type="datetime1">
               <a:rPr lang="fr-FR" smtClean="0"/>
-              <a:t>06/12/2020</a:t>
+              <a:t>09/02/2021</a:t>
             </a:fld>
-            <a:endParaRPr lang="fr-FR"/>
+            <a:endParaRPr lang="fr-FR" dirty="0"/>
           </a:p>
         </p:txBody>
       </p:sp>
@@ -5896,7 +5879,7 @@
           </a:lstStyle>
           <a:p>
             <a:pPr rtl="0"/>
-            <a:endParaRPr lang="fr-FR"/>
+            <a:endParaRPr lang="fr-FR" dirty="0"/>
           </a:p>
         </p:txBody>
       </p:sp>
@@ -5938,7 +5921,7 @@
               <a:rPr lang="fr-FR" smtClean="0"/>
               <a:t>‹N°›</a:t>
             </a:fld>
-            <a:endParaRPr lang="fr-FR"/>
+            <a:endParaRPr lang="fr-FR" dirty="0"/>
           </a:p>
         </p:txBody>
       </p:sp>
@@ -6004,7 +5987,7 @@
           </a:lstStyle>
           <a:p>
             <a:pPr rtl="0"/>
-            <a:endParaRPr lang="fr-FR" noProof="0"/>
+            <a:endParaRPr lang="fr-FR" noProof="0" dirty="0"/>
           </a:p>
         </p:txBody>
       </p:sp>
@@ -6038,9 +6021,9 @@
             <a:pPr rtl="0"/>
             <a:fld id="{18E2C9A5-1936-47C6-ADD2-56E91A3B7AD6}" type="datetime1">
               <a:rPr lang="fr-FR" noProof="0" smtClean="0"/>
-              <a:t>06/12/2020</a:t>
+              <a:t>09/02/2021</a:t>
             </a:fld>
-            <a:endParaRPr lang="fr-FR" noProof="0"/>
+            <a:endParaRPr lang="fr-FR" noProof="0" dirty="0"/>
           </a:p>
         </p:txBody>
       </p:sp>
@@ -6074,7 +6057,7 @@
           <a:lstStyle/>
           <a:p>
             <a:pPr rtl="0"/>
-            <a:endParaRPr lang="fr-FR" noProof="0"/>
+            <a:endParaRPr lang="fr-FR" noProof="0" dirty="0"/>
           </a:p>
         </p:txBody>
       </p:sp>
@@ -6181,7 +6164,7 @@
           </a:lstStyle>
           <a:p>
             <a:pPr rtl="0"/>
-            <a:endParaRPr lang="fr-FR" noProof="0"/>
+            <a:endParaRPr lang="fr-FR" noProof="0" dirty="0"/>
           </a:p>
         </p:txBody>
       </p:sp>
@@ -6217,7 +6200,7 @@
               <a:rPr lang="fr-FR" noProof="0" smtClean="0"/>
               <a:t>‹N°›</a:t>
             </a:fld>
-            <a:endParaRPr lang="fr-FR" noProof="0"/>
+            <a:endParaRPr lang="fr-FR" noProof="0" dirty="0"/>
           </a:p>
         </p:txBody>
       </p:sp>
@@ -6389,7 +6372,7 @@
           <a:lstStyle/>
           <a:p>
             <a:pPr rtl="0"/>
-            <a:endParaRPr lang="fr-FR"/>
+            <a:endParaRPr lang="fr-FR" dirty="0"/>
           </a:p>
         </p:txBody>
       </p:sp>
@@ -6413,7 +6396,7 @@
               <a:rPr lang="fr-FR" smtClean="0"/>
               <a:t>1</a:t>
             </a:fld>
-            <a:endParaRPr lang="fr-FR"/>
+            <a:endParaRPr lang="fr-FR" dirty="0"/>
           </a:p>
         </p:txBody>
       </p:sp>
@@ -6431,6 +6414,154 @@
 </file>
 
 <file path=ppt/notesSlides/notesSlide2.xml><?xml version="1.0" encoding="utf-8"?>
+<p:notes xmlns:a="http://schemas.openxmlformats.org/drawingml/2006/main" xmlns:r="http://schemas.openxmlformats.org/officeDocument/2006/relationships" xmlns:p="http://schemas.openxmlformats.org/presentationml/2006/main">
+  <p:cSld>
+    <p:spTree>
+      <p:nvGrpSpPr>
+        <p:cNvPr id="1" name=""/>
+        <p:cNvGrpSpPr/>
+        <p:nvPr/>
+      </p:nvGrpSpPr>
+      <p:grpSpPr>
+        <a:xfrm>
+          <a:off x="0" y="0"/>
+          <a:ext cx="0" cy="0"/>
+          <a:chOff x="0" y="0"/>
+          <a:chExt cx="0" cy="0"/>
+        </a:xfrm>
+      </p:grpSpPr>
+      <p:sp>
+        <p:nvSpPr>
+          <p:cNvPr id="2" name="Espace réservé de l'image des diapositives 1"/>
+          <p:cNvSpPr>
+            <a:spLocks noGrp="1" noRot="1" noChangeAspect="1"/>
+          </p:cNvSpPr>
+          <p:nvPr>
+            <p:ph type="sldImg"/>
+          </p:nvPr>
+        </p:nvSpPr>
+        <p:spPr/>
+      </p:sp>
+      <p:sp>
+        <p:nvSpPr>
+          <p:cNvPr id="3" name="Espace réservé des notes 2"/>
+          <p:cNvSpPr>
+            <a:spLocks noGrp="1"/>
+          </p:cNvSpPr>
+          <p:nvPr>
+            <p:ph type="body" idx="1"/>
+          </p:nvPr>
+        </p:nvSpPr>
+        <p:spPr/>
+        <p:txBody>
+          <a:bodyPr/>
+          <a:lstStyle/>
+          <a:p>
+            <a:r>
+              <a:rPr lang="fr-FR" dirty="0" smtClean="0"/>
+              <a:t>presque 7 ans chez Scalian</a:t>
+            </a:r>
+          </a:p>
+          <a:p>
+            <a:r>
+              <a:rPr lang="fr-FR" dirty="0" smtClean="0"/>
+              <a:t>Mi-dev mi-responsable</a:t>
+            </a:r>
+            <a:r>
+              <a:rPr lang="fr-FR" baseline="0" dirty="0" smtClean="0"/>
+              <a:t> technique</a:t>
+            </a:r>
+            <a:r>
+              <a:rPr lang="fr-FR" dirty="0" smtClean="0"/>
+              <a:t/>
+            </a:r>
+            <a:br>
+              <a:rPr lang="fr-FR" dirty="0" smtClean="0"/>
+            </a:br>
+            <a:r>
+              <a:rPr lang="fr-FR" dirty="0" smtClean="0"/>
+              <a:t>-</a:t>
+            </a:r>
+            <a:r>
+              <a:rPr lang="fr-FR" baseline="0" dirty="0" smtClean="0"/>
+              <a:t> dev C++/Qt sur plein de projets touchant de près où de loin la simulation radar (DADN, MOCEM, Prorasem, Clacimar et COMRAREM)</a:t>
+            </a:r>
+            <a:br>
+              <a:rPr lang="fr-FR" baseline="0" dirty="0" smtClean="0"/>
+            </a:br>
+            <a:r>
+              <a:rPr lang="fr-FR" baseline="0" dirty="0" smtClean="0"/>
+              <a:t>- dev matlab et python</a:t>
+            </a:r>
+            <a:br>
+              <a:rPr lang="fr-FR" baseline="0" dirty="0" smtClean="0"/>
+            </a:br>
+            <a:r>
+              <a:rPr lang="fr-FR" baseline="0" dirty="0" smtClean="0"/>
+              <a:t>pourquoi là ? Pas de formation de HPC mais de math appli, j’ai appris au fil des projets</a:t>
+            </a:r>
+            <a:br>
+              <a:rPr lang="fr-FR" baseline="0" dirty="0" smtClean="0"/>
+            </a:br>
+            <a:r>
+              <a:rPr lang="fr-FR" baseline="0" dirty="0" smtClean="0"/>
+              <a:t>- Prorasem, affichage temps réel d’un vue de propagation radar. Portage matlab -&gt; CUDA *20/30</a:t>
+            </a:r>
+            <a:br>
+              <a:rPr lang="fr-FR" baseline="0" dirty="0" smtClean="0"/>
+            </a:br>
+            <a:r>
+              <a:rPr lang="fr-FR" baseline="0" dirty="0" smtClean="0"/>
+              <a:t>- SESUC : optimisation d’une chaine de simulation de crise nucléaire. C++ vers C++ ou python sans changer la plateforme. Pareil * 20 </a:t>
+            </a:r>
+          </a:p>
+          <a:p>
+            <a:r>
+              <a:rPr lang="fr-FR" baseline="0" dirty="0" smtClean="0"/>
+              <a:t>- COMAREM : ombrage d’une très grande scène 3D (plusieurs 10.000 de km²) à haute fréquence</a:t>
+            </a:r>
+            <a:endParaRPr lang="fr-FR" dirty="0"/>
+          </a:p>
+        </p:txBody>
+      </p:sp>
+      <p:sp>
+        <p:nvSpPr>
+          <p:cNvPr id="4" name="Espace réservé du numéro de diapositive 3"/>
+          <p:cNvSpPr>
+            <a:spLocks noGrp="1"/>
+          </p:cNvSpPr>
+          <p:nvPr>
+            <p:ph type="sldNum" sz="quarter" idx="10"/>
+          </p:nvPr>
+        </p:nvSpPr>
+        <p:spPr/>
+        <p:txBody>
+          <a:bodyPr/>
+          <a:lstStyle/>
+          <a:p>
+            <a:pPr rtl="0"/>
+            <a:fld id="{C6B3AB32-59DF-41F1-9618-EDFBF5049629}" type="slidenum">
+              <a:rPr lang="fr-FR" noProof="0" smtClean="0"/>
+              <a:t>2</a:t>
+            </a:fld>
+            <a:endParaRPr lang="fr-FR" noProof="0" dirty="0"/>
+          </a:p>
+        </p:txBody>
+      </p:sp>
+    </p:spTree>
+    <p:extLst>
+      <p:ext uri="{BB962C8B-B14F-4D97-AF65-F5344CB8AC3E}">
+        <p14:creationId xmlns:p14="http://schemas.microsoft.com/office/powerpoint/2010/main" val="3992920969"/>
+      </p:ext>
+    </p:extLst>
+  </p:cSld>
+  <p:clrMapOvr>
+    <a:masterClrMapping/>
+  </p:clrMapOvr>
+</p:notes>
+</file>
+
+<file path=ppt/notesSlides/notesSlide3.xml><?xml version="1.0" encoding="utf-8"?>
 <p:notes xmlns:a="http://schemas.openxmlformats.org/drawingml/2006/main" xmlns:r="http://schemas.openxmlformats.org/officeDocument/2006/relationships" xmlns:p="http://schemas.openxmlformats.org/presentationml/2006/main">
   <p:cSld>
     <p:spTree>
@@ -6480,7 +6611,7 @@
           <a:lstStyle/>
           <a:p>
             <a:pPr rtl="0"/>
-            <a:endParaRPr lang="fr-FR"/>
+            <a:endParaRPr lang="fr-FR" dirty="0"/>
           </a:p>
         </p:txBody>
       </p:sp>
@@ -6502,9 +6633,9 @@
             <a:pPr rtl="0"/>
             <a:fld id="{C6B3AB32-59DF-41F1-9618-EDFBF5049629}" type="slidenum">
               <a:rPr lang="fr-FR" smtClean="0"/>
-              <a:t>11</a:t>
+              <a:t>10</a:t>
             </a:fld>
-            <a:endParaRPr lang="fr-FR"/>
+            <a:endParaRPr lang="fr-FR" dirty="0"/>
           </a:p>
         </p:txBody>
       </p:sp>
@@ -6767,9 +6898,9 @@
             <a:pPr rtl="0"/>
             <a:fld id="{95F14979-C768-4E40-879A-113D767D7598}" type="datetime1">
               <a:rPr lang="fr-FR" noProof="0" smtClean="0"/>
-              <a:t>06/12/2020</a:t>
+              <a:t>09/02/2021</a:t>
             </a:fld>
-            <a:endParaRPr lang="fr-FR" noProof="0"/>
+            <a:endParaRPr lang="fr-FR" noProof="0" dirty="0"/>
           </a:p>
         </p:txBody>
       </p:sp>
@@ -6805,7 +6936,7 @@
           </a:lstStyle>
           <a:p>
             <a:pPr rtl="0"/>
-            <a:endParaRPr lang="fr-FR" noProof="0"/>
+            <a:endParaRPr lang="fr-FR" noProof="0" dirty="0"/>
           </a:p>
         </p:txBody>
       </p:sp>
@@ -6846,7 +6977,7 @@
               <a:pPr rtl="0"/>
               <a:t>‹N°›</a:t>
             </a:fld>
-            <a:endParaRPr lang="fr-FR" noProof="0"/>
+            <a:endParaRPr lang="fr-FR" noProof="0" dirty="0"/>
           </a:p>
         </p:txBody>
       </p:sp>
@@ -7033,9 +7164,9 @@
             <a:pPr rtl="0"/>
             <a:fld id="{46AEB7E8-48A7-4B84-88AE-D5102810498A}" type="datetime1">
               <a:rPr lang="fr-FR" noProof="0" smtClean="0"/>
-              <a:t>06/12/2020</a:t>
+              <a:t>09/02/2021</a:t>
             </a:fld>
-            <a:endParaRPr lang="fr-FR" noProof="0"/>
+            <a:endParaRPr lang="fr-FR" noProof="0" dirty="0"/>
           </a:p>
         </p:txBody>
       </p:sp>
@@ -7055,7 +7186,7 @@
           <a:lstStyle/>
           <a:p>
             <a:pPr rtl="0"/>
-            <a:endParaRPr lang="fr-FR" noProof="0"/>
+            <a:endParaRPr lang="fr-FR" noProof="0" dirty="0"/>
           </a:p>
         </p:txBody>
       </p:sp>
@@ -7080,7 +7211,7 @@
               <a:pPr rtl="0"/>
               <a:t>‹N°›</a:t>
             </a:fld>
-            <a:endParaRPr lang="fr-FR" noProof="0"/>
+            <a:endParaRPr lang="fr-FR" noProof="0" dirty="0"/>
           </a:p>
         </p:txBody>
       </p:sp>
@@ -7272,9 +7403,9 @@
             <a:pPr rtl="0"/>
             <a:fld id="{2FE4E01A-DB78-4E32-A009-59CFADEF770C}" type="datetime1">
               <a:rPr lang="fr-FR" noProof="0" smtClean="0"/>
-              <a:t>06/12/2020</a:t>
+              <a:t>09/02/2021</a:t>
             </a:fld>
-            <a:endParaRPr lang="fr-FR" noProof="0"/>
+            <a:endParaRPr lang="fr-FR" noProof="0" dirty="0"/>
           </a:p>
         </p:txBody>
       </p:sp>
@@ -7299,7 +7430,7 @@
           <a:lstStyle/>
           <a:p>
             <a:pPr rtl="0"/>
-            <a:endParaRPr lang="fr-FR" noProof="0"/>
+            <a:endParaRPr lang="fr-FR" noProof="0" dirty="0"/>
           </a:p>
         </p:txBody>
       </p:sp>
@@ -7340,7 +7471,7 @@
               <a:pPr rtl="0"/>
               <a:t>‹N°›</a:t>
             </a:fld>
-            <a:endParaRPr lang="fr-FR" noProof="0"/>
+            <a:endParaRPr lang="fr-FR" noProof="0" dirty="0"/>
           </a:p>
         </p:txBody>
       </p:sp>
@@ -7521,9 +7652,9 @@
             <a:pPr rtl="0"/>
             <a:fld id="{3921C42B-897E-4F7D-9F30-7A616D683282}" type="datetime1">
               <a:rPr lang="fr-FR" noProof="0" smtClean="0"/>
-              <a:t>06/12/2020</a:t>
+              <a:t>09/02/2021</a:t>
             </a:fld>
-            <a:endParaRPr lang="fr-FR" noProof="0"/>
+            <a:endParaRPr lang="fr-FR" noProof="0" dirty="0"/>
           </a:p>
         </p:txBody>
       </p:sp>
@@ -7840,9 +7971,9 @@
             <a:pPr rtl="0"/>
             <a:fld id="{666FD31E-62FB-4209-A7A6-BACD423FD1B9}" type="datetime1">
               <a:rPr lang="fr-FR" noProof="0" smtClean="0"/>
-              <a:t>06/12/2020</a:t>
+              <a:t>09/02/2021</a:t>
             </a:fld>
-            <a:endParaRPr lang="fr-FR" noProof="0"/>
+            <a:endParaRPr lang="fr-FR" noProof="0" dirty="0"/>
           </a:p>
         </p:txBody>
       </p:sp>
@@ -7873,7 +8004,7 @@
           </a:lstStyle>
           <a:p>
             <a:pPr rtl="0"/>
-            <a:endParaRPr lang="fr-FR" noProof="0"/>
+            <a:endParaRPr lang="fr-FR" noProof="0" dirty="0"/>
           </a:p>
         </p:txBody>
       </p:sp>
@@ -7909,7 +8040,7 @@
               <a:pPr rtl="0"/>
               <a:t>‹N°›</a:t>
             </a:fld>
-            <a:endParaRPr lang="fr-FR" noProof="0"/>
+            <a:endParaRPr lang="fr-FR" noProof="0" dirty="0"/>
           </a:p>
         </p:txBody>
       </p:sp>
@@ -8146,9 +8277,9 @@
             <a:pPr rtl="0"/>
             <a:fld id="{1F492094-CEAF-41CC-AA41-3DEA4E8B9F9C}" type="datetime1">
               <a:rPr lang="fr-FR" noProof="0" smtClean="0"/>
-              <a:t>06/12/2020</a:t>
+              <a:t>09/02/2021</a:t>
             </a:fld>
-            <a:endParaRPr lang="fr-FR" noProof="0"/>
+            <a:endParaRPr lang="fr-FR" noProof="0" dirty="0"/>
           </a:p>
         </p:txBody>
       </p:sp>
@@ -8168,7 +8299,7 @@
           <a:lstStyle/>
           <a:p>
             <a:pPr rtl="0"/>
-            <a:endParaRPr lang="fr-FR" noProof="0"/>
+            <a:endParaRPr lang="fr-FR" noProof="0" dirty="0"/>
           </a:p>
         </p:txBody>
       </p:sp>
@@ -8193,7 +8324,7 @@
               <a:pPr rtl="0"/>
               <a:t>‹N°›</a:t>
             </a:fld>
-            <a:endParaRPr lang="fr-FR" noProof="0"/>
+            <a:endParaRPr lang="fr-FR" noProof="0" dirty="0"/>
           </a:p>
         </p:txBody>
       </p:sp>
@@ -8572,9 +8703,9 @@
             <a:pPr rtl="0"/>
             <a:fld id="{D1282008-B726-4AFB-BF47-1F66C441C4D1}" type="datetime1">
               <a:rPr lang="fr-FR" noProof="0" smtClean="0"/>
-              <a:t>06/12/2020</a:t>
+              <a:t>09/02/2021</a:t>
             </a:fld>
-            <a:endParaRPr lang="fr-FR" noProof="0"/>
+            <a:endParaRPr lang="fr-FR" noProof="0" dirty="0"/>
           </a:p>
         </p:txBody>
       </p:sp>
@@ -8594,7 +8725,7 @@
           <a:lstStyle/>
           <a:p>
             <a:pPr rtl="0"/>
-            <a:endParaRPr lang="fr-FR" noProof="0"/>
+            <a:endParaRPr lang="fr-FR" noProof="0" dirty="0"/>
           </a:p>
         </p:txBody>
       </p:sp>
@@ -8619,7 +8750,7 @@
               <a:pPr rtl="0"/>
               <a:t>‹N°›</a:t>
             </a:fld>
-            <a:endParaRPr lang="fr-FR" noProof="0"/>
+            <a:endParaRPr lang="fr-FR" noProof="0" dirty="0"/>
           </a:p>
         </p:txBody>
       </p:sp>
@@ -8671,9 +8802,9 @@
             <a:pPr rtl="0"/>
             <a:fld id="{60565547-EAE3-42AF-9F0E-6706655F4F8F}" type="datetime1">
               <a:rPr lang="fr-FR" noProof="0" smtClean="0"/>
-              <a:t>06/12/2020</a:t>
+              <a:t>09/02/2021</a:t>
             </a:fld>
-            <a:endParaRPr lang="fr-FR" noProof="0"/>
+            <a:endParaRPr lang="fr-FR" noProof="0" dirty="0"/>
           </a:p>
         </p:txBody>
       </p:sp>
@@ -8693,7 +8824,7 @@
           <a:lstStyle/>
           <a:p>
             <a:pPr rtl="0"/>
-            <a:endParaRPr lang="fr-FR" noProof="0"/>
+            <a:endParaRPr lang="fr-FR" noProof="0" dirty="0"/>
           </a:p>
         </p:txBody>
       </p:sp>
@@ -8718,7 +8849,7 @@
               <a:pPr rtl="0"/>
               <a:t>‹N°›</a:t>
             </a:fld>
-            <a:endParaRPr lang="fr-FR" noProof="0"/>
+            <a:endParaRPr lang="fr-FR" noProof="0" dirty="0"/>
           </a:p>
         </p:txBody>
       </p:sp>
@@ -8837,9 +8968,9 @@
             <a:pPr rtl="0"/>
             <a:fld id="{9D7570F7-C3C9-44B3-A009-658E4E9B6AED}" type="datetime1">
               <a:rPr lang="fr-FR" noProof="0" smtClean="0"/>
-              <a:t>06/12/2020</a:t>
+              <a:t>09/02/2021</a:t>
             </a:fld>
-            <a:endParaRPr lang="fr-FR" noProof="0"/>
+            <a:endParaRPr lang="fr-FR" noProof="0" dirty="0"/>
           </a:p>
         </p:txBody>
       </p:sp>
@@ -8859,7 +8990,7 @@
           <a:lstStyle/>
           <a:p>
             <a:pPr rtl="0"/>
-            <a:endParaRPr lang="fr-FR" noProof="0"/>
+            <a:endParaRPr lang="fr-FR" noProof="0" dirty="0"/>
           </a:p>
         </p:txBody>
       </p:sp>
@@ -8884,7 +9015,7 @@
               <a:pPr rtl="0"/>
               <a:t>‹N°›</a:t>
             </a:fld>
-            <a:endParaRPr lang="fr-FR" noProof="0"/>
+            <a:endParaRPr lang="fr-FR" noProof="0" dirty="0"/>
           </a:p>
         </p:txBody>
       </p:sp>
@@ -9219,9 +9350,9 @@
             <a:pPr rtl="0"/>
             <a:fld id="{F981DFD8-7CC7-492D-8F3E-634F16593128}" type="datetime1">
               <a:rPr lang="fr-FR" noProof="0" smtClean="0"/>
-              <a:t>06/12/2020</a:t>
+              <a:t>09/02/2021</a:t>
             </a:fld>
-            <a:endParaRPr lang="fr-FR" noProof="0"/>
+            <a:endParaRPr lang="fr-FR" noProof="0" dirty="0"/>
           </a:p>
         </p:txBody>
       </p:sp>
@@ -9252,7 +9383,7 @@
           </a:lstStyle>
           <a:p>
             <a:pPr rtl="0"/>
-            <a:endParaRPr lang="fr-FR" noProof="0"/>
+            <a:endParaRPr lang="fr-FR" noProof="0" dirty="0"/>
           </a:p>
         </p:txBody>
       </p:sp>
@@ -9288,7 +9419,7 @@
               <a:pPr rtl="0"/>
               <a:t>‹N°›</a:t>
             </a:fld>
-            <a:endParaRPr lang="fr-FR" noProof="0"/>
+            <a:endParaRPr lang="fr-FR" noProof="0" dirty="0"/>
           </a:p>
         </p:txBody>
       </p:sp>
@@ -9420,7 +9551,7 @@
           </a:lstStyle>
           <a:p>
             <a:r>
-              <a:rPr lang="fr-FR" smtClean="0"/>
+              <a:rPr lang="fr-FR" dirty="0" smtClean="0"/>
               <a:t>Cliquez sur l'icône pour ajouter une image</a:t>
             </a:r>
             <a:endParaRPr lang="en-US" dirty="0"/>
@@ -9512,9 +9643,9 @@
             <a:pPr rtl="0"/>
             <a:fld id="{097575A0-E176-45FF-AB41-901BA96C2E0F}" type="datetime1">
               <a:rPr lang="fr-FR" noProof="0" smtClean="0"/>
-              <a:t>06/12/2020</a:t>
+              <a:t>09/02/2021</a:t>
             </a:fld>
-            <a:endParaRPr lang="fr-FR" noProof="0"/>
+            <a:endParaRPr lang="fr-FR" noProof="0" dirty="0"/>
           </a:p>
         </p:txBody>
       </p:sp>
@@ -9534,7 +9665,7 @@
           <a:lstStyle/>
           <a:p>
             <a:pPr rtl="0"/>
-            <a:endParaRPr lang="fr-FR" noProof="0"/>
+            <a:endParaRPr lang="fr-FR" noProof="0" dirty="0"/>
           </a:p>
         </p:txBody>
       </p:sp>
@@ -9559,7 +9690,7 @@
               <a:pPr rtl="0"/>
               <a:t>‹N°›</a:t>
             </a:fld>
-            <a:endParaRPr lang="fr-FR" noProof="0"/>
+            <a:endParaRPr lang="fr-FR" noProof="0" dirty="0"/>
           </a:p>
         </p:txBody>
       </p:sp>
@@ -9727,9 +9858,9 @@
             <a:pPr rtl="0"/>
             <a:fld id="{10358767-58E0-4259-BE08-C44246876B43}" type="datetime1">
               <a:rPr lang="fr-FR" noProof="0" smtClean="0"/>
-              <a:t>06/12/2020</a:t>
+              <a:t>09/02/2021</a:t>
             </a:fld>
-            <a:endParaRPr lang="fr-FR" noProof="0"/>
+            <a:endParaRPr lang="fr-FR" noProof="0" dirty="0"/>
           </a:p>
         </p:txBody>
       </p:sp>
@@ -9765,7 +9896,7 @@
           </a:lstStyle>
           <a:p>
             <a:pPr rtl="0"/>
-            <a:endParaRPr lang="fr-FR" noProof="0"/>
+            <a:endParaRPr lang="fr-FR" noProof="0" dirty="0"/>
           </a:p>
         </p:txBody>
       </p:sp>
@@ -9806,7 +9937,7 @@
               <a:pPr rtl="0"/>
               <a:t>‹N°›</a:t>
             </a:fld>
-            <a:endParaRPr lang="fr-FR" noProof="0"/>
+            <a:endParaRPr lang="fr-FR" noProof="0" dirty="0"/>
           </a:p>
         </p:txBody>
       </p:sp>
@@ -10403,7 +10534,7 @@
           <a:lstStyle/>
           <a:p>
             <a:pPr algn="ctr"/>
-            <a:endParaRPr lang="fr-FR"/>
+            <a:endParaRPr lang="fr-FR" dirty="0"/>
           </a:p>
         </p:txBody>
       </p:sp>
@@ -10442,21 +10573,8 @@
                   <a:schemeClr val="bg1"/>
                 </a:solidFill>
               </a:rPr>
-              <a:t>High Performance </a:t>
-            </a:r>
-            <a:r>
-              <a:rPr lang="fr-FR" sz="3150" dirty="0" err="1">
-                <a:solidFill>
-                  <a:schemeClr val="bg1"/>
-                </a:solidFill>
-              </a:rPr>
-              <a:t>computing</a:t>
-            </a:r>
-            <a:endParaRPr lang="fr-FR" sz="3150" dirty="0">
-              <a:solidFill>
-                <a:schemeClr val="bg1"/>
-              </a:solidFill>
-            </a:endParaRPr>
+              <a:t>High Performance computing</a:t>
+            </a:r>
           </a:p>
         </p:txBody>
       </p:sp>
@@ -10498,28 +10616,12 @@
               <a:t>Formation interne </a:t>
             </a:r>
             <a:r>
-              <a:rPr lang="fr-FR" dirty="0" err="1" smtClean="0">
+              <a:rPr lang="fr-FR" dirty="0" smtClean="0">
                 <a:solidFill>
                   <a:srgbClr val="7CEBFF"/>
                 </a:solidFill>
               </a:rPr>
               <a:t>scalian</a:t>
-            </a:r>
-            <a:r>
-              <a:rPr lang="fr-FR" dirty="0">
-                <a:solidFill>
-                  <a:srgbClr val="7CEBFF"/>
-                </a:solidFill>
-              </a:rPr>
-              <a:t> </a:t>
-            </a:r>
-            <a:r>
-              <a:rPr lang="fr-FR" smtClean="0">
-                <a:solidFill>
-                  <a:srgbClr val="7CEBFF"/>
-                </a:solidFill>
-              </a:rPr>
-              <a:t>les 7 et 8 décembre 2020</a:t>
             </a:r>
             <a:endParaRPr lang="fr-FR" dirty="0">
               <a:solidFill>
@@ -10550,7 +10652,7 @@
               <a:pPr rtl="0"/>
               <a:t>1</a:t>
             </a:fld>
-            <a:endParaRPr lang="fr-FR" noProof="0"/>
+            <a:endParaRPr lang="fr-FR" noProof="0" dirty="0"/>
           </a:p>
         </p:txBody>
       </p:sp>
@@ -10591,6 +10693,249 @@
           <a:chExt cx="0" cy="0"/>
         </a:xfrm>
       </p:grpSpPr>
+      <p:pic>
+        <p:nvPicPr>
+          <p:cNvPr id="7" name="Image 6" descr="Connexions numériques">
+            <a:extLst>
+              <a:ext uri="{FF2B5EF4-FFF2-40B4-BE49-F238E27FC236}">
+                <a16:creationId xmlns:a16="http://schemas.microsoft.com/office/drawing/2014/main" id="{3840F91C-EDD0-4D4E-A4AB-E6C77856C88C}"/>
+              </a:ext>
+            </a:extLst>
+          </p:cNvPr>
+          <p:cNvPicPr>
+            <a:picLocks noChangeAspect="1"/>
+          </p:cNvPicPr>
+          <p:nvPr/>
+        </p:nvPicPr>
+        <p:blipFill rotWithShape="1">
+          <a:blip r:embed="rId3" cstate="screen">
+            <a:extLst>
+              <a:ext uri="{28A0092B-C50C-407E-A947-70E740481C1C}">
+                <a14:useLocalDpi xmlns:a14="http://schemas.microsoft.com/office/drawing/2010/main"/>
+              </a:ext>
+            </a:extLst>
+          </a:blip>
+          <a:srcRect l="13265" t="9091" r="3502" b="-1"/>
+          <a:stretch/>
+        </p:blipFill>
+        <p:spPr>
+          <a:xfrm>
+            <a:off x="15" y="0"/>
+            <a:ext cx="9143985" cy="5714999"/>
+          </a:xfrm>
+          <a:prstGeom prst="rect">
+            <a:avLst/>
+          </a:prstGeom>
+        </p:spPr>
+      </p:pic>
+      <p:sp>
+        <p:nvSpPr>
+          <p:cNvPr id="4" name="Rectangle 3"/>
+          <p:cNvSpPr/>
+          <p:nvPr/>
+        </p:nvSpPr>
+        <p:spPr>
+          <a:xfrm>
+            <a:off x="435893" y="3583152"/>
+            <a:ext cx="8392798" cy="1166649"/>
+          </a:xfrm>
+          <a:prstGeom prst="rect">
+            <a:avLst/>
+          </a:prstGeom>
+        </p:spPr>
+        <p:style>
+          <a:lnRef idx="2">
+            <a:schemeClr val="accent1">
+              <a:shade val="50000"/>
+            </a:schemeClr>
+          </a:lnRef>
+          <a:fillRef idx="1">
+            <a:schemeClr val="accent1"/>
+          </a:fillRef>
+          <a:effectRef idx="0">
+            <a:schemeClr val="accent1"/>
+          </a:effectRef>
+          <a:fontRef idx="minor">
+            <a:schemeClr val="lt1"/>
+          </a:fontRef>
+        </p:style>
+        <p:txBody>
+          <a:bodyPr rtlCol="0" anchor="ctr"/>
+          <a:lstStyle/>
+          <a:p>
+            <a:pPr algn="ctr"/>
+            <a:endParaRPr lang="fr-FR" dirty="0"/>
+          </a:p>
+        </p:txBody>
+      </p:sp>
+      <p:sp>
+        <p:nvSpPr>
+          <p:cNvPr id="2" name="Titre 1">
+            <a:extLst>
+              <a:ext uri="{FF2B5EF4-FFF2-40B4-BE49-F238E27FC236}">
+                <a16:creationId xmlns:a16="http://schemas.microsoft.com/office/drawing/2014/main" id="{C02C5318-1A1E-49D0-B2E2-A4B0FA9E8A40}"/>
+              </a:ext>
+            </a:extLst>
+          </p:cNvPr>
+          <p:cNvSpPr>
+            <a:spLocks noGrp="1"/>
+          </p:cNvSpPr>
+          <p:nvPr>
+            <p:ph type="ctrTitle"/>
+          </p:nvPr>
+        </p:nvSpPr>
+        <p:spPr>
+          <a:xfrm>
+            <a:off x="435894" y="3714750"/>
+            <a:ext cx="8245162" cy="671433"/>
+          </a:xfrm>
+        </p:spPr>
+        <p:txBody>
+          <a:bodyPr rtlCol="0">
+            <a:noAutofit/>
+          </a:bodyPr>
+          <a:lstStyle/>
+          <a:p>
+            <a:pPr algn="r" rtl="0"/>
+            <a:r>
+              <a:rPr lang="fr-FR" sz="3150" dirty="0" smtClean="0">
+                <a:solidFill>
+                  <a:schemeClr val="bg1"/>
+                </a:solidFill>
+              </a:rPr>
+              <a:t>Prêts ?</a:t>
+            </a:r>
+            <a:endParaRPr lang="fr-FR" sz="3150" dirty="0">
+              <a:solidFill>
+                <a:schemeClr val="bg1"/>
+              </a:solidFill>
+            </a:endParaRPr>
+          </a:p>
+        </p:txBody>
+      </p:sp>
+      <p:sp>
+        <p:nvSpPr>
+          <p:cNvPr id="3" name="Sous-titre 2">
+            <a:extLst>
+              <a:ext uri="{FF2B5EF4-FFF2-40B4-BE49-F238E27FC236}">
+                <a16:creationId xmlns:a16="http://schemas.microsoft.com/office/drawing/2014/main" id="{48B6CF59-4E5B-494D-A2F7-97ADD01E6497}"/>
+              </a:ext>
+            </a:extLst>
+          </p:cNvPr>
+          <p:cNvSpPr>
+            <a:spLocks noGrp="1"/>
+          </p:cNvSpPr>
+          <p:nvPr>
+            <p:ph type="subTitle" idx="1"/>
+          </p:nvPr>
+        </p:nvSpPr>
+        <p:spPr>
+          <a:xfrm>
+            <a:off x="435895" y="4386184"/>
+            <a:ext cx="8245160" cy="363617"/>
+          </a:xfrm>
+        </p:spPr>
+        <p:txBody>
+          <a:bodyPr rtlCol="0">
+            <a:normAutofit/>
+          </a:bodyPr>
+          <a:lstStyle/>
+          <a:p>
+            <a:pPr algn="r" rtl="0"/>
+            <a:r>
+              <a:rPr lang="fr-FR" dirty="0" smtClean="0">
+                <a:solidFill>
+                  <a:srgbClr val="7CEBFF"/>
+                </a:solidFill>
+              </a:rPr>
+              <a:t>Formation </a:t>
+            </a:r>
+            <a:r>
+              <a:rPr lang="fr-FR" smtClean="0">
+                <a:solidFill>
+                  <a:srgbClr val="7CEBFF"/>
+                </a:solidFill>
+              </a:rPr>
+              <a:t>interne </a:t>
+            </a:r>
+            <a:r>
+              <a:rPr lang="fr-FR" smtClean="0">
+                <a:solidFill>
+                  <a:srgbClr val="7CEBFF"/>
+                </a:solidFill>
+              </a:rPr>
+              <a:t>scalian</a:t>
+            </a:r>
+            <a:endParaRPr lang="fr-FR" dirty="0">
+              <a:solidFill>
+                <a:srgbClr val="7CEBFF"/>
+              </a:solidFill>
+            </a:endParaRPr>
+          </a:p>
+        </p:txBody>
+      </p:sp>
+      <p:sp>
+        <p:nvSpPr>
+          <p:cNvPr id="5" name="Espace réservé du numéro de diapositive 4"/>
+          <p:cNvSpPr>
+            <a:spLocks noGrp="1"/>
+          </p:cNvSpPr>
+          <p:nvPr>
+            <p:ph type="sldNum" sz="quarter" idx="12"/>
+          </p:nvPr>
+        </p:nvSpPr>
+        <p:spPr/>
+        <p:txBody>
+          <a:bodyPr/>
+          <a:lstStyle/>
+          <a:p>
+            <a:pPr rtl="0"/>
+            <a:fld id="{D57F1E4F-1CFF-5643-939E-217C01CDF565}" type="slidenum">
+              <a:rPr lang="fr-FR" noProof="0" smtClean="0"/>
+              <a:pPr rtl="0"/>
+              <a:t>10</a:t>
+            </a:fld>
+            <a:endParaRPr lang="fr-FR" noProof="0" dirty="0"/>
+          </a:p>
+        </p:txBody>
+      </p:sp>
+    </p:spTree>
+    <p:extLst>
+      <p:ext uri="{BB962C8B-B14F-4D97-AF65-F5344CB8AC3E}">
+        <p14:creationId xmlns:p14="http://schemas.microsoft.com/office/powerpoint/2010/main" val="2265540439"/>
+      </p:ext>
+    </p:extLst>
+  </p:cSld>
+  <p:clrMapOvr>
+    <a:masterClrMapping/>
+  </p:clrMapOvr>
+  <p:timing>
+    <p:tnLst>
+      <p:par>
+        <p:cTn id="1" dur="indefinite" restart="never" nodeType="tmRoot"/>
+      </p:par>
+    </p:tnLst>
+  </p:timing>
+</p:sld>
+</file>
+
+<file path=ppt/slides/slide2.xml><?xml version="1.0" encoding="utf-8"?>
+<p:sld xmlns:a="http://schemas.openxmlformats.org/drawingml/2006/main" xmlns:r="http://schemas.openxmlformats.org/officeDocument/2006/relationships" xmlns:p="http://schemas.openxmlformats.org/presentationml/2006/main">
+  <p:cSld>
+    <p:spTree>
+      <p:nvGrpSpPr>
+        <p:cNvPr id="1" name=""/>
+        <p:cNvGrpSpPr/>
+        <p:nvPr/>
+      </p:nvGrpSpPr>
+      <p:grpSpPr>
+        <a:xfrm>
+          <a:off x="0" y="0"/>
+          <a:ext cx="0" cy="0"/>
+          <a:chOff x="0" y="0"/>
+          <a:chExt cx="0" cy="0"/>
+        </a:xfrm>
+      </p:grpSpPr>
       <p:sp>
         <p:nvSpPr>
           <p:cNvPr id="2" name="Titre 1"/>
@@ -10607,9 +10952,80 @@
           <a:lstStyle/>
           <a:p>
             <a:r>
-              <a:rPr lang="fr-FR" dirty="0"/>
-              <a:t>Récupérer le support de formation</a:t>
-            </a:r>
+              <a:rPr lang="fr-FR" dirty="0" smtClean="0"/>
+              <a:t>Présentation</a:t>
+            </a:r>
+            <a:endParaRPr lang="fr-FR" dirty="0"/>
+          </a:p>
+        </p:txBody>
+      </p:sp>
+      <p:sp>
+        <p:nvSpPr>
+          <p:cNvPr id="3" name="Espace réservé du contenu 2"/>
+          <p:cNvSpPr>
+            <a:spLocks noGrp="1"/>
+          </p:cNvSpPr>
+          <p:nvPr>
+            <p:ph idx="1"/>
+          </p:nvPr>
+        </p:nvSpPr>
+        <p:spPr>
+          <a:xfrm>
+            <a:off x="819151" y="1921123"/>
+            <a:ext cx="7888955" cy="2758727"/>
+          </a:xfrm>
+        </p:spPr>
+        <p:txBody>
+          <a:bodyPr>
+            <a:normAutofit/>
+          </a:bodyPr>
+          <a:lstStyle/>
+          <a:p>
+            <a:r>
+              <a:rPr lang="fr-FR" sz="2400" dirty="0"/>
+              <a:t>Qui suis-je ?</a:t>
+            </a:r>
+          </a:p>
+          <a:p>
+            <a:r>
+              <a:rPr lang="fr-FR" sz="2400" dirty="0"/>
+              <a:t>Pourquoi </a:t>
+            </a:r>
+            <a:r>
+              <a:rPr lang="fr-FR" sz="2400" dirty="0" smtClean="0"/>
+              <a:t>suis-je </a:t>
+            </a:r>
+            <a:r>
+              <a:rPr lang="fr-FR" sz="2400" dirty="0"/>
+              <a:t>là ?</a:t>
+            </a:r>
+          </a:p>
+          <a:p>
+            <a:r>
+              <a:rPr lang="fr-FR" sz="2400" dirty="0"/>
+              <a:t>Qui êtes-vous ?</a:t>
+            </a:r>
+          </a:p>
+          <a:p>
+            <a:r>
+              <a:rPr lang="fr-FR" sz="2400" dirty="0">
+                <a:hlinkClick r:id="rId3"/>
+              </a:rPr>
+              <a:t>Pourquoi </a:t>
+            </a:r>
+            <a:r>
+              <a:rPr lang="fr-FR" sz="2400" dirty="0" smtClean="0">
+                <a:hlinkClick r:id="rId3"/>
+              </a:rPr>
+              <a:t>êtes-vous </a:t>
+            </a:r>
+            <a:r>
+              <a:rPr lang="fr-FR" sz="2400" dirty="0">
+                <a:hlinkClick r:id="rId3"/>
+              </a:rPr>
+              <a:t>là ? </a:t>
+            </a:r>
+            <a:endParaRPr lang="fr-FR" sz="2400" dirty="0"/>
           </a:p>
         </p:txBody>
       </p:sp>
@@ -10628,10 +11044,2878 @@
           <a:bodyPr/>
           <a:lstStyle/>
           <a:p>
+            <a:pPr rtl="0"/>
+            <a:fld id="{D57F1E4F-1CFF-5643-939E-217C01CDF565}" type="slidenum">
+              <a:rPr lang="fr-FR" noProof="0" smtClean="0"/>
+              <a:pPr rtl="0"/>
+              <a:t>2</a:t>
+            </a:fld>
+            <a:endParaRPr lang="fr-FR" noProof="0" dirty="0"/>
+          </a:p>
+        </p:txBody>
+      </p:sp>
+    </p:spTree>
+    <p:extLst>
+      <p:ext uri="{BB962C8B-B14F-4D97-AF65-F5344CB8AC3E}">
+        <p14:creationId xmlns:p14="http://schemas.microsoft.com/office/powerpoint/2010/main" val="796632217"/>
+      </p:ext>
+    </p:extLst>
+  </p:cSld>
+  <p:clrMapOvr>
+    <a:masterClrMapping/>
+  </p:clrMapOvr>
+  <p:timing>
+    <p:tnLst>
+      <p:par>
+        <p:cTn id="1" dur="indefinite" restart="never" nodeType="tmRoot"/>
+      </p:par>
+    </p:tnLst>
+  </p:timing>
+</p:sld>
+</file>
+
+<file path=ppt/slides/slide3.xml><?xml version="1.0" encoding="utf-8"?>
+<p:sld xmlns:a="http://schemas.openxmlformats.org/drawingml/2006/main" xmlns:r="http://schemas.openxmlformats.org/officeDocument/2006/relationships" xmlns:p="http://schemas.openxmlformats.org/presentationml/2006/main">
+  <p:cSld>
+    <p:spTree>
+      <p:nvGrpSpPr>
+        <p:cNvPr id="1" name=""/>
+        <p:cNvGrpSpPr/>
+        <p:nvPr/>
+      </p:nvGrpSpPr>
+      <p:grpSpPr>
+        <a:xfrm>
+          <a:off x="0" y="0"/>
+          <a:ext cx="0" cy="0"/>
+          <a:chOff x="0" y="0"/>
+          <a:chExt cx="0" cy="0"/>
+        </a:xfrm>
+      </p:grpSpPr>
+      <p:sp>
+        <p:nvSpPr>
+          <p:cNvPr id="2" name="Title 1">
+            <a:extLst>
+              <a:ext uri="{FF2B5EF4-FFF2-40B4-BE49-F238E27FC236}">
+                <a16:creationId xmlns:a16="http://schemas.microsoft.com/office/drawing/2014/main" id="{552F2E6E-CD03-4600-A8A8-DC17406DD8D1}"/>
+              </a:ext>
+            </a:extLst>
+          </p:cNvPr>
+          <p:cNvSpPr>
+            <a:spLocks noGrp="1"/>
+          </p:cNvSpPr>
+          <p:nvPr>
+            <p:ph type="title"/>
+          </p:nvPr>
+        </p:nvSpPr>
+        <p:spPr/>
+        <p:txBody>
+          <a:bodyPr/>
+          <a:lstStyle/>
+          <a:p>
+            <a:r>
+              <a:rPr lang="en-US" dirty="0" smtClean="0"/>
+              <a:t>Tour de table</a:t>
+            </a:r>
+            <a:endParaRPr lang="en-US" dirty="0"/>
+          </a:p>
+        </p:txBody>
+      </p:sp>
+      <p:sp>
+        <p:nvSpPr>
+          <p:cNvPr id="5" name="Espace réservé du texte 4"/>
+          <p:cNvSpPr txBox="1">
+            <a:spLocks/>
+          </p:cNvSpPr>
+          <p:nvPr/>
+        </p:nvSpPr>
+        <p:spPr>
+          <a:xfrm>
+            <a:off x="1215760" y="1874572"/>
+            <a:ext cx="3721846" cy="3840428"/>
+          </a:xfrm>
+          <a:prstGeom prst="rect">
+            <a:avLst/>
+          </a:prstGeom>
+        </p:spPr>
+        <p:txBody>
+          <a:bodyPr>
+            <a:normAutofit/>
+          </a:bodyPr>
+          <a:lstStyle>
+            <a:lvl1pPr marL="229500" indent="-229500" algn="l" defTabSz="342900" rtl="0" eaLnBrk="1" latinLnBrk="0" hangingPunct="1">
+              <a:spcBef>
+                <a:spcPct val="20000"/>
+              </a:spcBef>
+              <a:spcAft>
+                <a:spcPts val="450"/>
+              </a:spcAft>
+              <a:buClr>
+                <a:schemeClr val="accent2"/>
+              </a:buClr>
+              <a:buSzPct val="92000"/>
+              <a:buFont typeface="Wingdings 2" panose="05020102010507070707" pitchFamily="18" charset="2"/>
+              <a:buChar char=""/>
+              <a:defRPr sz="1350" kern="1200">
+                <a:solidFill>
+                  <a:schemeClr val="tx2"/>
+                </a:solidFill>
+                <a:latin typeface="+mn-lt"/>
+                <a:ea typeface="+mn-ea"/>
+                <a:cs typeface="+mn-cs"/>
+              </a:defRPr>
+            </a:lvl1pPr>
+            <a:lvl2pPr marL="472500" indent="-229500" algn="l" defTabSz="342900" rtl="0" eaLnBrk="1" latinLnBrk="0" hangingPunct="1">
+              <a:spcBef>
+                <a:spcPct val="20000"/>
+              </a:spcBef>
+              <a:spcAft>
+                <a:spcPts val="450"/>
+              </a:spcAft>
+              <a:buClr>
+                <a:schemeClr val="accent2"/>
+              </a:buClr>
+              <a:buSzPct val="92000"/>
+              <a:buFont typeface="Wingdings 2" panose="05020102010507070707" pitchFamily="18" charset="2"/>
+              <a:buChar char=""/>
+              <a:defRPr sz="1200" kern="1200">
+                <a:solidFill>
+                  <a:schemeClr val="tx2"/>
+                </a:solidFill>
+                <a:latin typeface="+mn-lt"/>
+                <a:ea typeface="+mn-ea"/>
+                <a:cs typeface="+mn-cs"/>
+              </a:defRPr>
+            </a:lvl2pPr>
+            <a:lvl3pPr marL="675000" indent="-202500" algn="l" defTabSz="342900" rtl="0" eaLnBrk="1" latinLnBrk="0" hangingPunct="1">
+              <a:spcBef>
+                <a:spcPct val="20000"/>
+              </a:spcBef>
+              <a:spcAft>
+                <a:spcPts val="450"/>
+              </a:spcAft>
+              <a:buClr>
+                <a:schemeClr val="accent2"/>
+              </a:buClr>
+              <a:buSzPct val="92000"/>
+              <a:buFont typeface="Wingdings 2" panose="05020102010507070707" pitchFamily="18" charset="2"/>
+              <a:buChar char=""/>
+              <a:defRPr sz="1050" kern="1200">
+                <a:solidFill>
+                  <a:schemeClr val="tx2"/>
+                </a:solidFill>
+                <a:latin typeface="+mn-lt"/>
+                <a:ea typeface="+mn-ea"/>
+                <a:cs typeface="+mn-cs"/>
+              </a:defRPr>
+            </a:lvl3pPr>
+            <a:lvl4pPr marL="931500" indent="-175500" algn="l" defTabSz="342900" rtl="0" eaLnBrk="1" latinLnBrk="0" hangingPunct="1">
+              <a:spcBef>
+                <a:spcPct val="20000"/>
+              </a:spcBef>
+              <a:spcAft>
+                <a:spcPts val="450"/>
+              </a:spcAft>
+              <a:buClr>
+                <a:schemeClr val="accent2"/>
+              </a:buClr>
+              <a:buSzPct val="92000"/>
+              <a:buFont typeface="Wingdings 2" panose="05020102010507070707" pitchFamily="18" charset="2"/>
+              <a:buChar char=""/>
+              <a:defRPr sz="900" kern="1200">
+                <a:solidFill>
+                  <a:schemeClr val="tx2"/>
+                </a:solidFill>
+                <a:latin typeface="+mn-lt"/>
+                <a:ea typeface="+mn-ea"/>
+                <a:cs typeface="+mn-cs"/>
+              </a:defRPr>
+            </a:lvl4pPr>
+            <a:lvl5pPr marL="1201500" indent="-175500" algn="l" defTabSz="342900" rtl="0" eaLnBrk="1" latinLnBrk="0" hangingPunct="1">
+              <a:spcBef>
+                <a:spcPct val="20000"/>
+              </a:spcBef>
+              <a:spcAft>
+                <a:spcPts val="450"/>
+              </a:spcAft>
+              <a:buClr>
+                <a:schemeClr val="accent2"/>
+              </a:buClr>
+              <a:buSzPct val="92000"/>
+              <a:buFont typeface="Wingdings 2" panose="05020102010507070707" pitchFamily="18" charset="2"/>
+              <a:buChar char=""/>
+              <a:defRPr sz="900" kern="1200">
+                <a:solidFill>
+                  <a:schemeClr val="tx2"/>
+                </a:solidFill>
+                <a:latin typeface="+mn-lt"/>
+                <a:ea typeface="+mn-ea"/>
+                <a:cs typeface="+mn-cs"/>
+              </a:defRPr>
+            </a:lvl5pPr>
+            <a:lvl6pPr marL="1425000" indent="-171450" algn="l" defTabSz="342900" rtl="0" eaLnBrk="1" latinLnBrk="0" hangingPunct="1">
+              <a:spcBef>
+                <a:spcPct val="20000"/>
+              </a:spcBef>
+              <a:spcAft>
+                <a:spcPts val="450"/>
+              </a:spcAft>
+              <a:buClr>
+                <a:schemeClr val="accent2"/>
+              </a:buClr>
+              <a:buSzPct val="92000"/>
+              <a:buFont typeface="Wingdings 2" panose="05020102010507070707" pitchFamily="18" charset="2"/>
+              <a:buChar char=""/>
+              <a:defRPr sz="900" kern="1200">
+                <a:solidFill>
+                  <a:schemeClr val="tx2"/>
+                </a:solidFill>
+                <a:latin typeface="+mn-lt"/>
+                <a:ea typeface="+mn-ea"/>
+                <a:cs typeface="+mn-cs"/>
+              </a:defRPr>
+            </a:lvl6pPr>
+            <a:lvl7pPr marL="1650000" indent="-171450" algn="l" defTabSz="342900" rtl="0" eaLnBrk="1" latinLnBrk="0" hangingPunct="1">
+              <a:spcBef>
+                <a:spcPct val="20000"/>
+              </a:spcBef>
+              <a:spcAft>
+                <a:spcPts val="450"/>
+              </a:spcAft>
+              <a:buClr>
+                <a:schemeClr val="accent2"/>
+              </a:buClr>
+              <a:buSzPct val="92000"/>
+              <a:buFont typeface="Wingdings 2" panose="05020102010507070707" pitchFamily="18" charset="2"/>
+              <a:buChar char=""/>
+              <a:defRPr sz="900" kern="1200">
+                <a:solidFill>
+                  <a:schemeClr val="tx2"/>
+                </a:solidFill>
+                <a:latin typeface="+mn-lt"/>
+                <a:ea typeface="+mn-ea"/>
+                <a:cs typeface="+mn-cs"/>
+              </a:defRPr>
+            </a:lvl7pPr>
+            <a:lvl8pPr marL="1875000" indent="-171450" algn="l" defTabSz="342900" rtl="0" eaLnBrk="1" latinLnBrk="0" hangingPunct="1">
+              <a:spcBef>
+                <a:spcPct val="20000"/>
+              </a:spcBef>
+              <a:spcAft>
+                <a:spcPts val="450"/>
+              </a:spcAft>
+              <a:buClr>
+                <a:schemeClr val="accent2"/>
+              </a:buClr>
+              <a:buSzPct val="92000"/>
+              <a:buFont typeface="Wingdings 2" panose="05020102010507070707" pitchFamily="18" charset="2"/>
+              <a:buChar char=""/>
+              <a:defRPr sz="900" kern="1200">
+                <a:solidFill>
+                  <a:schemeClr val="tx2"/>
+                </a:solidFill>
+                <a:latin typeface="+mn-lt"/>
+                <a:ea typeface="+mn-ea"/>
+                <a:cs typeface="+mn-cs"/>
+              </a:defRPr>
+            </a:lvl8pPr>
+            <a:lvl9pPr marL="2100000" indent="-171450" algn="l" defTabSz="342900" rtl="0" eaLnBrk="1" latinLnBrk="0" hangingPunct="1">
+              <a:spcBef>
+                <a:spcPct val="20000"/>
+              </a:spcBef>
+              <a:spcAft>
+                <a:spcPts val="450"/>
+              </a:spcAft>
+              <a:buClr>
+                <a:schemeClr val="accent2"/>
+              </a:buClr>
+              <a:buSzPct val="92000"/>
+              <a:buFont typeface="Wingdings 2" panose="05020102010507070707" pitchFamily="18" charset="2"/>
+              <a:buChar char=""/>
+              <a:defRPr sz="900" kern="1200">
+                <a:solidFill>
+                  <a:schemeClr val="tx2"/>
+                </a:solidFill>
+                <a:latin typeface="+mn-lt"/>
+                <a:ea typeface="+mn-ea"/>
+                <a:cs typeface="+mn-cs"/>
+              </a:defRPr>
+            </a:lvl9pPr>
+          </a:lstStyle>
+          <a:p>
+            <a:pPr marL="342900" lvl="1" indent="-342900">
+              <a:lnSpc>
+                <a:spcPct val="150000"/>
+              </a:lnSpc>
+              <a:spcAft>
+                <a:spcPts val="600"/>
+              </a:spcAft>
+              <a:buClr>
+                <a:schemeClr val="accent1">
+                  <a:lumMod val="75000"/>
+                </a:schemeClr>
+              </a:buClr>
+              <a:buSzPct val="100000"/>
+              <a:buFont typeface="Wingdings" panose="05000000000000000000" pitchFamily="2" charset="2"/>
+              <a:buChar char="§"/>
+              <a:defRPr/>
+            </a:pPr>
+            <a:r>
+              <a:rPr lang="fr-FR" sz="2000" dirty="0" smtClean="0"/>
+              <a:t>Votre nom</a:t>
+            </a:r>
+          </a:p>
+          <a:p>
+            <a:pPr marL="342900" lvl="1" indent="-342900">
+              <a:lnSpc>
+                <a:spcPct val="150000"/>
+              </a:lnSpc>
+              <a:spcAft>
+                <a:spcPts val="600"/>
+              </a:spcAft>
+              <a:buClr>
+                <a:schemeClr val="accent1">
+                  <a:lumMod val="75000"/>
+                </a:schemeClr>
+              </a:buClr>
+              <a:buSzPct val="100000"/>
+              <a:buFont typeface="Wingdings" panose="05000000000000000000" pitchFamily="2" charset="2"/>
+              <a:buChar char="§"/>
+              <a:defRPr/>
+            </a:pPr>
+            <a:r>
+              <a:rPr lang="fr-FR" sz="2000" dirty="0" smtClean="0"/>
+              <a:t>Votre mission/poste</a:t>
+            </a:r>
+          </a:p>
+          <a:p>
+            <a:pPr marL="342900" lvl="1" indent="-342900">
+              <a:lnSpc>
+                <a:spcPct val="150000"/>
+              </a:lnSpc>
+              <a:spcAft>
+                <a:spcPts val="600"/>
+              </a:spcAft>
+              <a:buClr>
+                <a:schemeClr val="accent1">
+                  <a:lumMod val="75000"/>
+                </a:schemeClr>
+              </a:buClr>
+              <a:buSzPct val="100000"/>
+              <a:buFont typeface="Wingdings" panose="05000000000000000000" pitchFamily="2" charset="2"/>
+              <a:buChar char="§"/>
+              <a:defRPr/>
+            </a:pPr>
+            <a:r>
+              <a:rPr lang="fr-FR" sz="2000" dirty="0" smtClean="0"/>
+              <a:t>Votre expérience en HPC </a:t>
+            </a:r>
+            <a:endParaRPr lang="fr-FR" sz="2000" dirty="0"/>
+          </a:p>
+        </p:txBody>
+      </p:sp>
+      <p:pic>
+        <p:nvPicPr>
+          <p:cNvPr id="6" name="Image 5"/>
+          <p:cNvPicPr>
+            <a:picLocks noChangeAspect="1"/>
+          </p:cNvPicPr>
+          <p:nvPr/>
+        </p:nvPicPr>
+        <p:blipFill>
+          <a:blip r:embed="rId2"/>
+          <a:stretch>
+            <a:fillRect/>
+          </a:stretch>
+        </p:blipFill>
+        <p:spPr>
+          <a:xfrm>
+            <a:off x="5419851" y="1685386"/>
+            <a:ext cx="2561415" cy="2388885"/>
+          </a:xfrm>
+          <a:prstGeom prst="rect">
+            <a:avLst/>
+          </a:prstGeom>
+        </p:spPr>
+      </p:pic>
+      <p:sp>
+        <p:nvSpPr>
+          <p:cNvPr id="3" name="Espace réservé du numéro de diapositive 2"/>
+          <p:cNvSpPr>
+            <a:spLocks noGrp="1"/>
+          </p:cNvSpPr>
+          <p:nvPr>
+            <p:ph type="sldNum" sz="quarter" idx="12"/>
+          </p:nvPr>
+        </p:nvSpPr>
+        <p:spPr/>
+        <p:txBody>
+          <a:bodyPr/>
+          <a:lstStyle/>
+          <a:p>
+            <a:pPr rtl="0"/>
+            <a:fld id="{D57F1E4F-1CFF-5643-939E-217C01CDF565}" type="slidenum">
+              <a:rPr lang="fr-FR" noProof="0" smtClean="0"/>
+              <a:pPr rtl="0"/>
+              <a:t>3</a:t>
+            </a:fld>
+            <a:endParaRPr lang="fr-FR" noProof="0" dirty="0"/>
+          </a:p>
+        </p:txBody>
+      </p:sp>
+      <p:sp>
+        <p:nvSpPr>
+          <p:cNvPr id="4" name="Rectangle 3"/>
+          <p:cNvSpPr/>
+          <p:nvPr/>
+        </p:nvSpPr>
+        <p:spPr>
+          <a:xfrm>
+            <a:off x="2781300" y="4613028"/>
+            <a:ext cx="4572000" cy="646331"/>
+          </a:xfrm>
+          <a:prstGeom prst="rect">
+            <a:avLst/>
+          </a:prstGeom>
+        </p:spPr>
+        <p:txBody>
+          <a:bodyPr>
+            <a:spAutoFit/>
+          </a:bodyPr>
+          <a:lstStyle/>
+          <a:p>
+            <a:r>
+              <a:rPr lang="fr-FR" dirty="0"/>
+              <a:t>https://draft.io/qddy46cemn4jmv9h8ftd9vu5a6jdk3fngyq9rg2dq5k4</a:t>
+            </a:r>
+          </a:p>
+        </p:txBody>
+      </p:sp>
+      <p:pic>
+        <p:nvPicPr>
+          <p:cNvPr id="7" name="Image 6"/>
+          <p:cNvPicPr>
+            <a:picLocks noChangeAspect="1"/>
+          </p:cNvPicPr>
+          <p:nvPr/>
+        </p:nvPicPr>
+        <p:blipFill>
+          <a:blip r:embed="rId3">
+            <a:extLst>
+              <a:ext uri="{28A0092B-C50C-407E-A947-70E740481C1C}">
+                <a14:useLocalDpi xmlns:a14="http://schemas.microsoft.com/office/drawing/2010/main" val="0"/>
+              </a:ext>
+            </a:extLst>
+          </a:blip>
+          <a:stretch>
+            <a:fillRect/>
+          </a:stretch>
+        </p:blipFill>
+        <p:spPr>
+          <a:xfrm rot="10800000" flipH="1" flipV="1">
+            <a:off x="677592" y="4613028"/>
+            <a:ext cx="1847832" cy="497375"/>
+          </a:xfrm>
+          <a:prstGeom prst="rect">
+            <a:avLst/>
+          </a:prstGeom>
+        </p:spPr>
+      </p:pic>
+    </p:spTree>
+    <p:extLst>
+      <p:ext uri="{BB962C8B-B14F-4D97-AF65-F5344CB8AC3E}">
+        <p14:creationId xmlns:p14="http://schemas.microsoft.com/office/powerpoint/2010/main" val="4210149185"/>
+      </p:ext>
+    </p:extLst>
+  </p:cSld>
+  <p:clrMapOvr>
+    <a:masterClrMapping/>
+  </p:clrMapOvr>
+  <p:timing>
+    <p:tnLst>
+      <p:par>
+        <p:cTn id="1" dur="indefinite" restart="never" nodeType="tmRoot"/>
+      </p:par>
+    </p:tnLst>
+  </p:timing>
+</p:sld>
+</file>
+
+<file path=ppt/slides/slide4.xml><?xml version="1.0" encoding="utf-8"?>
+<p:sld xmlns:a="http://schemas.openxmlformats.org/drawingml/2006/main" xmlns:r="http://schemas.openxmlformats.org/officeDocument/2006/relationships" xmlns:p="http://schemas.openxmlformats.org/presentationml/2006/main">
+  <p:cSld>
+    <p:spTree>
+      <p:nvGrpSpPr>
+        <p:cNvPr id="1" name=""/>
+        <p:cNvGrpSpPr/>
+        <p:nvPr/>
+      </p:nvGrpSpPr>
+      <p:grpSpPr>
+        <a:xfrm>
+          <a:off x="0" y="0"/>
+          <a:ext cx="0" cy="0"/>
+          <a:chOff x="0" y="0"/>
+          <a:chExt cx="0" cy="0"/>
+        </a:xfrm>
+      </p:grpSpPr>
+      <p:sp>
+        <p:nvSpPr>
+          <p:cNvPr id="2" name="Title 1">
+            <a:extLst>
+              <a:ext uri="{FF2B5EF4-FFF2-40B4-BE49-F238E27FC236}">
+                <a16:creationId xmlns:a16="http://schemas.microsoft.com/office/drawing/2014/main" id="{552F2E6E-CD03-4600-A8A8-DC17406DD8D1}"/>
+              </a:ext>
+            </a:extLst>
+          </p:cNvPr>
+          <p:cNvSpPr>
+            <a:spLocks noGrp="1"/>
+          </p:cNvSpPr>
+          <p:nvPr>
+            <p:ph type="title"/>
+          </p:nvPr>
+        </p:nvSpPr>
+        <p:spPr/>
+        <p:txBody>
+          <a:bodyPr/>
+          <a:lstStyle/>
+          <a:p>
+            <a:r>
+              <a:rPr lang="fr-FR" dirty="0" smtClean="0"/>
+              <a:t>Objectifs</a:t>
+            </a:r>
+            <a:r>
+              <a:rPr lang="en-US" dirty="0" smtClean="0"/>
+              <a:t> </a:t>
+            </a:r>
+            <a:r>
+              <a:rPr lang="en-US" dirty="0" smtClean="0"/>
+              <a:t>de la formation</a:t>
+            </a:r>
+            <a:endParaRPr lang="en-US" dirty="0"/>
+          </a:p>
+        </p:txBody>
+      </p:sp>
+      <p:sp>
+        <p:nvSpPr>
+          <p:cNvPr id="5" name="Espace réservé du texte 4"/>
+          <p:cNvSpPr txBox="1">
+            <a:spLocks/>
+          </p:cNvSpPr>
+          <p:nvPr/>
+        </p:nvSpPr>
+        <p:spPr>
+          <a:xfrm>
+            <a:off x="1298791" y="1971131"/>
+            <a:ext cx="3721846" cy="2895159"/>
+          </a:xfrm>
+          <a:prstGeom prst="rect">
+            <a:avLst/>
+          </a:prstGeom>
+        </p:spPr>
+        <p:txBody>
+          <a:bodyPr>
+            <a:normAutofit fontScale="92500"/>
+          </a:bodyPr>
+          <a:lstStyle>
+            <a:lvl1pPr marL="229500" indent="-229500" algn="l" defTabSz="342900" rtl="0" eaLnBrk="1" latinLnBrk="0" hangingPunct="1">
+              <a:spcBef>
+                <a:spcPct val="20000"/>
+              </a:spcBef>
+              <a:spcAft>
+                <a:spcPts val="450"/>
+              </a:spcAft>
+              <a:buClr>
+                <a:schemeClr val="accent2"/>
+              </a:buClr>
+              <a:buSzPct val="92000"/>
+              <a:buFont typeface="Wingdings 2" panose="05020102010507070707" pitchFamily="18" charset="2"/>
+              <a:buChar char=""/>
+              <a:defRPr sz="1350" kern="1200">
+                <a:solidFill>
+                  <a:schemeClr val="tx2"/>
+                </a:solidFill>
+                <a:latin typeface="+mn-lt"/>
+                <a:ea typeface="+mn-ea"/>
+                <a:cs typeface="+mn-cs"/>
+              </a:defRPr>
+            </a:lvl1pPr>
+            <a:lvl2pPr marL="472500" indent="-229500" algn="l" defTabSz="342900" rtl="0" eaLnBrk="1" latinLnBrk="0" hangingPunct="1">
+              <a:spcBef>
+                <a:spcPct val="20000"/>
+              </a:spcBef>
+              <a:spcAft>
+                <a:spcPts val="450"/>
+              </a:spcAft>
+              <a:buClr>
+                <a:schemeClr val="accent2"/>
+              </a:buClr>
+              <a:buSzPct val="92000"/>
+              <a:buFont typeface="Wingdings 2" panose="05020102010507070707" pitchFamily="18" charset="2"/>
+              <a:buChar char=""/>
+              <a:defRPr sz="1200" kern="1200">
+                <a:solidFill>
+                  <a:schemeClr val="tx2"/>
+                </a:solidFill>
+                <a:latin typeface="+mn-lt"/>
+                <a:ea typeface="+mn-ea"/>
+                <a:cs typeface="+mn-cs"/>
+              </a:defRPr>
+            </a:lvl2pPr>
+            <a:lvl3pPr marL="675000" indent="-202500" algn="l" defTabSz="342900" rtl="0" eaLnBrk="1" latinLnBrk="0" hangingPunct="1">
+              <a:spcBef>
+                <a:spcPct val="20000"/>
+              </a:spcBef>
+              <a:spcAft>
+                <a:spcPts val="450"/>
+              </a:spcAft>
+              <a:buClr>
+                <a:schemeClr val="accent2"/>
+              </a:buClr>
+              <a:buSzPct val="92000"/>
+              <a:buFont typeface="Wingdings 2" panose="05020102010507070707" pitchFamily="18" charset="2"/>
+              <a:buChar char=""/>
+              <a:defRPr sz="1050" kern="1200">
+                <a:solidFill>
+                  <a:schemeClr val="tx2"/>
+                </a:solidFill>
+                <a:latin typeface="+mn-lt"/>
+                <a:ea typeface="+mn-ea"/>
+                <a:cs typeface="+mn-cs"/>
+              </a:defRPr>
+            </a:lvl3pPr>
+            <a:lvl4pPr marL="931500" indent="-175500" algn="l" defTabSz="342900" rtl="0" eaLnBrk="1" latinLnBrk="0" hangingPunct="1">
+              <a:spcBef>
+                <a:spcPct val="20000"/>
+              </a:spcBef>
+              <a:spcAft>
+                <a:spcPts val="450"/>
+              </a:spcAft>
+              <a:buClr>
+                <a:schemeClr val="accent2"/>
+              </a:buClr>
+              <a:buSzPct val="92000"/>
+              <a:buFont typeface="Wingdings 2" panose="05020102010507070707" pitchFamily="18" charset="2"/>
+              <a:buChar char=""/>
+              <a:defRPr sz="900" kern="1200">
+                <a:solidFill>
+                  <a:schemeClr val="tx2"/>
+                </a:solidFill>
+                <a:latin typeface="+mn-lt"/>
+                <a:ea typeface="+mn-ea"/>
+                <a:cs typeface="+mn-cs"/>
+              </a:defRPr>
+            </a:lvl4pPr>
+            <a:lvl5pPr marL="1201500" indent="-175500" algn="l" defTabSz="342900" rtl="0" eaLnBrk="1" latinLnBrk="0" hangingPunct="1">
+              <a:spcBef>
+                <a:spcPct val="20000"/>
+              </a:spcBef>
+              <a:spcAft>
+                <a:spcPts val="450"/>
+              </a:spcAft>
+              <a:buClr>
+                <a:schemeClr val="accent2"/>
+              </a:buClr>
+              <a:buSzPct val="92000"/>
+              <a:buFont typeface="Wingdings 2" panose="05020102010507070707" pitchFamily="18" charset="2"/>
+              <a:buChar char=""/>
+              <a:defRPr sz="900" kern="1200">
+                <a:solidFill>
+                  <a:schemeClr val="tx2"/>
+                </a:solidFill>
+                <a:latin typeface="+mn-lt"/>
+                <a:ea typeface="+mn-ea"/>
+                <a:cs typeface="+mn-cs"/>
+              </a:defRPr>
+            </a:lvl5pPr>
+            <a:lvl6pPr marL="1425000" indent="-171450" algn="l" defTabSz="342900" rtl="0" eaLnBrk="1" latinLnBrk="0" hangingPunct="1">
+              <a:spcBef>
+                <a:spcPct val="20000"/>
+              </a:spcBef>
+              <a:spcAft>
+                <a:spcPts val="450"/>
+              </a:spcAft>
+              <a:buClr>
+                <a:schemeClr val="accent2"/>
+              </a:buClr>
+              <a:buSzPct val="92000"/>
+              <a:buFont typeface="Wingdings 2" panose="05020102010507070707" pitchFamily="18" charset="2"/>
+              <a:buChar char=""/>
+              <a:defRPr sz="900" kern="1200">
+                <a:solidFill>
+                  <a:schemeClr val="tx2"/>
+                </a:solidFill>
+                <a:latin typeface="+mn-lt"/>
+                <a:ea typeface="+mn-ea"/>
+                <a:cs typeface="+mn-cs"/>
+              </a:defRPr>
+            </a:lvl6pPr>
+            <a:lvl7pPr marL="1650000" indent="-171450" algn="l" defTabSz="342900" rtl="0" eaLnBrk="1" latinLnBrk="0" hangingPunct="1">
+              <a:spcBef>
+                <a:spcPct val="20000"/>
+              </a:spcBef>
+              <a:spcAft>
+                <a:spcPts val="450"/>
+              </a:spcAft>
+              <a:buClr>
+                <a:schemeClr val="accent2"/>
+              </a:buClr>
+              <a:buSzPct val="92000"/>
+              <a:buFont typeface="Wingdings 2" panose="05020102010507070707" pitchFamily="18" charset="2"/>
+              <a:buChar char=""/>
+              <a:defRPr sz="900" kern="1200">
+                <a:solidFill>
+                  <a:schemeClr val="tx2"/>
+                </a:solidFill>
+                <a:latin typeface="+mn-lt"/>
+                <a:ea typeface="+mn-ea"/>
+                <a:cs typeface="+mn-cs"/>
+              </a:defRPr>
+            </a:lvl7pPr>
+            <a:lvl8pPr marL="1875000" indent="-171450" algn="l" defTabSz="342900" rtl="0" eaLnBrk="1" latinLnBrk="0" hangingPunct="1">
+              <a:spcBef>
+                <a:spcPct val="20000"/>
+              </a:spcBef>
+              <a:spcAft>
+                <a:spcPts val="450"/>
+              </a:spcAft>
+              <a:buClr>
+                <a:schemeClr val="accent2"/>
+              </a:buClr>
+              <a:buSzPct val="92000"/>
+              <a:buFont typeface="Wingdings 2" panose="05020102010507070707" pitchFamily="18" charset="2"/>
+              <a:buChar char=""/>
+              <a:defRPr sz="900" kern="1200">
+                <a:solidFill>
+                  <a:schemeClr val="tx2"/>
+                </a:solidFill>
+                <a:latin typeface="+mn-lt"/>
+                <a:ea typeface="+mn-ea"/>
+                <a:cs typeface="+mn-cs"/>
+              </a:defRPr>
+            </a:lvl8pPr>
+            <a:lvl9pPr marL="2100000" indent="-171450" algn="l" defTabSz="342900" rtl="0" eaLnBrk="1" latinLnBrk="0" hangingPunct="1">
+              <a:spcBef>
+                <a:spcPct val="20000"/>
+              </a:spcBef>
+              <a:spcAft>
+                <a:spcPts val="450"/>
+              </a:spcAft>
+              <a:buClr>
+                <a:schemeClr val="accent2"/>
+              </a:buClr>
+              <a:buSzPct val="92000"/>
+              <a:buFont typeface="Wingdings 2" panose="05020102010507070707" pitchFamily="18" charset="2"/>
+              <a:buChar char=""/>
+              <a:defRPr sz="900" kern="1200">
+                <a:solidFill>
+                  <a:schemeClr val="tx2"/>
+                </a:solidFill>
+                <a:latin typeface="+mn-lt"/>
+                <a:ea typeface="+mn-ea"/>
+                <a:cs typeface="+mn-cs"/>
+              </a:defRPr>
+            </a:lvl9pPr>
+          </a:lstStyle>
+          <a:p>
+            <a:pPr marL="342900" lvl="1" indent="-342900">
+              <a:lnSpc>
+                <a:spcPct val="150000"/>
+              </a:lnSpc>
+              <a:spcAft>
+                <a:spcPts val="600"/>
+              </a:spcAft>
+              <a:buClr>
+                <a:schemeClr val="accent1">
+                  <a:lumMod val="75000"/>
+                </a:schemeClr>
+              </a:buClr>
+              <a:buSzPct val="100000"/>
+              <a:buFont typeface="Wingdings" panose="05000000000000000000" pitchFamily="2" charset="2"/>
+              <a:buChar char="§"/>
+              <a:defRPr/>
+            </a:pPr>
+            <a:r>
+              <a:rPr lang="fr-FR" sz="2000" dirty="0" smtClean="0"/>
+              <a:t>Se familiariser avec les concepts généraux du HPC</a:t>
+            </a:r>
+          </a:p>
+          <a:p>
+            <a:pPr marL="342900" lvl="1" indent="-342900">
+              <a:lnSpc>
+                <a:spcPct val="150000"/>
+              </a:lnSpc>
+              <a:spcAft>
+                <a:spcPts val="600"/>
+              </a:spcAft>
+              <a:buClr>
+                <a:schemeClr val="accent1">
+                  <a:lumMod val="75000"/>
+                </a:schemeClr>
+              </a:buClr>
+              <a:buSzPct val="100000"/>
+              <a:buFont typeface="Wingdings" panose="05000000000000000000" pitchFamily="2" charset="2"/>
+              <a:buChar char="§"/>
+              <a:defRPr/>
+            </a:pPr>
+            <a:r>
+              <a:rPr lang="fr-FR" sz="2000" dirty="0" smtClean="0"/>
+              <a:t>Paralléliser / vectoriser un code</a:t>
+            </a:r>
+          </a:p>
+          <a:p>
+            <a:pPr marL="342900" lvl="1" indent="-342900">
+              <a:lnSpc>
+                <a:spcPct val="150000"/>
+              </a:lnSpc>
+              <a:spcAft>
+                <a:spcPts val="600"/>
+              </a:spcAft>
+              <a:buClr>
+                <a:schemeClr val="accent1">
+                  <a:lumMod val="75000"/>
+                </a:schemeClr>
+              </a:buClr>
+              <a:buSzPct val="100000"/>
+              <a:buFont typeface="Wingdings" panose="05000000000000000000" pitchFamily="2" charset="2"/>
+              <a:buChar char="§"/>
+              <a:defRPr/>
+            </a:pPr>
+            <a:r>
+              <a:rPr lang="fr-FR" sz="2000" dirty="0" smtClean="0"/>
+              <a:t>(Bien) </a:t>
+            </a:r>
+            <a:r>
+              <a:rPr lang="fr-FR" sz="2000" dirty="0"/>
+              <a:t>p</a:t>
+            </a:r>
+            <a:r>
+              <a:rPr lang="fr-FR" sz="2000" dirty="0" smtClean="0"/>
+              <a:t>rogrammer en CUDA</a:t>
+            </a:r>
+          </a:p>
+          <a:p>
+            <a:pPr marL="342900" lvl="1" indent="-342900">
+              <a:lnSpc>
+                <a:spcPct val="150000"/>
+              </a:lnSpc>
+              <a:spcAft>
+                <a:spcPts val="600"/>
+              </a:spcAft>
+              <a:buClr>
+                <a:schemeClr val="accent1">
+                  <a:lumMod val="75000"/>
+                </a:schemeClr>
+              </a:buClr>
+              <a:buSzPct val="100000"/>
+              <a:buFont typeface="Wingdings" panose="05000000000000000000" pitchFamily="2" charset="2"/>
+              <a:buChar char="§"/>
+              <a:defRPr/>
+            </a:pPr>
+            <a:r>
+              <a:rPr lang="fr-FR" sz="2000" dirty="0" smtClean="0"/>
+              <a:t>Répondre à vos questions</a:t>
+            </a:r>
+          </a:p>
+          <a:p>
+            <a:pPr marL="342900" lvl="1" indent="-342900">
+              <a:lnSpc>
+                <a:spcPct val="150000"/>
+              </a:lnSpc>
+              <a:spcAft>
+                <a:spcPts val="600"/>
+              </a:spcAft>
+              <a:buClr>
+                <a:schemeClr val="accent1">
+                  <a:lumMod val="75000"/>
+                </a:schemeClr>
+              </a:buClr>
+              <a:buSzPct val="100000"/>
+              <a:buFont typeface="Wingdings" panose="05000000000000000000" pitchFamily="2" charset="2"/>
+              <a:buChar char="§"/>
+              <a:defRPr/>
+            </a:pPr>
+            <a:endParaRPr lang="fr-FR" sz="2000" dirty="0"/>
+          </a:p>
+        </p:txBody>
+      </p:sp>
+      <p:pic>
+        <p:nvPicPr>
+          <p:cNvPr id="3" name="Image 2"/>
+          <p:cNvPicPr>
+            <a:picLocks noChangeAspect="1"/>
+          </p:cNvPicPr>
+          <p:nvPr/>
+        </p:nvPicPr>
+        <p:blipFill>
+          <a:blip r:embed="rId2">
+            <a:extLst>
+              <a:ext uri="{28A0092B-C50C-407E-A947-70E740481C1C}">
+                <a14:useLocalDpi xmlns:a14="http://schemas.microsoft.com/office/drawing/2010/main" val="0"/>
+              </a:ext>
+            </a:extLst>
+          </a:blip>
+          <a:stretch>
+            <a:fillRect/>
+          </a:stretch>
+        </p:blipFill>
+        <p:spPr>
+          <a:xfrm>
+            <a:off x="5865490" y="1918957"/>
+            <a:ext cx="2447925" cy="2438400"/>
+          </a:xfrm>
+          <a:prstGeom prst="rect">
+            <a:avLst/>
+          </a:prstGeom>
+        </p:spPr>
+      </p:pic>
+      <p:sp>
+        <p:nvSpPr>
+          <p:cNvPr id="4" name="Espace réservé du numéro de diapositive 3"/>
+          <p:cNvSpPr>
+            <a:spLocks noGrp="1"/>
+          </p:cNvSpPr>
+          <p:nvPr>
+            <p:ph type="sldNum" sz="quarter" idx="12"/>
+          </p:nvPr>
+        </p:nvSpPr>
+        <p:spPr/>
+        <p:txBody>
+          <a:bodyPr/>
+          <a:lstStyle/>
+          <a:p>
+            <a:pPr rtl="0"/>
+            <a:fld id="{D57F1E4F-1CFF-5643-939E-217C01CDF565}" type="slidenum">
+              <a:rPr lang="fr-FR" noProof="0" smtClean="0"/>
+              <a:pPr rtl="0"/>
+              <a:t>4</a:t>
+            </a:fld>
+            <a:endParaRPr lang="fr-FR" noProof="0" dirty="0"/>
+          </a:p>
+        </p:txBody>
+      </p:sp>
+      <p:pic>
+        <p:nvPicPr>
+          <p:cNvPr id="6" name="Image 5"/>
+          <p:cNvPicPr>
+            <a:picLocks noChangeAspect="1"/>
+          </p:cNvPicPr>
+          <p:nvPr/>
+        </p:nvPicPr>
+        <p:blipFill>
+          <a:blip r:embed="rId3">
+            <a:extLst>
+              <a:ext uri="{28A0092B-C50C-407E-A947-70E740481C1C}">
+                <a14:useLocalDpi xmlns:a14="http://schemas.microsoft.com/office/drawing/2010/main" val="0"/>
+              </a:ext>
+            </a:extLst>
+          </a:blip>
+          <a:stretch>
+            <a:fillRect/>
+          </a:stretch>
+        </p:blipFill>
+        <p:spPr>
+          <a:xfrm>
+            <a:off x="5448658" y="1461762"/>
+            <a:ext cx="668162" cy="689716"/>
+          </a:xfrm>
+          <a:prstGeom prst="rect">
+            <a:avLst/>
+          </a:prstGeom>
+        </p:spPr>
+      </p:pic>
+      <p:pic>
+        <p:nvPicPr>
+          <p:cNvPr id="7" name="Image 6"/>
+          <p:cNvPicPr>
+            <a:picLocks noChangeAspect="1"/>
+          </p:cNvPicPr>
+          <p:nvPr/>
+        </p:nvPicPr>
+        <p:blipFill>
+          <a:blip r:embed="rId4">
+            <a:extLst>
+              <a:ext uri="{28A0092B-C50C-407E-A947-70E740481C1C}">
+                <a14:useLocalDpi xmlns:a14="http://schemas.microsoft.com/office/drawing/2010/main" val="0"/>
+              </a:ext>
+            </a:extLst>
+          </a:blip>
+          <a:stretch>
+            <a:fillRect/>
+          </a:stretch>
+        </p:blipFill>
+        <p:spPr>
+          <a:xfrm>
+            <a:off x="6731282" y="1577134"/>
+            <a:ext cx="1501129" cy="393997"/>
+          </a:xfrm>
+          <a:prstGeom prst="rect">
+            <a:avLst/>
+          </a:prstGeom>
+        </p:spPr>
+      </p:pic>
+      <p:pic>
+        <p:nvPicPr>
+          <p:cNvPr id="8" name="Image 7"/>
+          <p:cNvPicPr>
+            <a:picLocks noChangeAspect="1"/>
+          </p:cNvPicPr>
+          <p:nvPr/>
+        </p:nvPicPr>
+        <p:blipFill>
+          <a:blip r:embed="rId5">
+            <a:extLst>
+              <a:ext uri="{28A0092B-C50C-407E-A947-70E740481C1C}">
+                <a14:useLocalDpi xmlns:a14="http://schemas.microsoft.com/office/drawing/2010/main" val="0"/>
+              </a:ext>
+            </a:extLst>
+          </a:blip>
+          <a:stretch>
+            <a:fillRect/>
+          </a:stretch>
+        </p:blipFill>
+        <p:spPr>
+          <a:xfrm>
+            <a:off x="4384821" y="4124835"/>
+            <a:ext cx="3199823" cy="1801382"/>
+          </a:xfrm>
+          <a:prstGeom prst="rect">
+            <a:avLst/>
+          </a:prstGeom>
+        </p:spPr>
+      </p:pic>
+      <p:pic>
+        <p:nvPicPr>
+          <p:cNvPr id="9" name="Image 8"/>
+          <p:cNvPicPr>
+            <a:picLocks noChangeAspect="1"/>
+          </p:cNvPicPr>
+          <p:nvPr/>
+        </p:nvPicPr>
+        <p:blipFill>
+          <a:blip r:embed="rId6">
+            <a:extLst>
+              <a:ext uri="{28A0092B-C50C-407E-A947-70E740481C1C}">
+                <a14:useLocalDpi xmlns:a14="http://schemas.microsoft.com/office/drawing/2010/main" val="0"/>
+              </a:ext>
+            </a:extLst>
+          </a:blip>
+          <a:stretch>
+            <a:fillRect/>
+          </a:stretch>
+        </p:blipFill>
+        <p:spPr>
+          <a:xfrm>
+            <a:off x="7340782" y="4500419"/>
+            <a:ext cx="975968" cy="715710"/>
+          </a:xfrm>
+          <a:prstGeom prst="rect">
+            <a:avLst/>
+          </a:prstGeom>
+        </p:spPr>
+      </p:pic>
+    </p:spTree>
+    <p:extLst>
+      <p:ext uri="{BB962C8B-B14F-4D97-AF65-F5344CB8AC3E}">
+        <p14:creationId xmlns:p14="http://schemas.microsoft.com/office/powerpoint/2010/main" val="151859928"/>
+      </p:ext>
+    </p:extLst>
+  </p:cSld>
+  <p:clrMapOvr>
+    <a:masterClrMapping/>
+  </p:clrMapOvr>
+  <p:timing>
+    <p:tnLst>
+      <p:par>
+        <p:cTn id="1" dur="indefinite" restart="never" nodeType="tmRoot"/>
+      </p:par>
+    </p:tnLst>
+  </p:timing>
+</p:sld>
+</file>
+
+<file path=ppt/slides/slide5.xml><?xml version="1.0" encoding="utf-8"?>
+<p:sld xmlns:a="http://schemas.openxmlformats.org/drawingml/2006/main" xmlns:r="http://schemas.openxmlformats.org/officeDocument/2006/relationships" xmlns:p="http://schemas.openxmlformats.org/presentationml/2006/main">
+  <p:cSld>
+    <p:spTree>
+      <p:nvGrpSpPr>
+        <p:cNvPr id="1" name=""/>
+        <p:cNvGrpSpPr/>
+        <p:nvPr/>
+      </p:nvGrpSpPr>
+      <p:grpSpPr>
+        <a:xfrm>
+          <a:off x="0" y="0"/>
+          <a:ext cx="0" cy="0"/>
+          <a:chOff x="0" y="0"/>
+          <a:chExt cx="0" cy="0"/>
+        </a:xfrm>
+      </p:grpSpPr>
+      <p:sp>
+        <p:nvSpPr>
+          <p:cNvPr id="2" name="Title 1">
+            <a:extLst>
+              <a:ext uri="{FF2B5EF4-FFF2-40B4-BE49-F238E27FC236}">
+                <a16:creationId xmlns:a16="http://schemas.microsoft.com/office/drawing/2014/main" id="{552F2E6E-CD03-4600-A8A8-DC17406DD8D1}"/>
+              </a:ext>
+            </a:extLst>
+          </p:cNvPr>
+          <p:cNvSpPr>
+            <a:spLocks noGrp="1"/>
+          </p:cNvSpPr>
+          <p:nvPr>
+            <p:ph type="title"/>
+          </p:nvPr>
+        </p:nvSpPr>
+        <p:spPr/>
+        <p:txBody>
+          <a:bodyPr/>
+          <a:lstStyle/>
+          <a:p>
+            <a:r>
+              <a:rPr lang="fr-FR" dirty="0" smtClean="0"/>
+              <a:t>Programme</a:t>
+            </a:r>
+            <a:r>
+              <a:rPr lang="en-US" dirty="0" smtClean="0"/>
+              <a:t> </a:t>
+            </a:r>
+            <a:r>
+              <a:rPr lang="en-US" dirty="0" smtClean="0"/>
+              <a:t>des </a:t>
+            </a:r>
+            <a:r>
+              <a:rPr lang="fr-FR" dirty="0" smtClean="0"/>
+              <a:t>deux</a:t>
+            </a:r>
+            <a:r>
+              <a:rPr lang="en-US" dirty="0" smtClean="0"/>
+              <a:t> </a:t>
+            </a:r>
+            <a:r>
+              <a:rPr lang="fr-FR" dirty="0" smtClean="0"/>
+              <a:t>jours</a:t>
+            </a:r>
+            <a:endParaRPr lang="fr-FR" dirty="0"/>
+          </a:p>
+        </p:txBody>
+      </p:sp>
+      <p:graphicFrame>
+        <p:nvGraphicFramePr>
+          <p:cNvPr id="4" name="Espace réservé au contenu 3" descr="Graphique SmartArt icône">
+            <a:extLst>
+              <a:ext uri="{FF2B5EF4-FFF2-40B4-BE49-F238E27FC236}">
+                <a16:creationId xmlns:a16="http://schemas.microsoft.com/office/drawing/2014/main" id="{81E592E1-99DF-4294-A2E9-EF46299BD3F4}"/>
+              </a:ext>
+            </a:extLst>
+          </p:cNvPr>
+          <p:cNvGraphicFramePr>
+            <a:graphicFrameLocks noGrp="1"/>
+          </p:cNvGraphicFramePr>
+          <p:nvPr>
+            <p:ph idx="1"/>
+            <p:extLst>
+              <p:ext uri="{D42A27DB-BD31-4B8C-83A1-F6EECF244321}">
+                <p14:modId xmlns:p14="http://schemas.microsoft.com/office/powerpoint/2010/main" val="2796016368"/>
+              </p:ext>
+            </p:extLst>
+          </p:nvPr>
+        </p:nvGraphicFramePr>
+        <p:xfrm>
+          <a:off x="435643" y="2350294"/>
+          <a:ext cx="8272463" cy="2758679"/>
+        </p:xfrm>
+        <a:graphic>
+          <a:graphicData uri="http://schemas.openxmlformats.org/drawingml/2006/diagram">
+            <dgm:relIds xmlns:dgm="http://schemas.openxmlformats.org/drawingml/2006/diagram" xmlns:r="http://schemas.openxmlformats.org/officeDocument/2006/relationships" r:dm="rId2" r:lo="rId3" r:qs="rId4" r:cs="rId5"/>
+          </a:graphicData>
+        </a:graphic>
+      </p:graphicFrame>
+      <p:sp>
+        <p:nvSpPr>
+          <p:cNvPr id="3" name="Espace réservé du numéro de diapositive 2"/>
+          <p:cNvSpPr>
+            <a:spLocks noGrp="1"/>
+          </p:cNvSpPr>
+          <p:nvPr>
+            <p:ph type="sldNum" sz="quarter" idx="12"/>
+          </p:nvPr>
+        </p:nvSpPr>
+        <p:spPr/>
+        <p:txBody>
+          <a:bodyPr/>
+          <a:lstStyle/>
+          <a:p>
+            <a:pPr rtl="0"/>
+            <a:fld id="{D57F1E4F-1CFF-5643-939E-217C01CDF565}" type="slidenum">
+              <a:rPr lang="fr-FR" noProof="0" smtClean="0"/>
+              <a:pPr rtl="0"/>
+              <a:t>5</a:t>
+            </a:fld>
+            <a:endParaRPr lang="fr-FR" noProof="0" dirty="0"/>
+          </a:p>
+        </p:txBody>
+      </p:sp>
+    </p:spTree>
+    <p:extLst>
+      <p:ext uri="{BB962C8B-B14F-4D97-AF65-F5344CB8AC3E}">
+        <p14:creationId xmlns:p14="http://schemas.microsoft.com/office/powerpoint/2010/main" val="2539175492"/>
+      </p:ext>
+    </p:extLst>
+  </p:cSld>
+  <p:clrMapOvr>
+    <a:masterClrMapping/>
+  </p:clrMapOvr>
+  <p:timing>
+    <p:tnLst>
+      <p:par>
+        <p:cTn id="1" dur="indefinite" restart="never" nodeType="tmRoot"/>
+      </p:par>
+    </p:tnLst>
+  </p:timing>
+</p:sld>
+</file>
+
+<file path=ppt/slides/slide6.xml><?xml version="1.0" encoding="utf-8"?>
+<p:sld xmlns:a="http://schemas.openxmlformats.org/drawingml/2006/main" xmlns:r="http://schemas.openxmlformats.org/officeDocument/2006/relationships" xmlns:p="http://schemas.openxmlformats.org/presentationml/2006/main">
+  <p:cSld>
+    <p:spTree>
+      <p:nvGrpSpPr>
+        <p:cNvPr id="1" name=""/>
+        <p:cNvGrpSpPr/>
+        <p:nvPr/>
+      </p:nvGrpSpPr>
+      <p:grpSpPr>
+        <a:xfrm>
+          <a:off x="0" y="0"/>
+          <a:ext cx="0" cy="0"/>
+          <a:chOff x="0" y="0"/>
+          <a:chExt cx="0" cy="0"/>
+        </a:xfrm>
+      </p:grpSpPr>
+      <p:sp>
+        <p:nvSpPr>
+          <p:cNvPr id="2" name="Title 1">
+            <a:extLst>
+              <a:ext uri="{FF2B5EF4-FFF2-40B4-BE49-F238E27FC236}">
+                <a16:creationId xmlns:a16="http://schemas.microsoft.com/office/drawing/2014/main" id="{552F2E6E-CD03-4600-A8A8-DC17406DD8D1}"/>
+              </a:ext>
+            </a:extLst>
+          </p:cNvPr>
+          <p:cNvSpPr>
+            <a:spLocks noGrp="1"/>
+          </p:cNvSpPr>
+          <p:nvPr>
+            <p:ph type="title"/>
+          </p:nvPr>
+        </p:nvSpPr>
+        <p:spPr/>
+        <p:txBody>
+          <a:bodyPr/>
+          <a:lstStyle/>
+          <a:p>
+            <a:r>
+              <a:rPr lang="en-US" dirty="0" smtClean="0"/>
+              <a:t>Agenda </a:t>
+            </a:r>
+            <a:r>
+              <a:rPr lang="en-US" dirty="0" smtClean="0"/>
+              <a:t>Formation</a:t>
+            </a:r>
+            <a:endParaRPr lang="en-US" dirty="0"/>
+          </a:p>
+        </p:txBody>
+      </p:sp>
+      <p:sp>
+        <p:nvSpPr>
+          <p:cNvPr id="5" name="Espace réservé du texte 4"/>
+          <p:cNvSpPr txBox="1">
+            <a:spLocks/>
+          </p:cNvSpPr>
+          <p:nvPr/>
+        </p:nvSpPr>
+        <p:spPr>
+          <a:xfrm>
+            <a:off x="850154" y="2355510"/>
+            <a:ext cx="3721846" cy="2895159"/>
+          </a:xfrm>
+          <a:prstGeom prst="rect">
+            <a:avLst/>
+          </a:prstGeom>
+        </p:spPr>
+        <p:txBody>
+          <a:bodyPr>
+            <a:normAutofit/>
+          </a:bodyPr>
+          <a:lstStyle>
+            <a:lvl1pPr marL="229500" indent="-229500" algn="l" defTabSz="342900" rtl="0" eaLnBrk="1" latinLnBrk="0" hangingPunct="1">
+              <a:spcBef>
+                <a:spcPct val="20000"/>
+              </a:spcBef>
+              <a:spcAft>
+                <a:spcPts val="450"/>
+              </a:spcAft>
+              <a:buClr>
+                <a:schemeClr val="accent2"/>
+              </a:buClr>
+              <a:buSzPct val="92000"/>
+              <a:buFont typeface="Wingdings 2" panose="05020102010507070707" pitchFamily="18" charset="2"/>
+              <a:buChar char=""/>
+              <a:defRPr sz="1350" kern="1200">
+                <a:solidFill>
+                  <a:schemeClr val="tx2"/>
+                </a:solidFill>
+                <a:latin typeface="+mn-lt"/>
+                <a:ea typeface="+mn-ea"/>
+                <a:cs typeface="+mn-cs"/>
+              </a:defRPr>
+            </a:lvl1pPr>
+            <a:lvl2pPr marL="472500" indent="-229500" algn="l" defTabSz="342900" rtl="0" eaLnBrk="1" latinLnBrk="0" hangingPunct="1">
+              <a:spcBef>
+                <a:spcPct val="20000"/>
+              </a:spcBef>
+              <a:spcAft>
+                <a:spcPts val="450"/>
+              </a:spcAft>
+              <a:buClr>
+                <a:schemeClr val="accent2"/>
+              </a:buClr>
+              <a:buSzPct val="92000"/>
+              <a:buFont typeface="Wingdings 2" panose="05020102010507070707" pitchFamily="18" charset="2"/>
+              <a:buChar char=""/>
+              <a:defRPr sz="1200" kern="1200">
+                <a:solidFill>
+                  <a:schemeClr val="tx2"/>
+                </a:solidFill>
+                <a:latin typeface="+mn-lt"/>
+                <a:ea typeface="+mn-ea"/>
+                <a:cs typeface="+mn-cs"/>
+              </a:defRPr>
+            </a:lvl2pPr>
+            <a:lvl3pPr marL="675000" indent="-202500" algn="l" defTabSz="342900" rtl="0" eaLnBrk="1" latinLnBrk="0" hangingPunct="1">
+              <a:spcBef>
+                <a:spcPct val="20000"/>
+              </a:spcBef>
+              <a:spcAft>
+                <a:spcPts val="450"/>
+              </a:spcAft>
+              <a:buClr>
+                <a:schemeClr val="accent2"/>
+              </a:buClr>
+              <a:buSzPct val="92000"/>
+              <a:buFont typeface="Wingdings 2" panose="05020102010507070707" pitchFamily="18" charset="2"/>
+              <a:buChar char=""/>
+              <a:defRPr sz="1050" kern="1200">
+                <a:solidFill>
+                  <a:schemeClr val="tx2"/>
+                </a:solidFill>
+                <a:latin typeface="+mn-lt"/>
+                <a:ea typeface="+mn-ea"/>
+                <a:cs typeface="+mn-cs"/>
+              </a:defRPr>
+            </a:lvl3pPr>
+            <a:lvl4pPr marL="931500" indent="-175500" algn="l" defTabSz="342900" rtl="0" eaLnBrk="1" latinLnBrk="0" hangingPunct="1">
+              <a:spcBef>
+                <a:spcPct val="20000"/>
+              </a:spcBef>
+              <a:spcAft>
+                <a:spcPts val="450"/>
+              </a:spcAft>
+              <a:buClr>
+                <a:schemeClr val="accent2"/>
+              </a:buClr>
+              <a:buSzPct val="92000"/>
+              <a:buFont typeface="Wingdings 2" panose="05020102010507070707" pitchFamily="18" charset="2"/>
+              <a:buChar char=""/>
+              <a:defRPr sz="900" kern="1200">
+                <a:solidFill>
+                  <a:schemeClr val="tx2"/>
+                </a:solidFill>
+                <a:latin typeface="+mn-lt"/>
+                <a:ea typeface="+mn-ea"/>
+                <a:cs typeface="+mn-cs"/>
+              </a:defRPr>
+            </a:lvl4pPr>
+            <a:lvl5pPr marL="1201500" indent="-175500" algn="l" defTabSz="342900" rtl="0" eaLnBrk="1" latinLnBrk="0" hangingPunct="1">
+              <a:spcBef>
+                <a:spcPct val="20000"/>
+              </a:spcBef>
+              <a:spcAft>
+                <a:spcPts val="450"/>
+              </a:spcAft>
+              <a:buClr>
+                <a:schemeClr val="accent2"/>
+              </a:buClr>
+              <a:buSzPct val="92000"/>
+              <a:buFont typeface="Wingdings 2" panose="05020102010507070707" pitchFamily="18" charset="2"/>
+              <a:buChar char=""/>
+              <a:defRPr sz="900" kern="1200">
+                <a:solidFill>
+                  <a:schemeClr val="tx2"/>
+                </a:solidFill>
+                <a:latin typeface="+mn-lt"/>
+                <a:ea typeface="+mn-ea"/>
+                <a:cs typeface="+mn-cs"/>
+              </a:defRPr>
+            </a:lvl5pPr>
+            <a:lvl6pPr marL="1425000" indent="-171450" algn="l" defTabSz="342900" rtl="0" eaLnBrk="1" latinLnBrk="0" hangingPunct="1">
+              <a:spcBef>
+                <a:spcPct val="20000"/>
+              </a:spcBef>
+              <a:spcAft>
+                <a:spcPts val="450"/>
+              </a:spcAft>
+              <a:buClr>
+                <a:schemeClr val="accent2"/>
+              </a:buClr>
+              <a:buSzPct val="92000"/>
+              <a:buFont typeface="Wingdings 2" panose="05020102010507070707" pitchFamily="18" charset="2"/>
+              <a:buChar char=""/>
+              <a:defRPr sz="900" kern="1200">
+                <a:solidFill>
+                  <a:schemeClr val="tx2"/>
+                </a:solidFill>
+                <a:latin typeface="+mn-lt"/>
+                <a:ea typeface="+mn-ea"/>
+                <a:cs typeface="+mn-cs"/>
+              </a:defRPr>
+            </a:lvl6pPr>
+            <a:lvl7pPr marL="1650000" indent="-171450" algn="l" defTabSz="342900" rtl="0" eaLnBrk="1" latinLnBrk="0" hangingPunct="1">
+              <a:spcBef>
+                <a:spcPct val="20000"/>
+              </a:spcBef>
+              <a:spcAft>
+                <a:spcPts val="450"/>
+              </a:spcAft>
+              <a:buClr>
+                <a:schemeClr val="accent2"/>
+              </a:buClr>
+              <a:buSzPct val="92000"/>
+              <a:buFont typeface="Wingdings 2" panose="05020102010507070707" pitchFamily="18" charset="2"/>
+              <a:buChar char=""/>
+              <a:defRPr sz="900" kern="1200">
+                <a:solidFill>
+                  <a:schemeClr val="tx2"/>
+                </a:solidFill>
+                <a:latin typeface="+mn-lt"/>
+                <a:ea typeface="+mn-ea"/>
+                <a:cs typeface="+mn-cs"/>
+              </a:defRPr>
+            </a:lvl7pPr>
+            <a:lvl8pPr marL="1875000" indent="-171450" algn="l" defTabSz="342900" rtl="0" eaLnBrk="1" latinLnBrk="0" hangingPunct="1">
+              <a:spcBef>
+                <a:spcPct val="20000"/>
+              </a:spcBef>
+              <a:spcAft>
+                <a:spcPts val="450"/>
+              </a:spcAft>
+              <a:buClr>
+                <a:schemeClr val="accent2"/>
+              </a:buClr>
+              <a:buSzPct val="92000"/>
+              <a:buFont typeface="Wingdings 2" panose="05020102010507070707" pitchFamily="18" charset="2"/>
+              <a:buChar char=""/>
+              <a:defRPr sz="900" kern="1200">
+                <a:solidFill>
+                  <a:schemeClr val="tx2"/>
+                </a:solidFill>
+                <a:latin typeface="+mn-lt"/>
+                <a:ea typeface="+mn-ea"/>
+                <a:cs typeface="+mn-cs"/>
+              </a:defRPr>
+            </a:lvl8pPr>
+            <a:lvl9pPr marL="2100000" indent="-171450" algn="l" defTabSz="342900" rtl="0" eaLnBrk="1" latinLnBrk="0" hangingPunct="1">
+              <a:spcBef>
+                <a:spcPct val="20000"/>
+              </a:spcBef>
+              <a:spcAft>
+                <a:spcPts val="450"/>
+              </a:spcAft>
+              <a:buClr>
+                <a:schemeClr val="accent2"/>
+              </a:buClr>
+              <a:buSzPct val="92000"/>
+              <a:buFont typeface="Wingdings 2" panose="05020102010507070707" pitchFamily="18" charset="2"/>
+              <a:buChar char=""/>
+              <a:defRPr sz="900" kern="1200">
+                <a:solidFill>
+                  <a:schemeClr val="tx2"/>
+                </a:solidFill>
+                <a:latin typeface="+mn-lt"/>
+                <a:ea typeface="+mn-ea"/>
+                <a:cs typeface="+mn-cs"/>
+              </a:defRPr>
+            </a:lvl9pPr>
+          </a:lstStyle>
+          <a:p>
+            <a:pPr marL="342900" lvl="1" indent="-342900">
+              <a:lnSpc>
+                <a:spcPct val="150000"/>
+              </a:lnSpc>
+              <a:spcAft>
+                <a:spcPts val="600"/>
+              </a:spcAft>
+              <a:buClr>
+                <a:schemeClr val="accent1">
+                  <a:lumMod val="75000"/>
+                </a:schemeClr>
+              </a:buClr>
+              <a:buSzPct val="100000"/>
+              <a:buFont typeface="Wingdings" panose="05000000000000000000" pitchFamily="2" charset="2"/>
+              <a:buChar char="§"/>
+              <a:defRPr/>
+            </a:pPr>
+            <a:r>
+              <a:rPr lang="fr-FR" sz="2000" dirty="0" smtClean="0"/>
+              <a:t>9H :  </a:t>
+            </a:r>
+            <a:r>
+              <a:rPr lang="fr-FR" sz="2000" dirty="0" smtClean="0"/>
+              <a:t>Vectorisation</a:t>
+            </a:r>
+            <a:endParaRPr lang="fr-FR" sz="2000" dirty="0" smtClean="0"/>
+          </a:p>
+          <a:p>
+            <a:pPr marL="342900" lvl="1" indent="-342900">
+              <a:lnSpc>
+                <a:spcPct val="150000"/>
+              </a:lnSpc>
+              <a:spcAft>
+                <a:spcPts val="600"/>
+              </a:spcAft>
+              <a:buClr>
+                <a:schemeClr val="accent1">
+                  <a:lumMod val="75000"/>
+                </a:schemeClr>
+              </a:buClr>
+              <a:buSzPct val="100000"/>
+              <a:buFont typeface="Wingdings" panose="05000000000000000000" pitchFamily="2" charset="2"/>
+              <a:buChar char="§"/>
+              <a:defRPr/>
+            </a:pPr>
+            <a:r>
+              <a:rPr lang="fr-FR" sz="2000" dirty="0" smtClean="0"/>
+              <a:t>12H : </a:t>
+            </a:r>
+            <a:r>
+              <a:rPr lang="fr-FR" sz="2000" dirty="0" smtClean="0"/>
+              <a:t>Pause</a:t>
+            </a:r>
+            <a:endParaRPr lang="fr-FR" sz="2000" dirty="0" smtClean="0"/>
+          </a:p>
+          <a:p>
+            <a:pPr marL="342900" lvl="1" indent="-342900">
+              <a:lnSpc>
+                <a:spcPct val="150000"/>
+              </a:lnSpc>
+              <a:spcAft>
+                <a:spcPts val="600"/>
+              </a:spcAft>
+              <a:buClr>
+                <a:schemeClr val="accent1">
+                  <a:lumMod val="75000"/>
+                </a:schemeClr>
+              </a:buClr>
+              <a:buSzPct val="100000"/>
+              <a:buFont typeface="Wingdings" panose="05000000000000000000" pitchFamily="2" charset="2"/>
+              <a:buChar char="§"/>
+              <a:defRPr/>
+            </a:pPr>
+            <a:r>
+              <a:rPr lang="fr-FR" sz="2000" dirty="0" smtClean="0"/>
+              <a:t>13H30 : </a:t>
+            </a:r>
+            <a:r>
+              <a:rPr lang="fr-FR" sz="2000" dirty="0" smtClean="0"/>
+              <a:t>OpenMP</a:t>
+            </a:r>
+            <a:endParaRPr lang="fr-FR" sz="2000" dirty="0" smtClean="0"/>
+          </a:p>
+          <a:p>
+            <a:pPr marL="342900" lvl="1" indent="-342900">
+              <a:lnSpc>
+                <a:spcPct val="150000"/>
+              </a:lnSpc>
+              <a:spcAft>
+                <a:spcPts val="600"/>
+              </a:spcAft>
+              <a:buClr>
+                <a:schemeClr val="accent1">
+                  <a:lumMod val="75000"/>
+                </a:schemeClr>
+              </a:buClr>
+              <a:buSzPct val="100000"/>
+              <a:buFont typeface="Wingdings" panose="05000000000000000000" pitchFamily="2" charset="2"/>
+              <a:buChar char="§"/>
+              <a:defRPr/>
+            </a:pPr>
+            <a:r>
+              <a:rPr lang="fr-FR" sz="2000" dirty="0" smtClean="0"/>
+              <a:t>17H : Fin de journée</a:t>
+            </a:r>
+          </a:p>
+          <a:p>
+            <a:pPr marL="342900" lvl="1" indent="-342900">
+              <a:lnSpc>
+                <a:spcPct val="150000"/>
+              </a:lnSpc>
+              <a:spcAft>
+                <a:spcPts val="600"/>
+              </a:spcAft>
+              <a:buClr>
+                <a:schemeClr val="accent1">
+                  <a:lumMod val="75000"/>
+                </a:schemeClr>
+              </a:buClr>
+              <a:buSzPct val="100000"/>
+              <a:buFont typeface="Wingdings" panose="05000000000000000000" pitchFamily="2" charset="2"/>
+              <a:buChar char="§"/>
+              <a:defRPr/>
+            </a:pPr>
+            <a:endParaRPr lang="fr-FR" sz="2000" dirty="0" smtClean="0"/>
+          </a:p>
+          <a:p>
+            <a:pPr marL="342900" lvl="1" indent="-342900">
+              <a:lnSpc>
+                <a:spcPct val="150000"/>
+              </a:lnSpc>
+              <a:spcAft>
+                <a:spcPts val="600"/>
+              </a:spcAft>
+              <a:buClr>
+                <a:schemeClr val="accent1">
+                  <a:lumMod val="75000"/>
+                </a:schemeClr>
+              </a:buClr>
+              <a:buSzPct val="100000"/>
+              <a:buFont typeface="Wingdings" panose="05000000000000000000" pitchFamily="2" charset="2"/>
+              <a:buChar char="§"/>
+              <a:defRPr/>
+            </a:pPr>
+            <a:endParaRPr lang="fr-FR" sz="2000" dirty="0"/>
+          </a:p>
+        </p:txBody>
+      </p:sp>
+      <p:pic>
+        <p:nvPicPr>
+          <p:cNvPr id="4" name="Image 3"/>
+          <p:cNvPicPr>
+            <a:picLocks noChangeAspect="1"/>
+          </p:cNvPicPr>
+          <p:nvPr/>
+        </p:nvPicPr>
+        <p:blipFill>
+          <a:blip r:embed="rId2">
+            <a:extLst>
+              <a:ext uri="{28A0092B-C50C-407E-A947-70E740481C1C}">
+                <a14:useLocalDpi xmlns:a14="http://schemas.microsoft.com/office/drawing/2010/main" val="0"/>
+              </a:ext>
+            </a:extLst>
+          </a:blip>
+          <a:stretch>
+            <a:fillRect/>
+          </a:stretch>
+        </p:blipFill>
+        <p:spPr>
+          <a:xfrm>
+            <a:off x="6353504" y="2153730"/>
+            <a:ext cx="2790496" cy="2092872"/>
+          </a:xfrm>
+          <a:prstGeom prst="rect">
+            <a:avLst/>
+          </a:prstGeom>
+        </p:spPr>
+      </p:pic>
+      <p:sp>
+        <p:nvSpPr>
+          <p:cNvPr id="3" name="Espace réservé du numéro de diapositive 2"/>
+          <p:cNvSpPr>
+            <a:spLocks noGrp="1"/>
+          </p:cNvSpPr>
+          <p:nvPr>
+            <p:ph type="sldNum" sz="quarter" idx="12"/>
+          </p:nvPr>
+        </p:nvSpPr>
+        <p:spPr/>
+        <p:txBody>
+          <a:bodyPr/>
+          <a:lstStyle/>
+          <a:p>
+            <a:pPr rtl="0"/>
+            <a:fld id="{D57F1E4F-1CFF-5643-939E-217C01CDF565}" type="slidenum">
+              <a:rPr lang="fr-FR" noProof="0" smtClean="0"/>
+              <a:pPr rtl="0"/>
+              <a:t>6</a:t>
+            </a:fld>
+            <a:endParaRPr lang="fr-FR" noProof="0" dirty="0"/>
+          </a:p>
+        </p:txBody>
+      </p:sp>
+      <p:sp>
+        <p:nvSpPr>
+          <p:cNvPr id="6" name="Espace réservé du texte 4"/>
+          <p:cNvSpPr txBox="1">
+            <a:spLocks/>
+          </p:cNvSpPr>
+          <p:nvPr/>
+        </p:nvSpPr>
+        <p:spPr>
+          <a:xfrm>
+            <a:off x="3828345" y="2361021"/>
+            <a:ext cx="3721846" cy="2895159"/>
+          </a:xfrm>
+          <a:prstGeom prst="rect">
+            <a:avLst/>
+          </a:prstGeom>
+        </p:spPr>
+        <p:txBody>
+          <a:bodyPr>
+            <a:normAutofit/>
+          </a:bodyPr>
+          <a:lstStyle>
+            <a:lvl1pPr marL="229500" indent="-229500" algn="l" defTabSz="342900" rtl="0" eaLnBrk="1" latinLnBrk="0" hangingPunct="1">
+              <a:spcBef>
+                <a:spcPct val="20000"/>
+              </a:spcBef>
+              <a:spcAft>
+                <a:spcPts val="450"/>
+              </a:spcAft>
+              <a:buClr>
+                <a:schemeClr val="accent2"/>
+              </a:buClr>
+              <a:buSzPct val="92000"/>
+              <a:buFont typeface="Wingdings 2" panose="05020102010507070707" pitchFamily="18" charset="2"/>
+              <a:buChar char=""/>
+              <a:defRPr sz="1350" kern="1200">
+                <a:solidFill>
+                  <a:schemeClr val="tx2"/>
+                </a:solidFill>
+                <a:latin typeface="+mn-lt"/>
+                <a:ea typeface="+mn-ea"/>
+                <a:cs typeface="+mn-cs"/>
+              </a:defRPr>
+            </a:lvl1pPr>
+            <a:lvl2pPr marL="472500" indent="-229500" algn="l" defTabSz="342900" rtl="0" eaLnBrk="1" latinLnBrk="0" hangingPunct="1">
+              <a:spcBef>
+                <a:spcPct val="20000"/>
+              </a:spcBef>
+              <a:spcAft>
+                <a:spcPts val="450"/>
+              </a:spcAft>
+              <a:buClr>
+                <a:schemeClr val="accent2"/>
+              </a:buClr>
+              <a:buSzPct val="92000"/>
+              <a:buFont typeface="Wingdings 2" panose="05020102010507070707" pitchFamily="18" charset="2"/>
+              <a:buChar char=""/>
+              <a:defRPr sz="1200" kern="1200">
+                <a:solidFill>
+                  <a:schemeClr val="tx2"/>
+                </a:solidFill>
+                <a:latin typeface="+mn-lt"/>
+                <a:ea typeface="+mn-ea"/>
+                <a:cs typeface="+mn-cs"/>
+              </a:defRPr>
+            </a:lvl2pPr>
+            <a:lvl3pPr marL="675000" indent="-202500" algn="l" defTabSz="342900" rtl="0" eaLnBrk="1" latinLnBrk="0" hangingPunct="1">
+              <a:spcBef>
+                <a:spcPct val="20000"/>
+              </a:spcBef>
+              <a:spcAft>
+                <a:spcPts val="450"/>
+              </a:spcAft>
+              <a:buClr>
+                <a:schemeClr val="accent2"/>
+              </a:buClr>
+              <a:buSzPct val="92000"/>
+              <a:buFont typeface="Wingdings 2" panose="05020102010507070707" pitchFamily="18" charset="2"/>
+              <a:buChar char=""/>
+              <a:defRPr sz="1050" kern="1200">
+                <a:solidFill>
+                  <a:schemeClr val="tx2"/>
+                </a:solidFill>
+                <a:latin typeface="+mn-lt"/>
+                <a:ea typeface="+mn-ea"/>
+                <a:cs typeface="+mn-cs"/>
+              </a:defRPr>
+            </a:lvl3pPr>
+            <a:lvl4pPr marL="931500" indent="-175500" algn="l" defTabSz="342900" rtl="0" eaLnBrk="1" latinLnBrk="0" hangingPunct="1">
+              <a:spcBef>
+                <a:spcPct val="20000"/>
+              </a:spcBef>
+              <a:spcAft>
+                <a:spcPts val="450"/>
+              </a:spcAft>
+              <a:buClr>
+                <a:schemeClr val="accent2"/>
+              </a:buClr>
+              <a:buSzPct val="92000"/>
+              <a:buFont typeface="Wingdings 2" panose="05020102010507070707" pitchFamily="18" charset="2"/>
+              <a:buChar char=""/>
+              <a:defRPr sz="900" kern="1200">
+                <a:solidFill>
+                  <a:schemeClr val="tx2"/>
+                </a:solidFill>
+                <a:latin typeface="+mn-lt"/>
+                <a:ea typeface="+mn-ea"/>
+                <a:cs typeface="+mn-cs"/>
+              </a:defRPr>
+            </a:lvl4pPr>
+            <a:lvl5pPr marL="1201500" indent="-175500" algn="l" defTabSz="342900" rtl="0" eaLnBrk="1" latinLnBrk="0" hangingPunct="1">
+              <a:spcBef>
+                <a:spcPct val="20000"/>
+              </a:spcBef>
+              <a:spcAft>
+                <a:spcPts val="450"/>
+              </a:spcAft>
+              <a:buClr>
+                <a:schemeClr val="accent2"/>
+              </a:buClr>
+              <a:buSzPct val="92000"/>
+              <a:buFont typeface="Wingdings 2" panose="05020102010507070707" pitchFamily="18" charset="2"/>
+              <a:buChar char=""/>
+              <a:defRPr sz="900" kern="1200">
+                <a:solidFill>
+                  <a:schemeClr val="tx2"/>
+                </a:solidFill>
+                <a:latin typeface="+mn-lt"/>
+                <a:ea typeface="+mn-ea"/>
+                <a:cs typeface="+mn-cs"/>
+              </a:defRPr>
+            </a:lvl5pPr>
+            <a:lvl6pPr marL="1425000" indent="-171450" algn="l" defTabSz="342900" rtl="0" eaLnBrk="1" latinLnBrk="0" hangingPunct="1">
+              <a:spcBef>
+                <a:spcPct val="20000"/>
+              </a:spcBef>
+              <a:spcAft>
+                <a:spcPts val="450"/>
+              </a:spcAft>
+              <a:buClr>
+                <a:schemeClr val="accent2"/>
+              </a:buClr>
+              <a:buSzPct val="92000"/>
+              <a:buFont typeface="Wingdings 2" panose="05020102010507070707" pitchFamily="18" charset="2"/>
+              <a:buChar char=""/>
+              <a:defRPr sz="900" kern="1200">
+                <a:solidFill>
+                  <a:schemeClr val="tx2"/>
+                </a:solidFill>
+                <a:latin typeface="+mn-lt"/>
+                <a:ea typeface="+mn-ea"/>
+                <a:cs typeface="+mn-cs"/>
+              </a:defRPr>
+            </a:lvl6pPr>
+            <a:lvl7pPr marL="1650000" indent="-171450" algn="l" defTabSz="342900" rtl="0" eaLnBrk="1" latinLnBrk="0" hangingPunct="1">
+              <a:spcBef>
+                <a:spcPct val="20000"/>
+              </a:spcBef>
+              <a:spcAft>
+                <a:spcPts val="450"/>
+              </a:spcAft>
+              <a:buClr>
+                <a:schemeClr val="accent2"/>
+              </a:buClr>
+              <a:buSzPct val="92000"/>
+              <a:buFont typeface="Wingdings 2" panose="05020102010507070707" pitchFamily="18" charset="2"/>
+              <a:buChar char=""/>
+              <a:defRPr sz="900" kern="1200">
+                <a:solidFill>
+                  <a:schemeClr val="tx2"/>
+                </a:solidFill>
+                <a:latin typeface="+mn-lt"/>
+                <a:ea typeface="+mn-ea"/>
+                <a:cs typeface="+mn-cs"/>
+              </a:defRPr>
+            </a:lvl7pPr>
+            <a:lvl8pPr marL="1875000" indent="-171450" algn="l" defTabSz="342900" rtl="0" eaLnBrk="1" latinLnBrk="0" hangingPunct="1">
+              <a:spcBef>
+                <a:spcPct val="20000"/>
+              </a:spcBef>
+              <a:spcAft>
+                <a:spcPts val="450"/>
+              </a:spcAft>
+              <a:buClr>
+                <a:schemeClr val="accent2"/>
+              </a:buClr>
+              <a:buSzPct val="92000"/>
+              <a:buFont typeface="Wingdings 2" panose="05020102010507070707" pitchFamily="18" charset="2"/>
+              <a:buChar char=""/>
+              <a:defRPr sz="900" kern="1200">
+                <a:solidFill>
+                  <a:schemeClr val="tx2"/>
+                </a:solidFill>
+                <a:latin typeface="+mn-lt"/>
+                <a:ea typeface="+mn-ea"/>
+                <a:cs typeface="+mn-cs"/>
+              </a:defRPr>
+            </a:lvl8pPr>
+            <a:lvl9pPr marL="2100000" indent="-171450" algn="l" defTabSz="342900" rtl="0" eaLnBrk="1" latinLnBrk="0" hangingPunct="1">
+              <a:spcBef>
+                <a:spcPct val="20000"/>
+              </a:spcBef>
+              <a:spcAft>
+                <a:spcPts val="450"/>
+              </a:spcAft>
+              <a:buClr>
+                <a:schemeClr val="accent2"/>
+              </a:buClr>
+              <a:buSzPct val="92000"/>
+              <a:buFont typeface="Wingdings 2" panose="05020102010507070707" pitchFamily="18" charset="2"/>
+              <a:buChar char=""/>
+              <a:defRPr sz="900" kern="1200">
+                <a:solidFill>
+                  <a:schemeClr val="tx2"/>
+                </a:solidFill>
+                <a:latin typeface="+mn-lt"/>
+                <a:ea typeface="+mn-ea"/>
+                <a:cs typeface="+mn-cs"/>
+              </a:defRPr>
+            </a:lvl9pPr>
+          </a:lstStyle>
+          <a:p>
+            <a:pPr marL="342900" lvl="1" indent="-342900">
+              <a:lnSpc>
+                <a:spcPct val="150000"/>
+              </a:lnSpc>
+              <a:spcAft>
+                <a:spcPts val="600"/>
+              </a:spcAft>
+              <a:buClr>
+                <a:schemeClr val="accent1">
+                  <a:lumMod val="75000"/>
+                </a:schemeClr>
+              </a:buClr>
+              <a:buSzPct val="100000"/>
+              <a:buFont typeface="Wingdings" panose="05000000000000000000" pitchFamily="2" charset="2"/>
+              <a:buChar char="§"/>
+              <a:defRPr/>
+            </a:pPr>
+            <a:r>
+              <a:rPr lang="fr-FR" sz="2000" dirty="0" smtClean="0"/>
+              <a:t>9H :  </a:t>
+            </a:r>
+            <a:r>
+              <a:rPr lang="fr-FR" sz="2000" dirty="0" smtClean="0"/>
+              <a:t>CUDA</a:t>
+            </a:r>
+            <a:endParaRPr lang="fr-FR" sz="2000" dirty="0" smtClean="0"/>
+          </a:p>
+          <a:p>
+            <a:pPr marL="342900" lvl="1" indent="-342900">
+              <a:lnSpc>
+                <a:spcPct val="150000"/>
+              </a:lnSpc>
+              <a:spcAft>
+                <a:spcPts val="600"/>
+              </a:spcAft>
+              <a:buClr>
+                <a:schemeClr val="accent1">
+                  <a:lumMod val="75000"/>
+                </a:schemeClr>
+              </a:buClr>
+              <a:buSzPct val="100000"/>
+              <a:buFont typeface="Wingdings" panose="05000000000000000000" pitchFamily="2" charset="2"/>
+              <a:buChar char="§"/>
+              <a:defRPr/>
+            </a:pPr>
+            <a:r>
+              <a:rPr lang="fr-FR" sz="2000" dirty="0" smtClean="0"/>
+              <a:t>12H : </a:t>
+            </a:r>
+            <a:r>
+              <a:rPr lang="fr-FR" sz="2000" dirty="0" smtClean="0"/>
+              <a:t>Pause</a:t>
+            </a:r>
+            <a:endParaRPr lang="fr-FR" sz="2000" dirty="0" smtClean="0"/>
+          </a:p>
+          <a:p>
+            <a:pPr marL="342900" lvl="1" indent="-342900">
+              <a:lnSpc>
+                <a:spcPct val="150000"/>
+              </a:lnSpc>
+              <a:spcAft>
+                <a:spcPts val="600"/>
+              </a:spcAft>
+              <a:buClr>
+                <a:schemeClr val="accent1">
+                  <a:lumMod val="75000"/>
+                </a:schemeClr>
+              </a:buClr>
+              <a:buSzPct val="100000"/>
+              <a:buFont typeface="Wingdings" panose="05000000000000000000" pitchFamily="2" charset="2"/>
+              <a:buChar char="§"/>
+              <a:defRPr/>
+            </a:pPr>
+            <a:r>
+              <a:rPr lang="fr-FR" sz="2000" dirty="0" smtClean="0"/>
+              <a:t>13H30 : CUDA – </a:t>
+            </a:r>
+            <a:r>
+              <a:rPr lang="fr-FR" sz="2000" dirty="0" smtClean="0"/>
+              <a:t>Suite</a:t>
+            </a:r>
+            <a:endParaRPr lang="fr-FR" sz="2000" dirty="0" smtClean="0"/>
+          </a:p>
+          <a:p>
+            <a:pPr marL="342900" lvl="1" indent="-342900">
+              <a:lnSpc>
+                <a:spcPct val="150000"/>
+              </a:lnSpc>
+              <a:spcAft>
+                <a:spcPts val="600"/>
+              </a:spcAft>
+              <a:buClr>
+                <a:schemeClr val="accent1">
+                  <a:lumMod val="75000"/>
+                </a:schemeClr>
+              </a:buClr>
+              <a:buSzPct val="100000"/>
+              <a:buFont typeface="Wingdings" panose="05000000000000000000" pitchFamily="2" charset="2"/>
+              <a:buChar char="§"/>
+              <a:defRPr/>
+            </a:pPr>
+            <a:r>
+              <a:rPr lang="fr-FR" sz="2000" dirty="0" smtClean="0"/>
+              <a:t>17H : Fin de journée</a:t>
+            </a:r>
+          </a:p>
+          <a:p>
+            <a:pPr marL="342900" lvl="1" indent="-342900">
+              <a:lnSpc>
+                <a:spcPct val="150000"/>
+              </a:lnSpc>
+              <a:spcAft>
+                <a:spcPts val="600"/>
+              </a:spcAft>
+              <a:buClr>
+                <a:schemeClr val="accent1">
+                  <a:lumMod val="75000"/>
+                </a:schemeClr>
+              </a:buClr>
+              <a:buSzPct val="100000"/>
+              <a:buFont typeface="Wingdings" panose="05000000000000000000" pitchFamily="2" charset="2"/>
+              <a:buChar char="§"/>
+              <a:defRPr/>
+            </a:pPr>
+            <a:endParaRPr lang="fr-FR" sz="2000" dirty="0" smtClean="0"/>
+          </a:p>
+          <a:p>
+            <a:pPr marL="342900" lvl="1" indent="-342900">
+              <a:lnSpc>
+                <a:spcPct val="150000"/>
+              </a:lnSpc>
+              <a:spcAft>
+                <a:spcPts val="600"/>
+              </a:spcAft>
+              <a:buClr>
+                <a:schemeClr val="accent1">
+                  <a:lumMod val="75000"/>
+                </a:schemeClr>
+              </a:buClr>
+              <a:buSzPct val="100000"/>
+              <a:buFont typeface="Wingdings" panose="05000000000000000000" pitchFamily="2" charset="2"/>
+              <a:buChar char="§"/>
+              <a:defRPr/>
+            </a:pPr>
+            <a:endParaRPr lang="fr-FR" sz="2000" dirty="0"/>
+          </a:p>
+        </p:txBody>
+      </p:sp>
+      <p:sp>
+        <p:nvSpPr>
+          <p:cNvPr id="7" name="ZoneTexte 6"/>
+          <p:cNvSpPr txBox="1"/>
+          <p:nvPr/>
+        </p:nvSpPr>
+        <p:spPr>
+          <a:xfrm>
+            <a:off x="1350066" y="1504060"/>
+            <a:ext cx="1187826" cy="400110"/>
+          </a:xfrm>
+          <a:prstGeom prst="rect">
+            <a:avLst/>
+          </a:prstGeom>
+        </p:spPr>
+        <p:style>
+          <a:lnRef idx="3">
+            <a:schemeClr val="lt1"/>
+          </a:lnRef>
+          <a:fillRef idx="1">
+            <a:schemeClr val="accent2"/>
+          </a:fillRef>
+          <a:effectRef idx="1">
+            <a:schemeClr val="accent2"/>
+          </a:effectRef>
+          <a:fontRef idx="minor">
+            <a:schemeClr val="lt1"/>
+          </a:fontRef>
+        </p:style>
+        <p:txBody>
+          <a:bodyPr wrap="none" rtlCol="0">
+            <a:spAutoFit/>
+          </a:bodyPr>
+          <a:lstStyle/>
+          <a:p>
+            <a:r>
+              <a:rPr lang="fr-FR" sz="2000" dirty="0" smtClean="0"/>
+              <a:t>Journée 1</a:t>
+            </a:r>
+            <a:endParaRPr lang="fr-FR" sz="2000" dirty="0"/>
+          </a:p>
+        </p:txBody>
+      </p:sp>
+      <p:sp>
+        <p:nvSpPr>
+          <p:cNvPr id="8" name="ZoneTexte 7"/>
+          <p:cNvSpPr txBox="1"/>
+          <p:nvPr/>
+        </p:nvSpPr>
+        <p:spPr>
+          <a:xfrm>
+            <a:off x="4066205" y="1504060"/>
+            <a:ext cx="1187826" cy="400110"/>
+          </a:xfrm>
+          <a:prstGeom prst="rect">
+            <a:avLst/>
+          </a:prstGeom>
+        </p:spPr>
+        <p:style>
+          <a:lnRef idx="3">
+            <a:schemeClr val="lt1"/>
+          </a:lnRef>
+          <a:fillRef idx="1">
+            <a:schemeClr val="accent2"/>
+          </a:fillRef>
+          <a:effectRef idx="1">
+            <a:schemeClr val="accent2"/>
+          </a:effectRef>
+          <a:fontRef idx="minor">
+            <a:schemeClr val="lt1"/>
+          </a:fontRef>
+        </p:style>
+        <p:txBody>
+          <a:bodyPr wrap="none" rtlCol="0">
+            <a:spAutoFit/>
+          </a:bodyPr>
+          <a:lstStyle/>
+          <a:p>
+            <a:r>
+              <a:rPr lang="fr-FR" sz="2000" dirty="0" smtClean="0"/>
+              <a:t>Journée 2</a:t>
+            </a:r>
+            <a:endParaRPr lang="fr-FR" sz="2000" dirty="0"/>
+          </a:p>
+        </p:txBody>
+      </p:sp>
+    </p:spTree>
+    <p:extLst>
+      <p:ext uri="{BB962C8B-B14F-4D97-AF65-F5344CB8AC3E}">
+        <p14:creationId xmlns:p14="http://schemas.microsoft.com/office/powerpoint/2010/main" val="199528950"/>
+      </p:ext>
+    </p:extLst>
+  </p:cSld>
+  <p:clrMapOvr>
+    <a:masterClrMapping/>
+  </p:clrMapOvr>
+  <p:timing>
+    <p:tnLst>
+      <p:par>
+        <p:cTn id="1" dur="indefinite" restart="never" nodeType="tmRoot"/>
+      </p:par>
+    </p:tnLst>
+  </p:timing>
+</p:sld>
+</file>
+
+<file path=ppt/slides/slide7.xml><?xml version="1.0" encoding="utf-8"?>
+<p:sld xmlns:a="http://schemas.openxmlformats.org/drawingml/2006/main" xmlns:r="http://schemas.openxmlformats.org/officeDocument/2006/relationships" xmlns:p="http://schemas.openxmlformats.org/presentationml/2006/main">
+  <p:cSld>
+    <p:spTree>
+      <p:nvGrpSpPr>
+        <p:cNvPr id="1" name=""/>
+        <p:cNvGrpSpPr/>
+        <p:nvPr/>
+      </p:nvGrpSpPr>
+      <p:grpSpPr>
+        <a:xfrm>
+          <a:off x="0" y="0"/>
+          <a:ext cx="0" cy="0"/>
+          <a:chOff x="0" y="0"/>
+          <a:chExt cx="0" cy="0"/>
+        </a:xfrm>
+      </p:grpSpPr>
+      <p:sp>
+        <p:nvSpPr>
+          <p:cNvPr id="2" name="Title 1">
+            <a:extLst>
+              <a:ext uri="{FF2B5EF4-FFF2-40B4-BE49-F238E27FC236}">
+                <a16:creationId xmlns:a16="http://schemas.microsoft.com/office/drawing/2014/main" id="{552F2E6E-CD03-4600-A8A8-DC17406DD8D1}"/>
+              </a:ext>
+            </a:extLst>
+          </p:cNvPr>
+          <p:cNvSpPr>
+            <a:spLocks noGrp="1"/>
+          </p:cNvSpPr>
+          <p:nvPr>
+            <p:ph type="title"/>
+          </p:nvPr>
+        </p:nvSpPr>
+        <p:spPr/>
+        <p:txBody>
+          <a:bodyPr/>
+          <a:lstStyle/>
+          <a:p>
+            <a:r>
+              <a:rPr lang="en-US" dirty="0" smtClean="0"/>
+              <a:t>Les </a:t>
+            </a:r>
+            <a:r>
+              <a:rPr lang="fr-FR" dirty="0" smtClean="0"/>
+              <a:t>règles</a:t>
+            </a:r>
+            <a:r>
+              <a:rPr lang="en-US" dirty="0" smtClean="0"/>
+              <a:t> </a:t>
+            </a:r>
+            <a:r>
+              <a:rPr lang="en-US" dirty="0" smtClean="0"/>
+              <a:t>du </a:t>
+            </a:r>
+            <a:r>
+              <a:rPr lang="en-US" dirty="0" smtClean="0"/>
+              <a:t>jeu</a:t>
+            </a:r>
+            <a:r>
+              <a:rPr lang="en-US" dirty="0" smtClean="0"/>
+              <a:t> pendant la formation</a:t>
+            </a:r>
+            <a:endParaRPr lang="en-US" dirty="0"/>
+          </a:p>
+        </p:txBody>
+      </p:sp>
+      <p:sp>
+        <p:nvSpPr>
+          <p:cNvPr id="5" name="Espace réservé du texte 4"/>
+          <p:cNvSpPr txBox="1">
+            <a:spLocks/>
+          </p:cNvSpPr>
+          <p:nvPr/>
+        </p:nvSpPr>
+        <p:spPr>
+          <a:xfrm>
+            <a:off x="1136059" y="1993122"/>
+            <a:ext cx="3721846" cy="2895159"/>
+          </a:xfrm>
+          <a:prstGeom prst="rect">
+            <a:avLst/>
+          </a:prstGeom>
+        </p:spPr>
+        <p:txBody>
+          <a:bodyPr>
+            <a:normAutofit fontScale="92500" lnSpcReduction="20000"/>
+          </a:bodyPr>
+          <a:lstStyle>
+            <a:lvl1pPr marL="229500" indent="-229500" algn="l" defTabSz="342900" rtl="0" eaLnBrk="1" latinLnBrk="0" hangingPunct="1">
+              <a:spcBef>
+                <a:spcPct val="20000"/>
+              </a:spcBef>
+              <a:spcAft>
+                <a:spcPts val="450"/>
+              </a:spcAft>
+              <a:buClr>
+                <a:schemeClr val="accent2"/>
+              </a:buClr>
+              <a:buSzPct val="92000"/>
+              <a:buFont typeface="Wingdings 2" panose="05020102010507070707" pitchFamily="18" charset="2"/>
+              <a:buChar char=""/>
+              <a:defRPr sz="1350" kern="1200">
+                <a:solidFill>
+                  <a:schemeClr val="tx2"/>
+                </a:solidFill>
+                <a:latin typeface="+mn-lt"/>
+                <a:ea typeface="+mn-ea"/>
+                <a:cs typeface="+mn-cs"/>
+              </a:defRPr>
+            </a:lvl1pPr>
+            <a:lvl2pPr marL="472500" indent="-229500" algn="l" defTabSz="342900" rtl="0" eaLnBrk="1" latinLnBrk="0" hangingPunct="1">
+              <a:spcBef>
+                <a:spcPct val="20000"/>
+              </a:spcBef>
+              <a:spcAft>
+                <a:spcPts val="450"/>
+              </a:spcAft>
+              <a:buClr>
+                <a:schemeClr val="accent2"/>
+              </a:buClr>
+              <a:buSzPct val="92000"/>
+              <a:buFont typeface="Wingdings 2" panose="05020102010507070707" pitchFamily="18" charset="2"/>
+              <a:buChar char=""/>
+              <a:defRPr sz="1200" kern="1200">
+                <a:solidFill>
+                  <a:schemeClr val="tx2"/>
+                </a:solidFill>
+                <a:latin typeface="+mn-lt"/>
+                <a:ea typeface="+mn-ea"/>
+                <a:cs typeface="+mn-cs"/>
+              </a:defRPr>
+            </a:lvl2pPr>
+            <a:lvl3pPr marL="675000" indent="-202500" algn="l" defTabSz="342900" rtl="0" eaLnBrk="1" latinLnBrk="0" hangingPunct="1">
+              <a:spcBef>
+                <a:spcPct val="20000"/>
+              </a:spcBef>
+              <a:spcAft>
+                <a:spcPts val="450"/>
+              </a:spcAft>
+              <a:buClr>
+                <a:schemeClr val="accent2"/>
+              </a:buClr>
+              <a:buSzPct val="92000"/>
+              <a:buFont typeface="Wingdings 2" panose="05020102010507070707" pitchFamily="18" charset="2"/>
+              <a:buChar char=""/>
+              <a:defRPr sz="1050" kern="1200">
+                <a:solidFill>
+                  <a:schemeClr val="tx2"/>
+                </a:solidFill>
+                <a:latin typeface="+mn-lt"/>
+                <a:ea typeface="+mn-ea"/>
+                <a:cs typeface="+mn-cs"/>
+              </a:defRPr>
+            </a:lvl3pPr>
+            <a:lvl4pPr marL="931500" indent="-175500" algn="l" defTabSz="342900" rtl="0" eaLnBrk="1" latinLnBrk="0" hangingPunct="1">
+              <a:spcBef>
+                <a:spcPct val="20000"/>
+              </a:spcBef>
+              <a:spcAft>
+                <a:spcPts val="450"/>
+              </a:spcAft>
+              <a:buClr>
+                <a:schemeClr val="accent2"/>
+              </a:buClr>
+              <a:buSzPct val="92000"/>
+              <a:buFont typeface="Wingdings 2" panose="05020102010507070707" pitchFamily="18" charset="2"/>
+              <a:buChar char=""/>
+              <a:defRPr sz="900" kern="1200">
+                <a:solidFill>
+                  <a:schemeClr val="tx2"/>
+                </a:solidFill>
+                <a:latin typeface="+mn-lt"/>
+                <a:ea typeface="+mn-ea"/>
+                <a:cs typeface="+mn-cs"/>
+              </a:defRPr>
+            </a:lvl4pPr>
+            <a:lvl5pPr marL="1201500" indent="-175500" algn="l" defTabSz="342900" rtl="0" eaLnBrk="1" latinLnBrk="0" hangingPunct="1">
+              <a:spcBef>
+                <a:spcPct val="20000"/>
+              </a:spcBef>
+              <a:spcAft>
+                <a:spcPts val="450"/>
+              </a:spcAft>
+              <a:buClr>
+                <a:schemeClr val="accent2"/>
+              </a:buClr>
+              <a:buSzPct val="92000"/>
+              <a:buFont typeface="Wingdings 2" panose="05020102010507070707" pitchFamily="18" charset="2"/>
+              <a:buChar char=""/>
+              <a:defRPr sz="900" kern="1200">
+                <a:solidFill>
+                  <a:schemeClr val="tx2"/>
+                </a:solidFill>
+                <a:latin typeface="+mn-lt"/>
+                <a:ea typeface="+mn-ea"/>
+                <a:cs typeface="+mn-cs"/>
+              </a:defRPr>
+            </a:lvl5pPr>
+            <a:lvl6pPr marL="1425000" indent="-171450" algn="l" defTabSz="342900" rtl="0" eaLnBrk="1" latinLnBrk="0" hangingPunct="1">
+              <a:spcBef>
+                <a:spcPct val="20000"/>
+              </a:spcBef>
+              <a:spcAft>
+                <a:spcPts val="450"/>
+              </a:spcAft>
+              <a:buClr>
+                <a:schemeClr val="accent2"/>
+              </a:buClr>
+              <a:buSzPct val="92000"/>
+              <a:buFont typeface="Wingdings 2" panose="05020102010507070707" pitchFamily="18" charset="2"/>
+              <a:buChar char=""/>
+              <a:defRPr sz="900" kern="1200">
+                <a:solidFill>
+                  <a:schemeClr val="tx2"/>
+                </a:solidFill>
+                <a:latin typeface="+mn-lt"/>
+                <a:ea typeface="+mn-ea"/>
+                <a:cs typeface="+mn-cs"/>
+              </a:defRPr>
+            </a:lvl6pPr>
+            <a:lvl7pPr marL="1650000" indent="-171450" algn="l" defTabSz="342900" rtl="0" eaLnBrk="1" latinLnBrk="0" hangingPunct="1">
+              <a:spcBef>
+                <a:spcPct val="20000"/>
+              </a:spcBef>
+              <a:spcAft>
+                <a:spcPts val="450"/>
+              </a:spcAft>
+              <a:buClr>
+                <a:schemeClr val="accent2"/>
+              </a:buClr>
+              <a:buSzPct val="92000"/>
+              <a:buFont typeface="Wingdings 2" panose="05020102010507070707" pitchFamily="18" charset="2"/>
+              <a:buChar char=""/>
+              <a:defRPr sz="900" kern="1200">
+                <a:solidFill>
+                  <a:schemeClr val="tx2"/>
+                </a:solidFill>
+                <a:latin typeface="+mn-lt"/>
+                <a:ea typeface="+mn-ea"/>
+                <a:cs typeface="+mn-cs"/>
+              </a:defRPr>
+            </a:lvl7pPr>
+            <a:lvl8pPr marL="1875000" indent="-171450" algn="l" defTabSz="342900" rtl="0" eaLnBrk="1" latinLnBrk="0" hangingPunct="1">
+              <a:spcBef>
+                <a:spcPct val="20000"/>
+              </a:spcBef>
+              <a:spcAft>
+                <a:spcPts val="450"/>
+              </a:spcAft>
+              <a:buClr>
+                <a:schemeClr val="accent2"/>
+              </a:buClr>
+              <a:buSzPct val="92000"/>
+              <a:buFont typeface="Wingdings 2" panose="05020102010507070707" pitchFamily="18" charset="2"/>
+              <a:buChar char=""/>
+              <a:defRPr sz="900" kern="1200">
+                <a:solidFill>
+                  <a:schemeClr val="tx2"/>
+                </a:solidFill>
+                <a:latin typeface="+mn-lt"/>
+                <a:ea typeface="+mn-ea"/>
+                <a:cs typeface="+mn-cs"/>
+              </a:defRPr>
+            </a:lvl8pPr>
+            <a:lvl9pPr marL="2100000" indent="-171450" algn="l" defTabSz="342900" rtl="0" eaLnBrk="1" latinLnBrk="0" hangingPunct="1">
+              <a:spcBef>
+                <a:spcPct val="20000"/>
+              </a:spcBef>
+              <a:spcAft>
+                <a:spcPts val="450"/>
+              </a:spcAft>
+              <a:buClr>
+                <a:schemeClr val="accent2"/>
+              </a:buClr>
+              <a:buSzPct val="92000"/>
+              <a:buFont typeface="Wingdings 2" panose="05020102010507070707" pitchFamily="18" charset="2"/>
+              <a:buChar char=""/>
+              <a:defRPr sz="900" kern="1200">
+                <a:solidFill>
+                  <a:schemeClr val="tx2"/>
+                </a:solidFill>
+                <a:latin typeface="+mn-lt"/>
+                <a:ea typeface="+mn-ea"/>
+                <a:cs typeface="+mn-cs"/>
+              </a:defRPr>
+            </a:lvl9pPr>
+          </a:lstStyle>
+          <a:p>
+            <a:pPr marL="342900" lvl="1" indent="-342900">
+              <a:lnSpc>
+                <a:spcPct val="150000"/>
+              </a:lnSpc>
+              <a:spcAft>
+                <a:spcPts val="600"/>
+              </a:spcAft>
+              <a:buClr>
+                <a:schemeClr val="accent1">
+                  <a:lumMod val="75000"/>
+                </a:schemeClr>
+              </a:buClr>
+              <a:buSzPct val="100000"/>
+              <a:buFont typeface="Wingdings" panose="05000000000000000000" pitchFamily="2" charset="2"/>
+              <a:buChar char="§"/>
+              <a:defRPr/>
+            </a:pPr>
+            <a:r>
+              <a:rPr lang="fr-FR" sz="2400" dirty="0" smtClean="0"/>
+              <a:t>Pas de téléphone</a:t>
+            </a:r>
+          </a:p>
+          <a:p>
+            <a:pPr marL="342900" lvl="1" indent="-342900">
+              <a:lnSpc>
+                <a:spcPct val="150000"/>
+              </a:lnSpc>
+              <a:spcAft>
+                <a:spcPts val="600"/>
+              </a:spcAft>
+              <a:buClr>
+                <a:schemeClr val="accent1">
+                  <a:lumMod val="75000"/>
+                </a:schemeClr>
+              </a:buClr>
+              <a:buSzPct val="100000"/>
+              <a:buFont typeface="Wingdings" panose="05000000000000000000" pitchFamily="2" charset="2"/>
+              <a:buChar char="§"/>
+              <a:defRPr/>
+            </a:pPr>
+            <a:r>
+              <a:rPr lang="fr-FR" sz="2400" dirty="0" smtClean="0"/>
+              <a:t>Pas de travail à côté</a:t>
+            </a:r>
+          </a:p>
+          <a:p>
+            <a:pPr marL="342900" lvl="1" indent="-342900">
+              <a:lnSpc>
+                <a:spcPct val="150000"/>
+              </a:lnSpc>
+              <a:spcAft>
+                <a:spcPts val="600"/>
+              </a:spcAft>
+              <a:buClr>
+                <a:schemeClr val="accent1">
+                  <a:lumMod val="75000"/>
+                </a:schemeClr>
+              </a:buClr>
+              <a:buSzPct val="100000"/>
+              <a:buFont typeface="Wingdings" panose="05000000000000000000" pitchFamily="2" charset="2"/>
+              <a:buChar char="§"/>
+              <a:defRPr/>
+            </a:pPr>
+            <a:r>
+              <a:rPr lang="fr-FR" sz="2400" dirty="0" smtClean="0"/>
+              <a:t>Discutez et partagez !</a:t>
+            </a:r>
+          </a:p>
+          <a:p>
+            <a:pPr marL="342900" lvl="1" indent="-342900">
+              <a:lnSpc>
+                <a:spcPct val="150000"/>
+              </a:lnSpc>
+              <a:spcAft>
+                <a:spcPts val="600"/>
+              </a:spcAft>
+              <a:buClr>
+                <a:schemeClr val="accent1">
+                  <a:lumMod val="75000"/>
+                </a:schemeClr>
+              </a:buClr>
+              <a:buSzPct val="100000"/>
+              <a:buFont typeface="Wingdings" panose="05000000000000000000" pitchFamily="2" charset="2"/>
+              <a:buChar char="§"/>
+              <a:defRPr/>
+            </a:pPr>
+            <a:r>
+              <a:rPr lang="fr-FR" sz="2400" dirty="0" smtClean="0"/>
+              <a:t>Je peux enregistrer la formation ?</a:t>
+            </a:r>
+          </a:p>
+          <a:p>
+            <a:pPr marL="342900" lvl="1" indent="-342900">
+              <a:lnSpc>
+                <a:spcPct val="150000"/>
+              </a:lnSpc>
+              <a:spcAft>
+                <a:spcPts val="600"/>
+              </a:spcAft>
+              <a:buClr>
+                <a:schemeClr val="accent1">
+                  <a:lumMod val="75000"/>
+                </a:schemeClr>
+              </a:buClr>
+              <a:buSzPct val="100000"/>
+              <a:buFont typeface="Wingdings" panose="05000000000000000000" pitchFamily="2" charset="2"/>
+              <a:buChar char="§"/>
+              <a:defRPr/>
+            </a:pPr>
+            <a:endParaRPr lang="fr-FR" sz="2400" dirty="0" smtClean="0"/>
+          </a:p>
+          <a:p>
+            <a:pPr marL="342900" lvl="1" indent="-342900">
+              <a:lnSpc>
+                <a:spcPct val="150000"/>
+              </a:lnSpc>
+              <a:spcAft>
+                <a:spcPts val="600"/>
+              </a:spcAft>
+              <a:buClr>
+                <a:schemeClr val="accent1">
+                  <a:lumMod val="75000"/>
+                </a:schemeClr>
+              </a:buClr>
+              <a:buSzPct val="100000"/>
+              <a:buFont typeface="Wingdings" panose="05000000000000000000" pitchFamily="2" charset="2"/>
+              <a:buChar char="§"/>
+              <a:defRPr/>
+            </a:pPr>
+            <a:endParaRPr lang="fr-FR" sz="2400" dirty="0"/>
+          </a:p>
+        </p:txBody>
+      </p:sp>
+      <p:pic>
+        <p:nvPicPr>
+          <p:cNvPr id="3" name="Image 2"/>
+          <p:cNvPicPr>
+            <a:picLocks noChangeAspect="1"/>
+          </p:cNvPicPr>
+          <p:nvPr/>
+        </p:nvPicPr>
+        <p:blipFill>
+          <a:blip r:embed="rId2">
+            <a:extLst>
+              <a:ext uri="{28A0092B-C50C-407E-A947-70E740481C1C}">
+                <a14:useLocalDpi xmlns:a14="http://schemas.microsoft.com/office/drawing/2010/main" val="0"/>
+              </a:ext>
+            </a:extLst>
+          </a:blip>
+          <a:stretch>
+            <a:fillRect/>
+          </a:stretch>
+        </p:blipFill>
+        <p:spPr>
+          <a:xfrm>
+            <a:off x="5224734" y="2728860"/>
+            <a:ext cx="3140473" cy="1519033"/>
+          </a:xfrm>
+          <a:prstGeom prst="rect">
+            <a:avLst/>
+          </a:prstGeom>
+        </p:spPr>
+      </p:pic>
+      <p:sp>
+        <p:nvSpPr>
+          <p:cNvPr id="4" name="Espace réservé du numéro de diapositive 3"/>
+          <p:cNvSpPr>
+            <a:spLocks noGrp="1"/>
+          </p:cNvSpPr>
+          <p:nvPr>
+            <p:ph type="sldNum" sz="quarter" idx="12"/>
+          </p:nvPr>
+        </p:nvSpPr>
+        <p:spPr/>
+        <p:txBody>
+          <a:bodyPr/>
+          <a:lstStyle/>
+          <a:p>
+            <a:pPr rtl="0"/>
+            <a:fld id="{D57F1E4F-1CFF-5643-939E-217C01CDF565}" type="slidenum">
+              <a:rPr lang="fr-FR" noProof="0" smtClean="0"/>
+              <a:pPr rtl="0"/>
+              <a:t>7</a:t>
+            </a:fld>
+            <a:endParaRPr lang="fr-FR" noProof="0" dirty="0"/>
+          </a:p>
+        </p:txBody>
+      </p:sp>
+    </p:spTree>
+    <p:extLst>
+      <p:ext uri="{BB962C8B-B14F-4D97-AF65-F5344CB8AC3E}">
+        <p14:creationId xmlns:p14="http://schemas.microsoft.com/office/powerpoint/2010/main" val="2996435625"/>
+      </p:ext>
+    </p:extLst>
+  </p:cSld>
+  <p:clrMapOvr>
+    <a:masterClrMapping/>
+  </p:clrMapOvr>
+  <p:timing>
+    <p:tnLst>
+      <p:par>
+        <p:cTn id="1" dur="indefinite" restart="never" nodeType="tmRoot"/>
+      </p:par>
+    </p:tnLst>
+  </p:timing>
+</p:sld>
+</file>
+
+<file path=ppt/slides/slide8.xml><?xml version="1.0" encoding="utf-8"?>
+<p:sld xmlns:a="http://schemas.openxmlformats.org/drawingml/2006/main" xmlns:r="http://schemas.openxmlformats.org/officeDocument/2006/relationships" xmlns:p="http://schemas.openxmlformats.org/presentationml/2006/main">
+  <p:cSld>
+    <p:spTree>
+      <p:nvGrpSpPr>
+        <p:cNvPr id="1" name=""/>
+        <p:cNvGrpSpPr/>
+        <p:nvPr/>
+      </p:nvGrpSpPr>
+      <p:grpSpPr>
+        <a:xfrm>
+          <a:off x="0" y="0"/>
+          <a:ext cx="0" cy="0"/>
+          <a:chOff x="0" y="0"/>
+          <a:chExt cx="0" cy="0"/>
+        </a:xfrm>
+      </p:grpSpPr>
+      <p:sp>
+        <p:nvSpPr>
+          <p:cNvPr id="5" name="Titre 4"/>
+          <p:cNvSpPr>
+            <a:spLocks noGrp="1"/>
+          </p:cNvSpPr>
+          <p:nvPr>
+            <p:ph type="title"/>
+          </p:nvPr>
+        </p:nvSpPr>
+        <p:spPr/>
+        <p:txBody>
+          <a:bodyPr/>
+          <a:lstStyle/>
+          <a:p>
+            <a:r>
+              <a:rPr lang="fr-FR" dirty="0" smtClean="0"/>
+              <a:t>À garder en tête tout au long de la formation</a:t>
+            </a:r>
+            <a:endParaRPr lang="fr-FR" dirty="0"/>
+          </a:p>
+        </p:txBody>
+      </p:sp>
+      <p:sp>
+        <p:nvSpPr>
+          <p:cNvPr id="4" name="Espace réservé du numéro de diapositive 3"/>
+          <p:cNvSpPr>
+            <a:spLocks noGrp="1"/>
+          </p:cNvSpPr>
+          <p:nvPr>
+            <p:ph type="sldNum" sz="quarter" idx="12"/>
+          </p:nvPr>
+        </p:nvSpPr>
+        <p:spPr/>
+        <p:txBody>
+          <a:bodyPr/>
+          <a:lstStyle/>
+          <a:p>
             <a:fld id="{D57F1E4F-1CFF-5643-939E-217C01CDF565}" type="slidenum">
               <a:rPr lang="fr-FR" smtClean="0"/>
               <a:pPr/>
-              <a:t>10</a:t>
+              <a:t>8</a:t>
+            </a:fld>
+            <a:endParaRPr lang="fr-FR" dirty="0"/>
+          </a:p>
+        </p:txBody>
+      </p:sp>
+      <p:sp>
+        <p:nvSpPr>
+          <p:cNvPr id="12" name="ZoneTexte 11"/>
+          <p:cNvSpPr txBox="1"/>
+          <p:nvPr/>
+        </p:nvSpPr>
+        <p:spPr>
+          <a:xfrm>
+            <a:off x="338667" y="1761067"/>
+            <a:ext cx="8455377" cy="523220"/>
+          </a:xfrm>
+          <a:prstGeom prst="rect">
+            <a:avLst/>
+          </a:prstGeom>
+          <a:noFill/>
+        </p:spPr>
+        <p:txBody>
+          <a:bodyPr wrap="square" rtlCol="0">
+            <a:spAutoFit/>
+          </a:bodyPr>
+          <a:lstStyle/>
+          <a:p>
+            <a:pPr algn="ctr"/>
+            <a:r>
+              <a:rPr lang="fr-FR" sz="2800" dirty="0" smtClean="0"/>
+              <a:t>L’optimisation passe après</a:t>
+            </a:r>
+            <a:endParaRPr lang="fr-FR" sz="2800" dirty="0"/>
+          </a:p>
+        </p:txBody>
+      </p:sp>
+      <p:graphicFrame>
+        <p:nvGraphicFramePr>
+          <p:cNvPr id="14" name="Diagramme 13"/>
+          <p:cNvGraphicFramePr/>
+          <p:nvPr>
+            <p:extLst>
+              <p:ext uri="{D42A27DB-BD31-4B8C-83A1-F6EECF244321}">
+                <p14:modId xmlns:p14="http://schemas.microsoft.com/office/powerpoint/2010/main" val="3914077173"/>
+              </p:ext>
+            </p:extLst>
+          </p:nvPr>
+        </p:nvGraphicFramePr>
+        <p:xfrm>
+          <a:off x="1584960" y="2697480"/>
+          <a:ext cx="6096000" cy="2291080"/>
+        </p:xfrm>
+        <a:graphic>
+          <a:graphicData uri="http://schemas.openxmlformats.org/drawingml/2006/diagram">
+            <dgm:relIds xmlns:dgm="http://schemas.openxmlformats.org/drawingml/2006/diagram" xmlns:r="http://schemas.openxmlformats.org/officeDocument/2006/relationships" r:dm="rId2" r:lo="rId3" r:qs="rId4" r:cs="rId5"/>
+          </a:graphicData>
+        </a:graphic>
+      </p:graphicFrame>
+    </p:spTree>
+    <p:extLst>
+      <p:ext uri="{BB962C8B-B14F-4D97-AF65-F5344CB8AC3E}">
+        <p14:creationId xmlns:p14="http://schemas.microsoft.com/office/powerpoint/2010/main" val="4121735484"/>
+      </p:ext>
+    </p:extLst>
+  </p:cSld>
+  <p:clrMapOvr>
+    <a:masterClrMapping/>
+  </p:clrMapOvr>
+  <p:timing>
+    <p:tnLst>
+      <p:par>
+        <p:cTn id="1" dur="indefinite" restart="never" nodeType="tmRoot"/>
+      </p:par>
+    </p:tnLst>
+  </p:timing>
+</p:sld>
+</file>
+
+<file path=ppt/slides/slide9.xml><?xml version="1.0" encoding="utf-8"?>
+<p:sld xmlns:a="http://schemas.openxmlformats.org/drawingml/2006/main" xmlns:r="http://schemas.openxmlformats.org/officeDocument/2006/relationships" xmlns:p="http://schemas.openxmlformats.org/presentationml/2006/main">
+  <p:cSld>
+    <p:spTree>
+      <p:nvGrpSpPr>
+        <p:cNvPr id="1" name=""/>
+        <p:cNvGrpSpPr/>
+        <p:nvPr/>
+      </p:nvGrpSpPr>
+      <p:grpSpPr>
+        <a:xfrm>
+          <a:off x="0" y="0"/>
+          <a:ext cx="0" cy="0"/>
+          <a:chOff x="0" y="0"/>
+          <a:chExt cx="0" cy="0"/>
+        </a:xfrm>
+      </p:grpSpPr>
+      <p:sp>
+        <p:nvSpPr>
+          <p:cNvPr id="2" name="Titre 1"/>
+          <p:cNvSpPr>
+            <a:spLocks noGrp="1"/>
+          </p:cNvSpPr>
+          <p:nvPr>
+            <p:ph type="title"/>
+          </p:nvPr>
+        </p:nvSpPr>
+        <p:spPr/>
+        <p:txBody>
+          <a:bodyPr/>
+          <a:lstStyle/>
+          <a:p>
+            <a:r>
+              <a:rPr lang="fr-FR" dirty="0"/>
+              <a:t>Récupérer le support de formation</a:t>
+            </a:r>
+          </a:p>
+        </p:txBody>
+      </p:sp>
+      <p:sp>
+        <p:nvSpPr>
+          <p:cNvPr id="4" name="Espace réservé du numéro de diapositive 3"/>
+          <p:cNvSpPr>
+            <a:spLocks noGrp="1"/>
+          </p:cNvSpPr>
+          <p:nvPr>
+            <p:ph type="sldNum" sz="quarter" idx="12"/>
+          </p:nvPr>
+        </p:nvSpPr>
+        <p:spPr/>
+        <p:txBody>
+          <a:bodyPr/>
+          <a:lstStyle/>
+          <a:p>
+            <a:fld id="{D57F1E4F-1CFF-5643-939E-217C01CDF565}" type="slidenum">
+              <a:rPr lang="fr-FR" smtClean="0"/>
+              <a:pPr/>
+              <a:t>9</a:t>
             </a:fld>
             <a:endParaRPr lang="fr-FR" dirty="0"/>
           </a:p>
@@ -11237,31 +14521,15 @@
           <a:p>
             <a:r>
               <a:rPr lang="fr-FR" dirty="0" smtClean="0"/>
-              <a:t>Le chemin vers CUDA doit être un « short </a:t>
-            </a:r>
-            <a:r>
-              <a:rPr lang="fr-FR" dirty="0" err="1" smtClean="0"/>
-              <a:t>path</a:t>
-            </a:r>
+              <a:t>Le chemin vers CUDA doit être un « short path »</a:t>
+            </a:r>
+            <a:endParaRPr lang="fr-FR" dirty="0"/>
+          </a:p>
+          <a:p>
+            <a:pPr lvl="1"/>
             <a:r>
               <a:rPr lang="fr-FR" dirty="0" smtClean="0"/>
-              <a:t> »</a:t>
-            </a:r>
-            <a:endParaRPr lang="fr-FR" dirty="0"/>
-          </a:p>
-          <a:p>
-            <a:pPr lvl="1"/>
-            <a:r>
-              <a:rPr lang="fr-FR" dirty="0" smtClean="0"/>
-              <a:t>Ouvrir une fenêtre </a:t>
-            </a:r>
-            <a:r>
-              <a:rPr lang="fr-FR" dirty="0" err="1" smtClean="0"/>
-              <a:t>powershell</a:t>
-            </a:r>
-            <a:r>
-              <a:rPr lang="fr-FR" dirty="0" smtClean="0"/>
-              <a:t> à la racine du dépôt et taper la commande suivante :</a:t>
+              <a:t>Ouvrir une fenêtre powershell à la racine du dépôt et taper la commande suivante :</a:t>
             </a:r>
             <a:br>
               <a:rPr lang="fr-FR" dirty="0" smtClean="0"/>
@@ -11351,250 +14619,6 @@
   <p:clrMapOvr>
     <a:masterClrMapping/>
   </p:clrMapOvr>
-</p:sld>
-</file>
-
-<file path=ppt/slides/slide11.xml><?xml version="1.0" encoding="utf-8"?>
-<p:sld xmlns:a="http://schemas.openxmlformats.org/drawingml/2006/main" xmlns:r="http://schemas.openxmlformats.org/officeDocument/2006/relationships" xmlns:p="http://schemas.openxmlformats.org/presentationml/2006/main">
-  <p:cSld>
-    <p:spTree>
-      <p:nvGrpSpPr>
-        <p:cNvPr id="1" name=""/>
-        <p:cNvGrpSpPr/>
-        <p:nvPr/>
-      </p:nvGrpSpPr>
-      <p:grpSpPr>
-        <a:xfrm>
-          <a:off x="0" y="0"/>
-          <a:ext cx="0" cy="0"/>
-          <a:chOff x="0" y="0"/>
-          <a:chExt cx="0" cy="0"/>
-        </a:xfrm>
-      </p:grpSpPr>
-      <p:pic>
-        <p:nvPicPr>
-          <p:cNvPr id="7" name="Image 6" descr="Connexions numériques">
-            <a:extLst>
-              <a:ext uri="{FF2B5EF4-FFF2-40B4-BE49-F238E27FC236}">
-                <a16:creationId xmlns:a16="http://schemas.microsoft.com/office/drawing/2014/main" id="{3840F91C-EDD0-4D4E-A4AB-E6C77856C88C}"/>
-              </a:ext>
-            </a:extLst>
-          </p:cNvPr>
-          <p:cNvPicPr>
-            <a:picLocks noChangeAspect="1"/>
-          </p:cNvPicPr>
-          <p:nvPr/>
-        </p:nvPicPr>
-        <p:blipFill rotWithShape="1">
-          <a:blip r:embed="rId3" cstate="screen">
-            <a:extLst>
-              <a:ext uri="{28A0092B-C50C-407E-A947-70E740481C1C}">
-                <a14:useLocalDpi xmlns:a14="http://schemas.microsoft.com/office/drawing/2010/main"/>
-              </a:ext>
-            </a:extLst>
-          </a:blip>
-          <a:srcRect l="13265" t="9091" r="3502" b="-1"/>
-          <a:stretch/>
-        </p:blipFill>
-        <p:spPr>
-          <a:xfrm>
-            <a:off x="15" y="0"/>
-            <a:ext cx="9143985" cy="5714999"/>
-          </a:xfrm>
-          <a:prstGeom prst="rect">
-            <a:avLst/>
-          </a:prstGeom>
-        </p:spPr>
-      </p:pic>
-      <p:sp>
-        <p:nvSpPr>
-          <p:cNvPr id="4" name="Rectangle 3"/>
-          <p:cNvSpPr/>
-          <p:nvPr/>
-        </p:nvSpPr>
-        <p:spPr>
-          <a:xfrm>
-            <a:off x="435893" y="3583152"/>
-            <a:ext cx="8392798" cy="1166649"/>
-          </a:xfrm>
-          <a:prstGeom prst="rect">
-            <a:avLst/>
-          </a:prstGeom>
-        </p:spPr>
-        <p:style>
-          <a:lnRef idx="2">
-            <a:schemeClr val="accent1">
-              <a:shade val="50000"/>
-            </a:schemeClr>
-          </a:lnRef>
-          <a:fillRef idx="1">
-            <a:schemeClr val="accent1"/>
-          </a:fillRef>
-          <a:effectRef idx="0">
-            <a:schemeClr val="accent1"/>
-          </a:effectRef>
-          <a:fontRef idx="minor">
-            <a:schemeClr val="lt1"/>
-          </a:fontRef>
-        </p:style>
-        <p:txBody>
-          <a:bodyPr rtlCol="0" anchor="ctr"/>
-          <a:lstStyle/>
-          <a:p>
-            <a:pPr algn="ctr"/>
-            <a:endParaRPr lang="fr-FR"/>
-          </a:p>
-        </p:txBody>
-      </p:sp>
-      <p:sp>
-        <p:nvSpPr>
-          <p:cNvPr id="2" name="Titre 1">
-            <a:extLst>
-              <a:ext uri="{FF2B5EF4-FFF2-40B4-BE49-F238E27FC236}">
-                <a16:creationId xmlns:a16="http://schemas.microsoft.com/office/drawing/2014/main" id="{C02C5318-1A1E-49D0-B2E2-A4B0FA9E8A40}"/>
-              </a:ext>
-            </a:extLst>
-          </p:cNvPr>
-          <p:cNvSpPr>
-            <a:spLocks noGrp="1"/>
-          </p:cNvSpPr>
-          <p:nvPr>
-            <p:ph type="ctrTitle"/>
-          </p:nvPr>
-        </p:nvSpPr>
-        <p:spPr>
-          <a:xfrm>
-            <a:off x="435894" y="3714750"/>
-            <a:ext cx="8245162" cy="671433"/>
-          </a:xfrm>
-        </p:spPr>
-        <p:txBody>
-          <a:bodyPr rtlCol="0">
-            <a:noAutofit/>
-          </a:bodyPr>
-          <a:lstStyle/>
-          <a:p>
-            <a:pPr algn="r" rtl="0"/>
-            <a:r>
-              <a:rPr lang="fr-FR" sz="3150" dirty="0" smtClean="0">
-                <a:solidFill>
-                  <a:schemeClr val="bg1"/>
-                </a:solidFill>
-              </a:rPr>
-              <a:t>Prêts ?</a:t>
-            </a:r>
-            <a:endParaRPr lang="fr-FR" sz="3150" dirty="0">
-              <a:solidFill>
-                <a:schemeClr val="bg1"/>
-              </a:solidFill>
-            </a:endParaRPr>
-          </a:p>
-        </p:txBody>
-      </p:sp>
-      <p:sp>
-        <p:nvSpPr>
-          <p:cNvPr id="3" name="Sous-titre 2">
-            <a:extLst>
-              <a:ext uri="{FF2B5EF4-FFF2-40B4-BE49-F238E27FC236}">
-                <a16:creationId xmlns:a16="http://schemas.microsoft.com/office/drawing/2014/main" id="{48B6CF59-4E5B-494D-A2F7-97ADD01E6497}"/>
-              </a:ext>
-            </a:extLst>
-          </p:cNvPr>
-          <p:cNvSpPr>
-            <a:spLocks noGrp="1"/>
-          </p:cNvSpPr>
-          <p:nvPr>
-            <p:ph type="subTitle" idx="1"/>
-          </p:nvPr>
-        </p:nvSpPr>
-        <p:spPr>
-          <a:xfrm>
-            <a:off x="435895" y="4386184"/>
-            <a:ext cx="8245160" cy="363617"/>
-          </a:xfrm>
-        </p:spPr>
-        <p:txBody>
-          <a:bodyPr rtlCol="0">
-            <a:normAutofit/>
-          </a:bodyPr>
-          <a:lstStyle/>
-          <a:p>
-            <a:pPr algn="r" rtl="0"/>
-            <a:r>
-              <a:rPr lang="fr-FR" dirty="0" smtClean="0">
-                <a:solidFill>
-                  <a:srgbClr val="7CEBFF"/>
-                </a:solidFill>
-              </a:rPr>
-              <a:t>Formation interne </a:t>
-            </a:r>
-            <a:r>
-              <a:rPr lang="fr-FR" dirty="0" err="1" smtClean="0">
-                <a:solidFill>
-                  <a:srgbClr val="7CEBFF"/>
-                </a:solidFill>
-              </a:rPr>
-              <a:t>scalian</a:t>
-            </a:r>
-            <a:r>
-              <a:rPr lang="fr-FR" dirty="0">
-                <a:solidFill>
-                  <a:srgbClr val="7CEBFF"/>
-                </a:solidFill>
-              </a:rPr>
-              <a:t> </a:t>
-            </a:r>
-            <a:r>
-              <a:rPr lang="fr-FR" dirty="0" smtClean="0">
-                <a:solidFill>
-                  <a:srgbClr val="7CEBFF"/>
-                </a:solidFill>
-              </a:rPr>
-              <a:t>les 7 et 8 décembre 2020</a:t>
-            </a:r>
-            <a:endParaRPr lang="fr-FR" dirty="0">
-              <a:solidFill>
-                <a:srgbClr val="7CEBFF"/>
-              </a:solidFill>
-            </a:endParaRPr>
-          </a:p>
-        </p:txBody>
-      </p:sp>
-      <p:sp>
-        <p:nvSpPr>
-          <p:cNvPr id="5" name="Espace réservé du numéro de diapositive 4"/>
-          <p:cNvSpPr>
-            <a:spLocks noGrp="1"/>
-          </p:cNvSpPr>
-          <p:nvPr>
-            <p:ph type="sldNum" sz="quarter" idx="12"/>
-          </p:nvPr>
-        </p:nvSpPr>
-        <p:spPr/>
-        <p:txBody>
-          <a:bodyPr/>
-          <a:lstStyle/>
-          <a:p>
-            <a:pPr rtl="0"/>
-            <a:fld id="{D57F1E4F-1CFF-5643-939E-217C01CDF565}" type="slidenum">
-              <a:rPr lang="fr-FR" noProof="0" smtClean="0"/>
-              <a:pPr rtl="0"/>
-              <a:t>11</a:t>
-            </a:fld>
-            <a:endParaRPr lang="fr-FR" noProof="0"/>
-          </a:p>
-        </p:txBody>
-      </p:sp>
-    </p:spTree>
-    <p:extLst>
-      <p:ext uri="{BB962C8B-B14F-4D97-AF65-F5344CB8AC3E}">
-        <p14:creationId xmlns:p14="http://schemas.microsoft.com/office/powerpoint/2010/main" val="2265540439"/>
-      </p:ext>
-    </p:extLst>
-  </p:cSld>
-  <p:clrMapOvr>
-    <a:masterClrMapping/>
-  </p:clrMapOvr>
   <p:timing>
     <p:tnLst>
       <p:par>
@@ -11602,2871 +14626,6 @@
       </p:par>
     </p:tnLst>
   </p:timing>
-</p:sld>
-</file>
-
-<file path=ppt/slides/slide2.xml><?xml version="1.0" encoding="utf-8"?>
-<p:sld xmlns:a="http://schemas.openxmlformats.org/drawingml/2006/main" xmlns:r="http://schemas.openxmlformats.org/officeDocument/2006/relationships" xmlns:p="http://schemas.openxmlformats.org/presentationml/2006/main">
-  <p:cSld>
-    <p:spTree>
-      <p:nvGrpSpPr>
-        <p:cNvPr id="1" name=""/>
-        <p:cNvGrpSpPr/>
-        <p:nvPr/>
-      </p:nvGrpSpPr>
-      <p:grpSpPr>
-        <a:xfrm>
-          <a:off x="0" y="0"/>
-          <a:ext cx="0" cy="0"/>
-          <a:chOff x="0" y="0"/>
-          <a:chExt cx="0" cy="0"/>
-        </a:xfrm>
-      </p:grpSpPr>
-      <p:sp>
-        <p:nvSpPr>
-          <p:cNvPr id="2" name="Titre 1"/>
-          <p:cNvSpPr>
-            <a:spLocks noGrp="1"/>
-          </p:cNvSpPr>
-          <p:nvPr>
-            <p:ph type="title"/>
-          </p:nvPr>
-        </p:nvSpPr>
-        <p:spPr/>
-        <p:txBody>
-          <a:bodyPr/>
-          <a:lstStyle/>
-          <a:p>
-            <a:r>
-              <a:rPr lang="fr-FR" dirty="0" err="1" smtClean="0"/>
-              <a:t>PRésentation</a:t>
-            </a:r>
-            <a:endParaRPr lang="fr-FR" dirty="0"/>
-          </a:p>
-        </p:txBody>
-      </p:sp>
-      <p:sp>
-        <p:nvSpPr>
-          <p:cNvPr id="3" name="Espace réservé du contenu 2"/>
-          <p:cNvSpPr>
-            <a:spLocks noGrp="1"/>
-          </p:cNvSpPr>
-          <p:nvPr>
-            <p:ph idx="1"/>
-          </p:nvPr>
-        </p:nvSpPr>
-        <p:spPr>
-          <a:xfrm>
-            <a:off x="819151" y="1921123"/>
-            <a:ext cx="7888955" cy="2758727"/>
-          </a:xfrm>
-        </p:spPr>
-        <p:txBody>
-          <a:bodyPr>
-            <a:normAutofit/>
-          </a:bodyPr>
-          <a:lstStyle/>
-          <a:p>
-            <a:r>
-              <a:rPr lang="fr-FR" sz="2400" dirty="0"/>
-              <a:t>Qui suis-je ?</a:t>
-            </a:r>
-          </a:p>
-          <a:p>
-            <a:r>
-              <a:rPr lang="fr-FR" sz="2400" dirty="0"/>
-              <a:t>Pourquoi </a:t>
-            </a:r>
-            <a:r>
-              <a:rPr lang="fr-FR" sz="2400" dirty="0" smtClean="0"/>
-              <a:t>suis-je </a:t>
-            </a:r>
-            <a:r>
-              <a:rPr lang="fr-FR" sz="2400" dirty="0"/>
-              <a:t>là ?</a:t>
-            </a:r>
-          </a:p>
-          <a:p>
-            <a:r>
-              <a:rPr lang="fr-FR" sz="2400" dirty="0"/>
-              <a:t>Qui êtes-vous ?</a:t>
-            </a:r>
-          </a:p>
-          <a:p>
-            <a:r>
-              <a:rPr lang="fr-FR" sz="2400" dirty="0">
-                <a:hlinkClick r:id="rId2"/>
-              </a:rPr>
-              <a:t>Pourquoi </a:t>
-            </a:r>
-            <a:r>
-              <a:rPr lang="fr-FR" sz="2400" dirty="0" smtClean="0">
-                <a:hlinkClick r:id="rId2"/>
-              </a:rPr>
-              <a:t>êtes-vous </a:t>
-            </a:r>
-            <a:r>
-              <a:rPr lang="fr-FR" sz="2400" dirty="0">
-                <a:hlinkClick r:id="rId2"/>
-              </a:rPr>
-              <a:t>là ? </a:t>
-            </a:r>
-            <a:endParaRPr lang="fr-FR" sz="2400" dirty="0"/>
-          </a:p>
-        </p:txBody>
-      </p:sp>
-      <p:sp>
-        <p:nvSpPr>
-          <p:cNvPr id="4" name="Espace réservé du numéro de diapositive 3"/>
-          <p:cNvSpPr>
-            <a:spLocks noGrp="1"/>
-          </p:cNvSpPr>
-          <p:nvPr>
-            <p:ph type="sldNum" sz="quarter" idx="12"/>
-          </p:nvPr>
-        </p:nvSpPr>
-        <p:spPr/>
-        <p:txBody>
-          <a:bodyPr/>
-          <a:lstStyle/>
-          <a:p>
-            <a:pPr rtl="0"/>
-            <a:fld id="{D57F1E4F-1CFF-5643-939E-217C01CDF565}" type="slidenum">
-              <a:rPr lang="fr-FR" noProof="0" smtClean="0"/>
-              <a:pPr rtl="0"/>
-              <a:t>2</a:t>
-            </a:fld>
-            <a:endParaRPr lang="fr-FR" noProof="0" dirty="0"/>
-          </a:p>
-        </p:txBody>
-      </p:sp>
-    </p:spTree>
-    <p:extLst>
-      <p:ext uri="{BB962C8B-B14F-4D97-AF65-F5344CB8AC3E}">
-        <p14:creationId xmlns:p14="http://schemas.microsoft.com/office/powerpoint/2010/main" val="796632217"/>
-      </p:ext>
-    </p:extLst>
-  </p:cSld>
-  <p:clrMapOvr>
-    <a:masterClrMapping/>
-  </p:clrMapOvr>
-  <p:timing>
-    <p:tnLst>
-      <p:par>
-        <p:cTn id="1" dur="indefinite" restart="never" nodeType="tmRoot"/>
-      </p:par>
-    </p:tnLst>
-  </p:timing>
-</p:sld>
-</file>
-
-<file path=ppt/slides/slide3.xml><?xml version="1.0" encoding="utf-8"?>
-<p:sld xmlns:a="http://schemas.openxmlformats.org/drawingml/2006/main" xmlns:r="http://schemas.openxmlformats.org/officeDocument/2006/relationships" xmlns:p="http://schemas.openxmlformats.org/presentationml/2006/main">
-  <p:cSld>
-    <p:spTree>
-      <p:nvGrpSpPr>
-        <p:cNvPr id="1" name=""/>
-        <p:cNvGrpSpPr/>
-        <p:nvPr/>
-      </p:nvGrpSpPr>
-      <p:grpSpPr>
-        <a:xfrm>
-          <a:off x="0" y="0"/>
-          <a:ext cx="0" cy="0"/>
-          <a:chOff x="0" y="0"/>
-          <a:chExt cx="0" cy="0"/>
-        </a:xfrm>
-      </p:grpSpPr>
-      <p:sp>
-        <p:nvSpPr>
-          <p:cNvPr id="2" name="Title 1">
-            <a:extLst>
-              <a:ext uri="{FF2B5EF4-FFF2-40B4-BE49-F238E27FC236}">
-                <a16:creationId xmlns:a16="http://schemas.microsoft.com/office/drawing/2014/main" id="{552F2E6E-CD03-4600-A8A8-DC17406DD8D1}"/>
-              </a:ext>
-            </a:extLst>
-          </p:cNvPr>
-          <p:cNvSpPr>
-            <a:spLocks noGrp="1"/>
-          </p:cNvSpPr>
-          <p:nvPr>
-            <p:ph type="title"/>
-          </p:nvPr>
-        </p:nvSpPr>
-        <p:spPr/>
-        <p:txBody>
-          <a:bodyPr/>
-          <a:lstStyle/>
-          <a:p>
-            <a:r>
-              <a:rPr lang="en-US" dirty="0" smtClean="0"/>
-              <a:t>Tour de table</a:t>
-            </a:r>
-            <a:endParaRPr lang="en-US" dirty="0"/>
-          </a:p>
-        </p:txBody>
-      </p:sp>
-      <p:sp>
-        <p:nvSpPr>
-          <p:cNvPr id="5" name="Espace réservé du texte 4"/>
-          <p:cNvSpPr txBox="1">
-            <a:spLocks/>
-          </p:cNvSpPr>
-          <p:nvPr/>
-        </p:nvSpPr>
-        <p:spPr>
-          <a:xfrm>
-            <a:off x="1215760" y="1874572"/>
-            <a:ext cx="3721846" cy="3840428"/>
-          </a:xfrm>
-          <a:prstGeom prst="rect">
-            <a:avLst/>
-          </a:prstGeom>
-        </p:spPr>
-        <p:txBody>
-          <a:bodyPr>
-            <a:normAutofit/>
-          </a:bodyPr>
-          <a:lstStyle>
-            <a:lvl1pPr marL="229500" indent="-229500" algn="l" defTabSz="342900" rtl="0" eaLnBrk="1" latinLnBrk="0" hangingPunct="1">
-              <a:spcBef>
-                <a:spcPct val="20000"/>
-              </a:spcBef>
-              <a:spcAft>
-                <a:spcPts val="450"/>
-              </a:spcAft>
-              <a:buClr>
-                <a:schemeClr val="accent2"/>
-              </a:buClr>
-              <a:buSzPct val="92000"/>
-              <a:buFont typeface="Wingdings 2" panose="05020102010507070707" pitchFamily="18" charset="2"/>
-              <a:buChar char=""/>
-              <a:defRPr sz="1350" kern="1200">
-                <a:solidFill>
-                  <a:schemeClr val="tx2"/>
-                </a:solidFill>
-                <a:latin typeface="+mn-lt"/>
-                <a:ea typeface="+mn-ea"/>
-                <a:cs typeface="+mn-cs"/>
-              </a:defRPr>
-            </a:lvl1pPr>
-            <a:lvl2pPr marL="472500" indent="-229500" algn="l" defTabSz="342900" rtl="0" eaLnBrk="1" latinLnBrk="0" hangingPunct="1">
-              <a:spcBef>
-                <a:spcPct val="20000"/>
-              </a:spcBef>
-              <a:spcAft>
-                <a:spcPts val="450"/>
-              </a:spcAft>
-              <a:buClr>
-                <a:schemeClr val="accent2"/>
-              </a:buClr>
-              <a:buSzPct val="92000"/>
-              <a:buFont typeface="Wingdings 2" panose="05020102010507070707" pitchFamily="18" charset="2"/>
-              <a:buChar char=""/>
-              <a:defRPr sz="1200" kern="1200">
-                <a:solidFill>
-                  <a:schemeClr val="tx2"/>
-                </a:solidFill>
-                <a:latin typeface="+mn-lt"/>
-                <a:ea typeface="+mn-ea"/>
-                <a:cs typeface="+mn-cs"/>
-              </a:defRPr>
-            </a:lvl2pPr>
-            <a:lvl3pPr marL="675000" indent="-202500" algn="l" defTabSz="342900" rtl="0" eaLnBrk="1" latinLnBrk="0" hangingPunct="1">
-              <a:spcBef>
-                <a:spcPct val="20000"/>
-              </a:spcBef>
-              <a:spcAft>
-                <a:spcPts val="450"/>
-              </a:spcAft>
-              <a:buClr>
-                <a:schemeClr val="accent2"/>
-              </a:buClr>
-              <a:buSzPct val="92000"/>
-              <a:buFont typeface="Wingdings 2" panose="05020102010507070707" pitchFamily="18" charset="2"/>
-              <a:buChar char=""/>
-              <a:defRPr sz="1050" kern="1200">
-                <a:solidFill>
-                  <a:schemeClr val="tx2"/>
-                </a:solidFill>
-                <a:latin typeface="+mn-lt"/>
-                <a:ea typeface="+mn-ea"/>
-                <a:cs typeface="+mn-cs"/>
-              </a:defRPr>
-            </a:lvl3pPr>
-            <a:lvl4pPr marL="931500" indent="-175500" algn="l" defTabSz="342900" rtl="0" eaLnBrk="1" latinLnBrk="0" hangingPunct="1">
-              <a:spcBef>
-                <a:spcPct val="20000"/>
-              </a:spcBef>
-              <a:spcAft>
-                <a:spcPts val="450"/>
-              </a:spcAft>
-              <a:buClr>
-                <a:schemeClr val="accent2"/>
-              </a:buClr>
-              <a:buSzPct val="92000"/>
-              <a:buFont typeface="Wingdings 2" panose="05020102010507070707" pitchFamily="18" charset="2"/>
-              <a:buChar char=""/>
-              <a:defRPr sz="900" kern="1200">
-                <a:solidFill>
-                  <a:schemeClr val="tx2"/>
-                </a:solidFill>
-                <a:latin typeface="+mn-lt"/>
-                <a:ea typeface="+mn-ea"/>
-                <a:cs typeface="+mn-cs"/>
-              </a:defRPr>
-            </a:lvl4pPr>
-            <a:lvl5pPr marL="1201500" indent="-175500" algn="l" defTabSz="342900" rtl="0" eaLnBrk="1" latinLnBrk="0" hangingPunct="1">
-              <a:spcBef>
-                <a:spcPct val="20000"/>
-              </a:spcBef>
-              <a:spcAft>
-                <a:spcPts val="450"/>
-              </a:spcAft>
-              <a:buClr>
-                <a:schemeClr val="accent2"/>
-              </a:buClr>
-              <a:buSzPct val="92000"/>
-              <a:buFont typeface="Wingdings 2" panose="05020102010507070707" pitchFamily="18" charset="2"/>
-              <a:buChar char=""/>
-              <a:defRPr sz="900" kern="1200">
-                <a:solidFill>
-                  <a:schemeClr val="tx2"/>
-                </a:solidFill>
-                <a:latin typeface="+mn-lt"/>
-                <a:ea typeface="+mn-ea"/>
-                <a:cs typeface="+mn-cs"/>
-              </a:defRPr>
-            </a:lvl5pPr>
-            <a:lvl6pPr marL="1425000" indent="-171450" algn="l" defTabSz="342900" rtl="0" eaLnBrk="1" latinLnBrk="0" hangingPunct="1">
-              <a:spcBef>
-                <a:spcPct val="20000"/>
-              </a:spcBef>
-              <a:spcAft>
-                <a:spcPts val="450"/>
-              </a:spcAft>
-              <a:buClr>
-                <a:schemeClr val="accent2"/>
-              </a:buClr>
-              <a:buSzPct val="92000"/>
-              <a:buFont typeface="Wingdings 2" panose="05020102010507070707" pitchFamily="18" charset="2"/>
-              <a:buChar char=""/>
-              <a:defRPr sz="900" kern="1200">
-                <a:solidFill>
-                  <a:schemeClr val="tx2"/>
-                </a:solidFill>
-                <a:latin typeface="+mn-lt"/>
-                <a:ea typeface="+mn-ea"/>
-                <a:cs typeface="+mn-cs"/>
-              </a:defRPr>
-            </a:lvl6pPr>
-            <a:lvl7pPr marL="1650000" indent="-171450" algn="l" defTabSz="342900" rtl="0" eaLnBrk="1" latinLnBrk="0" hangingPunct="1">
-              <a:spcBef>
-                <a:spcPct val="20000"/>
-              </a:spcBef>
-              <a:spcAft>
-                <a:spcPts val="450"/>
-              </a:spcAft>
-              <a:buClr>
-                <a:schemeClr val="accent2"/>
-              </a:buClr>
-              <a:buSzPct val="92000"/>
-              <a:buFont typeface="Wingdings 2" panose="05020102010507070707" pitchFamily="18" charset="2"/>
-              <a:buChar char=""/>
-              <a:defRPr sz="900" kern="1200">
-                <a:solidFill>
-                  <a:schemeClr val="tx2"/>
-                </a:solidFill>
-                <a:latin typeface="+mn-lt"/>
-                <a:ea typeface="+mn-ea"/>
-                <a:cs typeface="+mn-cs"/>
-              </a:defRPr>
-            </a:lvl7pPr>
-            <a:lvl8pPr marL="1875000" indent="-171450" algn="l" defTabSz="342900" rtl="0" eaLnBrk="1" latinLnBrk="0" hangingPunct="1">
-              <a:spcBef>
-                <a:spcPct val="20000"/>
-              </a:spcBef>
-              <a:spcAft>
-                <a:spcPts val="450"/>
-              </a:spcAft>
-              <a:buClr>
-                <a:schemeClr val="accent2"/>
-              </a:buClr>
-              <a:buSzPct val="92000"/>
-              <a:buFont typeface="Wingdings 2" panose="05020102010507070707" pitchFamily="18" charset="2"/>
-              <a:buChar char=""/>
-              <a:defRPr sz="900" kern="1200">
-                <a:solidFill>
-                  <a:schemeClr val="tx2"/>
-                </a:solidFill>
-                <a:latin typeface="+mn-lt"/>
-                <a:ea typeface="+mn-ea"/>
-                <a:cs typeface="+mn-cs"/>
-              </a:defRPr>
-            </a:lvl8pPr>
-            <a:lvl9pPr marL="2100000" indent="-171450" algn="l" defTabSz="342900" rtl="0" eaLnBrk="1" latinLnBrk="0" hangingPunct="1">
-              <a:spcBef>
-                <a:spcPct val="20000"/>
-              </a:spcBef>
-              <a:spcAft>
-                <a:spcPts val="450"/>
-              </a:spcAft>
-              <a:buClr>
-                <a:schemeClr val="accent2"/>
-              </a:buClr>
-              <a:buSzPct val="92000"/>
-              <a:buFont typeface="Wingdings 2" panose="05020102010507070707" pitchFamily="18" charset="2"/>
-              <a:buChar char=""/>
-              <a:defRPr sz="900" kern="1200">
-                <a:solidFill>
-                  <a:schemeClr val="tx2"/>
-                </a:solidFill>
-                <a:latin typeface="+mn-lt"/>
-                <a:ea typeface="+mn-ea"/>
-                <a:cs typeface="+mn-cs"/>
-              </a:defRPr>
-            </a:lvl9pPr>
-          </a:lstStyle>
-          <a:p>
-            <a:pPr marL="342900" lvl="1" indent="-342900">
-              <a:lnSpc>
-                <a:spcPct val="150000"/>
-              </a:lnSpc>
-              <a:spcAft>
-                <a:spcPts val="600"/>
-              </a:spcAft>
-              <a:buClr>
-                <a:schemeClr val="accent1">
-                  <a:lumMod val="75000"/>
-                </a:schemeClr>
-              </a:buClr>
-              <a:buSzPct val="100000"/>
-              <a:buFont typeface="Wingdings" panose="05000000000000000000" pitchFamily="2" charset="2"/>
-              <a:buChar char="§"/>
-              <a:defRPr/>
-            </a:pPr>
-            <a:r>
-              <a:rPr lang="fr-FR" sz="2000" dirty="0" smtClean="0"/>
-              <a:t>Votre nom</a:t>
-            </a:r>
-          </a:p>
-          <a:p>
-            <a:pPr marL="342900" lvl="1" indent="-342900">
-              <a:lnSpc>
-                <a:spcPct val="150000"/>
-              </a:lnSpc>
-              <a:spcAft>
-                <a:spcPts val="600"/>
-              </a:spcAft>
-              <a:buClr>
-                <a:schemeClr val="accent1">
-                  <a:lumMod val="75000"/>
-                </a:schemeClr>
-              </a:buClr>
-              <a:buSzPct val="100000"/>
-              <a:buFont typeface="Wingdings" panose="05000000000000000000" pitchFamily="2" charset="2"/>
-              <a:buChar char="§"/>
-              <a:defRPr/>
-            </a:pPr>
-            <a:r>
-              <a:rPr lang="fr-FR" sz="2000" dirty="0" smtClean="0"/>
-              <a:t>Votre mission/poste</a:t>
-            </a:r>
-          </a:p>
-          <a:p>
-            <a:pPr marL="342900" lvl="1" indent="-342900">
-              <a:lnSpc>
-                <a:spcPct val="150000"/>
-              </a:lnSpc>
-              <a:spcAft>
-                <a:spcPts val="600"/>
-              </a:spcAft>
-              <a:buClr>
-                <a:schemeClr val="accent1">
-                  <a:lumMod val="75000"/>
-                </a:schemeClr>
-              </a:buClr>
-              <a:buSzPct val="100000"/>
-              <a:buFont typeface="Wingdings" panose="05000000000000000000" pitchFamily="2" charset="2"/>
-              <a:buChar char="§"/>
-              <a:defRPr/>
-            </a:pPr>
-            <a:r>
-              <a:rPr lang="fr-FR" sz="2000" dirty="0" smtClean="0"/>
-              <a:t>Votre expérience en HPC </a:t>
-            </a:r>
-            <a:endParaRPr lang="fr-FR" sz="2000" dirty="0"/>
-          </a:p>
-        </p:txBody>
-      </p:sp>
-      <p:pic>
-        <p:nvPicPr>
-          <p:cNvPr id="6" name="Image 5"/>
-          <p:cNvPicPr>
-            <a:picLocks noChangeAspect="1"/>
-          </p:cNvPicPr>
-          <p:nvPr/>
-        </p:nvPicPr>
-        <p:blipFill>
-          <a:blip r:embed="rId2"/>
-          <a:stretch>
-            <a:fillRect/>
-          </a:stretch>
-        </p:blipFill>
-        <p:spPr>
-          <a:xfrm>
-            <a:off x="5419851" y="1685386"/>
-            <a:ext cx="2561415" cy="2388885"/>
-          </a:xfrm>
-          <a:prstGeom prst="rect">
-            <a:avLst/>
-          </a:prstGeom>
-        </p:spPr>
-      </p:pic>
-      <p:sp>
-        <p:nvSpPr>
-          <p:cNvPr id="3" name="Espace réservé du numéro de diapositive 2"/>
-          <p:cNvSpPr>
-            <a:spLocks noGrp="1"/>
-          </p:cNvSpPr>
-          <p:nvPr>
-            <p:ph type="sldNum" sz="quarter" idx="12"/>
-          </p:nvPr>
-        </p:nvSpPr>
-        <p:spPr/>
-        <p:txBody>
-          <a:bodyPr/>
-          <a:lstStyle/>
-          <a:p>
-            <a:pPr rtl="0"/>
-            <a:fld id="{D57F1E4F-1CFF-5643-939E-217C01CDF565}" type="slidenum">
-              <a:rPr lang="fr-FR" noProof="0" smtClean="0"/>
-              <a:pPr rtl="0"/>
-              <a:t>3</a:t>
-            </a:fld>
-            <a:endParaRPr lang="fr-FR" noProof="0"/>
-          </a:p>
-        </p:txBody>
-      </p:sp>
-      <p:sp>
-        <p:nvSpPr>
-          <p:cNvPr id="4" name="Rectangle 3"/>
-          <p:cNvSpPr/>
-          <p:nvPr/>
-        </p:nvSpPr>
-        <p:spPr>
-          <a:xfrm>
-            <a:off x="2781300" y="4613028"/>
-            <a:ext cx="4572000" cy="646331"/>
-          </a:xfrm>
-          <a:prstGeom prst="rect">
-            <a:avLst/>
-          </a:prstGeom>
-        </p:spPr>
-        <p:txBody>
-          <a:bodyPr>
-            <a:spAutoFit/>
-          </a:bodyPr>
-          <a:lstStyle/>
-          <a:p>
-            <a:r>
-              <a:rPr lang="fr-FR" dirty="0"/>
-              <a:t>https://draft.io/qddy46cemn4jmv9h8ftd9vu5a6jdk3fngyq9rg2dq5k4</a:t>
-            </a:r>
-          </a:p>
-        </p:txBody>
-      </p:sp>
-      <p:pic>
-        <p:nvPicPr>
-          <p:cNvPr id="7" name="Image 6"/>
-          <p:cNvPicPr>
-            <a:picLocks noChangeAspect="1"/>
-          </p:cNvPicPr>
-          <p:nvPr/>
-        </p:nvPicPr>
-        <p:blipFill>
-          <a:blip r:embed="rId3">
-            <a:extLst>
-              <a:ext uri="{28A0092B-C50C-407E-A947-70E740481C1C}">
-                <a14:useLocalDpi xmlns:a14="http://schemas.microsoft.com/office/drawing/2010/main" val="0"/>
-              </a:ext>
-            </a:extLst>
-          </a:blip>
-          <a:stretch>
-            <a:fillRect/>
-          </a:stretch>
-        </p:blipFill>
-        <p:spPr>
-          <a:xfrm rot="10800000" flipH="1" flipV="1">
-            <a:off x="677592" y="4613028"/>
-            <a:ext cx="1847832" cy="497375"/>
-          </a:xfrm>
-          <a:prstGeom prst="rect">
-            <a:avLst/>
-          </a:prstGeom>
-        </p:spPr>
-      </p:pic>
-    </p:spTree>
-    <p:extLst>
-      <p:ext uri="{BB962C8B-B14F-4D97-AF65-F5344CB8AC3E}">
-        <p14:creationId xmlns:p14="http://schemas.microsoft.com/office/powerpoint/2010/main" val="4210149185"/>
-      </p:ext>
-    </p:extLst>
-  </p:cSld>
-  <p:clrMapOvr>
-    <a:masterClrMapping/>
-  </p:clrMapOvr>
-  <p:timing>
-    <p:tnLst>
-      <p:par>
-        <p:cTn id="1" dur="indefinite" restart="never" nodeType="tmRoot"/>
-      </p:par>
-    </p:tnLst>
-  </p:timing>
-</p:sld>
-</file>
-
-<file path=ppt/slides/slide4.xml><?xml version="1.0" encoding="utf-8"?>
-<p:sld xmlns:a="http://schemas.openxmlformats.org/drawingml/2006/main" xmlns:r="http://schemas.openxmlformats.org/officeDocument/2006/relationships" xmlns:p="http://schemas.openxmlformats.org/presentationml/2006/main">
-  <p:cSld>
-    <p:spTree>
-      <p:nvGrpSpPr>
-        <p:cNvPr id="1" name=""/>
-        <p:cNvGrpSpPr/>
-        <p:nvPr/>
-      </p:nvGrpSpPr>
-      <p:grpSpPr>
-        <a:xfrm>
-          <a:off x="0" y="0"/>
-          <a:ext cx="0" cy="0"/>
-          <a:chOff x="0" y="0"/>
-          <a:chExt cx="0" cy="0"/>
-        </a:xfrm>
-      </p:grpSpPr>
-      <p:sp>
-        <p:nvSpPr>
-          <p:cNvPr id="2" name="Title 1">
-            <a:extLst>
-              <a:ext uri="{FF2B5EF4-FFF2-40B4-BE49-F238E27FC236}">
-                <a16:creationId xmlns:a16="http://schemas.microsoft.com/office/drawing/2014/main" id="{552F2E6E-CD03-4600-A8A8-DC17406DD8D1}"/>
-              </a:ext>
-            </a:extLst>
-          </p:cNvPr>
-          <p:cNvSpPr>
-            <a:spLocks noGrp="1"/>
-          </p:cNvSpPr>
-          <p:nvPr>
-            <p:ph type="title"/>
-          </p:nvPr>
-        </p:nvSpPr>
-        <p:spPr/>
-        <p:txBody>
-          <a:bodyPr/>
-          <a:lstStyle/>
-          <a:p>
-            <a:r>
-              <a:rPr lang="en-US" dirty="0" err="1" smtClean="0"/>
-              <a:t>Objectifs</a:t>
-            </a:r>
-            <a:r>
-              <a:rPr lang="en-US" dirty="0" smtClean="0"/>
-              <a:t> de la formation</a:t>
-            </a:r>
-            <a:endParaRPr lang="en-US" dirty="0"/>
-          </a:p>
-        </p:txBody>
-      </p:sp>
-      <p:sp>
-        <p:nvSpPr>
-          <p:cNvPr id="5" name="Espace réservé du texte 4"/>
-          <p:cNvSpPr txBox="1">
-            <a:spLocks/>
-          </p:cNvSpPr>
-          <p:nvPr/>
-        </p:nvSpPr>
-        <p:spPr>
-          <a:xfrm>
-            <a:off x="1298791" y="1971131"/>
-            <a:ext cx="3721846" cy="2895159"/>
-          </a:xfrm>
-          <a:prstGeom prst="rect">
-            <a:avLst/>
-          </a:prstGeom>
-        </p:spPr>
-        <p:txBody>
-          <a:bodyPr>
-            <a:normAutofit fontScale="92500"/>
-          </a:bodyPr>
-          <a:lstStyle>
-            <a:lvl1pPr marL="229500" indent="-229500" algn="l" defTabSz="342900" rtl="0" eaLnBrk="1" latinLnBrk="0" hangingPunct="1">
-              <a:spcBef>
-                <a:spcPct val="20000"/>
-              </a:spcBef>
-              <a:spcAft>
-                <a:spcPts val="450"/>
-              </a:spcAft>
-              <a:buClr>
-                <a:schemeClr val="accent2"/>
-              </a:buClr>
-              <a:buSzPct val="92000"/>
-              <a:buFont typeface="Wingdings 2" panose="05020102010507070707" pitchFamily="18" charset="2"/>
-              <a:buChar char=""/>
-              <a:defRPr sz="1350" kern="1200">
-                <a:solidFill>
-                  <a:schemeClr val="tx2"/>
-                </a:solidFill>
-                <a:latin typeface="+mn-lt"/>
-                <a:ea typeface="+mn-ea"/>
-                <a:cs typeface="+mn-cs"/>
-              </a:defRPr>
-            </a:lvl1pPr>
-            <a:lvl2pPr marL="472500" indent="-229500" algn="l" defTabSz="342900" rtl="0" eaLnBrk="1" latinLnBrk="0" hangingPunct="1">
-              <a:spcBef>
-                <a:spcPct val="20000"/>
-              </a:spcBef>
-              <a:spcAft>
-                <a:spcPts val="450"/>
-              </a:spcAft>
-              <a:buClr>
-                <a:schemeClr val="accent2"/>
-              </a:buClr>
-              <a:buSzPct val="92000"/>
-              <a:buFont typeface="Wingdings 2" panose="05020102010507070707" pitchFamily="18" charset="2"/>
-              <a:buChar char=""/>
-              <a:defRPr sz="1200" kern="1200">
-                <a:solidFill>
-                  <a:schemeClr val="tx2"/>
-                </a:solidFill>
-                <a:latin typeface="+mn-lt"/>
-                <a:ea typeface="+mn-ea"/>
-                <a:cs typeface="+mn-cs"/>
-              </a:defRPr>
-            </a:lvl2pPr>
-            <a:lvl3pPr marL="675000" indent="-202500" algn="l" defTabSz="342900" rtl="0" eaLnBrk="1" latinLnBrk="0" hangingPunct="1">
-              <a:spcBef>
-                <a:spcPct val="20000"/>
-              </a:spcBef>
-              <a:spcAft>
-                <a:spcPts val="450"/>
-              </a:spcAft>
-              <a:buClr>
-                <a:schemeClr val="accent2"/>
-              </a:buClr>
-              <a:buSzPct val="92000"/>
-              <a:buFont typeface="Wingdings 2" panose="05020102010507070707" pitchFamily="18" charset="2"/>
-              <a:buChar char=""/>
-              <a:defRPr sz="1050" kern="1200">
-                <a:solidFill>
-                  <a:schemeClr val="tx2"/>
-                </a:solidFill>
-                <a:latin typeface="+mn-lt"/>
-                <a:ea typeface="+mn-ea"/>
-                <a:cs typeface="+mn-cs"/>
-              </a:defRPr>
-            </a:lvl3pPr>
-            <a:lvl4pPr marL="931500" indent="-175500" algn="l" defTabSz="342900" rtl="0" eaLnBrk="1" latinLnBrk="0" hangingPunct="1">
-              <a:spcBef>
-                <a:spcPct val="20000"/>
-              </a:spcBef>
-              <a:spcAft>
-                <a:spcPts val="450"/>
-              </a:spcAft>
-              <a:buClr>
-                <a:schemeClr val="accent2"/>
-              </a:buClr>
-              <a:buSzPct val="92000"/>
-              <a:buFont typeface="Wingdings 2" panose="05020102010507070707" pitchFamily="18" charset="2"/>
-              <a:buChar char=""/>
-              <a:defRPr sz="900" kern="1200">
-                <a:solidFill>
-                  <a:schemeClr val="tx2"/>
-                </a:solidFill>
-                <a:latin typeface="+mn-lt"/>
-                <a:ea typeface="+mn-ea"/>
-                <a:cs typeface="+mn-cs"/>
-              </a:defRPr>
-            </a:lvl4pPr>
-            <a:lvl5pPr marL="1201500" indent="-175500" algn="l" defTabSz="342900" rtl="0" eaLnBrk="1" latinLnBrk="0" hangingPunct="1">
-              <a:spcBef>
-                <a:spcPct val="20000"/>
-              </a:spcBef>
-              <a:spcAft>
-                <a:spcPts val="450"/>
-              </a:spcAft>
-              <a:buClr>
-                <a:schemeClr val="accent2"/>
-              </a:buClr>
-              <a:buSzPct val="92000"/>
-              <a:buFont typeface="Wingdings 2" panose="05020102010507070707" pitchFamily="18" charset="2"/>
-              <a:buChar char=""/>
-              <a:defRPr sz="900" kern="1200">
-                <a:solidFill>
-                  <a:schemeClr val="tx2"/>
-                </a:solidFill>
-                <a:latin typeface="+mn-lt"/>
-                <a:ea typeface="+mn-ea"/>
-                <a:cs typeface="+mn-cs"/>
-              </a:defRPr>
-            </a:lvl5pPr>
-            <a:lvl6pPr marL="1425000" indent="-171450" algn="l" defTabSz="342900" rtl="0" eaLnBrk="1" latinLnBrk="0" hangingPunct="1">
-              <a:spcBef>
-                <a:spcPct val="20000"/>
-              </a:spcBef>
-              <a:spcAft>
-                <a:spcPts val="450"/>
-              </a:spcAft>
-              <a:buClr>
-                <a:schemeClr val="accent2"/>
-              </a:buClr>
-              <a:buSzPct val="92000"/>
-              <a:buFont typeface="Wingdings 2" panose="05020102010507070707" pitchFamily="18" charset="2"/>
-              <a:buChar char=""/>
-              <a:defRPr sz="900" kern="1200">
-                <a:solidFill>
-                  <a:schemeClr val="tx2"/>
-                </a:solidFill>
-                <a:latin typeface="+mn-lt"/>
-                <a:ea typeface="+mn-ea"/>
-                <a:cs typeface="+mn-cs"/>
-              </a:defRPr>
-            </a:lvl6pPr>
-            <a:lvl7pPr marL="1650000" indent="-171450" algn="l" defTabSz="342900" rtl="0" eaLnBrk="1" latinLnBrk="0" hangingPunct="1">
-              <a:spcBef>
-                <a:spcPct val="20000"/>
-              </a:spcBef>
-              <a:spcAft>
-                <a:spcPts val="450"/>
-              </a:spcAft>
-              <a:buClr>
-                <a:schemeClr val="accent2"/>
-              </a:buClr>
-              <a:buSzPct val="92000"/>
-              <a:buFont typeface="Wingdings 2" panose="05020102010507070707" pitchFamily="18" charset="2"/>
-              <a:buChar char=""/>
-              <a:defRPr sz="900" kern="1200">
-                <a:solidFill>
-                  <a:schemeClr val="tx2"/>
-                </a:solidFill>
-                <a:latin typeface="+mn-lt"/>
-                <a:ea typeface="+mn-ea"/>
-                <a:cs typeface="+mn-cs"/>
-              </a:defRPr>
-            </a:lvl7pPr>
-            <a:lvl8pPr marL="1875000" indent="-171450" algn="l" defTabSz="342900" rtl="0" eaLnBrk="1" latinLnBrk="0" hangingPunct="1">
-              <a:spcBef>
-                <a:spcPct val="20000"/>
-              </a:spcBef>
-              <a:spcAft>
-                <a:spcPts val="450"/>
-              </a:spcAft>
-              <a:buClr>
-                <a:schemeClr val="accent2"/>
-              </a:buClr>
-              <a:buSzPct val="92000"/>
-              <a:buFont typeface="Wingdings 2" panose="05020102010507070707" pitchFamily="18" charset="2"/>
-              <a:buChar char=""/>
-              <a:defRPr sz="900" kern="1200">
-                <a:solidFill>
-                  <a:schemeClr val="tx2"/>
-                </a:solidFill>
-                <a:latin typeface="+mn-lt"/>
-                <a:ea typeface="+mn-ea"/>
-                <a:cs typeface="+mn-cs"/>
-              </a:defRPr>
-            </a:lvl8pPr>
-            <a:lvl9pPr marL="2100000" indent="-171450" algn="l" defTabSz="342900" rtl="0" eaLnBrk="1" latinLnBrk="0" hangingPunct="1">
-              <a:spcBef>
-                <a:spcPct val="20000"/>
-              </a:spcBef>
-              <a:spcAft>
-                <a:spcPts val="450"/>
-              </a:spcAft>
-              <a:buClr>
-                <a:schemeClr val="accent2"/>
-              </a:buClr>
-              <a:buSzPct val="92000"/>
-              <a:buFont typeface="Wingdings 2" panose="05020102010507070707" pitchFamily="18" charset="2"/>
-              <a:buChar char=""/>
-              <a:defRPr sz="900" kern="1200">
-                <a:solidFill>
-                  <a:schemeClr val="tx2"/>
-                </a:solidFill>
-                <a:latin typeface="+mn-lt"/>
-                <a:ea typeface="+mn-ea"/>
-                <a:cs typeface="+mn-cs"/>
-              </a:defRPr>
-            </a:lvl9pPr>
-          </a:lstStyle>
-          <a:p>
-            <a:pPr marL="342900" lvl="1" indent="-342900">
-              <a:lnSpc>
-                <a:spcPct val="150000"/>
-              </a:lnSpc>
-              <a:spcAft>
-                <a:spcPts val="600"/>
-              </a:spcAft>
-              <a:buClr>
-                <a:schemeClr val="accent1">
-                  <a:lumMod val="75000"/>
-                </a:schemeClr>
-              </a:buClr>
-              <a:buSzPct val="100000"/>
-              <a:buFont typeface="Wingdings" panose="05000000000000000000" pitchFamily="2" charset="2"/>
-              <a:buChar char="§"/>
-              <a:defRPr/>
-            </a:pPr>
-            <a:r>
-              <a:rPr lang="fr-FR" sz="2000" dirty="0" smtClean="0"/>
-              <a:t>Se familiariser avec les concepts généraux du HPC</a:t>
-            </a:r>
-          </a:p>
-          <a:p>
-            <a:pPr marL="342900" lvl="1" indent="-342900">
-              <a:lnSpc>
-                <a:spcPct val="150000"/>
-              </a:lnSpc>
-              <a:spcAft>
-                <a:spcPts val="600"/>
-              </a:spcAft>
-              <a:buClr>
-                <a:schemeClr val="accent1">
-                  <a:lumMod val="75000"/>
-                </a:schemeClr>
-              </a:buClr>
-              <a:buSzPct val="100000"/>
-              <a:buFont typeface="Wingdings" panose="05000000000000000000" pitchFamily="2" charset="2"/>
-              <a:buChar char="§"/>
-              <a:defRPr/>
-            </a:pPr>
-            <a:r>
-              <a:rPr lang="fr-FR" sz="2000" dirty="0" smtClean="0"/>
-              <a:t>Paralléliser / </a:t>
-            </a:r>
-            <a:r>
-              <a:rPr lang="fr-FR" sz="2000" dirty="0" err="1" smtClean="0"/>
-              <a:t>vectoriser</a:t>
-            </a:r>
-            <a:r>
-              <a:rPr lang="fr-FR" sz="2000" dirty="0" smtClean="0"/>
-              <a:t> un code</a:t>
-            </a:r>
-          </a:p>
-          <a:p>
-            <a:pPr marL="342900" lvl="1" indent="-342900">
-              <a:lnSpc>
-                <a:spcPct val="150000"/>
-              </a:lnSpc>
-              <a:spcAft>
-                <a:spcPts val="600"/>
-              </a:spcAft>
-              <a:buClr>
-                <a:schemeClr val="accent1">
-                  <a:lumMod val="75000"/>
-                </a:schemeClr>
-              </a:buClr>
-              <a:buSzPct val="100000"/>
-              <a:buFont typeface="Wingdings" panose="05000000000000000000" pitchFamily="2" charset="2"/>
-              <a:buChar char="§"/>
-              <a:defRPr/>
-            </a:pPr>
-            <a:r>
-              <a:rPr lang="fr-FR" sz="2000" dirty="0" smtClean="0"/>
-              <a:t>(Bien) </a:t>
-            </a:r>
-            <a:r>
-              <a:rPr lang="fr-FR" sz="2000" dirty="0"/>
-              <a:t>p</a:t>
-            </a:r>
-            <a:r>
-              <a:rPr lang="fr-FR" sz="2000" dirty="0" smtClean="0"/>
-              <a:t>rogrammer en CUDA</a:t>
-            </a:r>
-          </a:p>
-          <a:p>
-            <a:pPr marL="342900" lvl="1" indent="-342900">
-              <a:lnSpc>
-                <a:spcPct val="150000"/>
-              </a:lnSpc>
-              <a:spcAft>
-                <a:spcPts val="600"/>
-              </a:spcAft>
-              <a:buClr>
-                <a:schemeClr val="accent1">
-                  <a:lumMod val="75000"/>
-                </a:schemeClr>
-              </a:buClr>
-              <a:buSzPct val="100000"/>
-              <a:buFont typeface="Wingdings" panose="05000000000000000000" pitchFamily="2" charset="2"/>
-              <a:buChar char="§"/>
-              <a:defRPr/>
-            </a:pPr>
-            <a:r>
-              <a:rPr lang="fr-FR" sz="2000" dirty="0" smtClean="0"/>
-              <a:t>Répondre à vos questions</a:t>
-            </a:r>
-          </a:p>
-          <a:p>
-            <a:pPr marL="342900" lvl="1" indent="-342900">
-              <a:lnSpc>
-                <a:spcPct val="150000"/>
-              </a:lnSpc>
-              <a:spcAft>
-                <a:spcPts val="600"/>
-              </a:spcAft>
-              <a:buClr>
-                <a:schemeClr val="accent1">
-                  <a:lumMod val="75000"/>
-                </a:schemeClr>
-              </a:buClr>
-              <a:buSzPct val="100000"/>
-              <a:buFont typeface="Wingdings" panose="05000000000000000000" pitchFamily="2" charset="2"/>
-              <a:buChar char="§"/>
-              <a:defRPr/>
-            </a:pPr>
-            <a:endParaRPr lang="fr-FR" sz="2000" dirty="0"/>
-          </a:p>
-        </p:txBody>
-      </p:sp>
-      <p:pic>
-        <p:nvPicPr>
-          <p:cNvPr id="3" name="Image 2"/>
-          <p:cNvPicPr>
-            <a:picLocks noChangeAspect="1"/>
-          </p:cNvPicPr>
-          <p:nvPr/>
-        </p:nvPicPr>
-        <p:blipFill>
-          <a:blip r:embed="rId2">
-            <a:extLst>
-              <a:ext uri="{28A0092B-C50C-407E-A947-70E740481C1C}">
-                <a14:useLocalDpi xmlns:a14="http://schemas.microsoft.com/office/drawing/2010/main" val="0"/>
-              </a:ext>
-            </a:extLst>
-          </a:blip>
-          <a:stretch>
-            <a:fillRect/>
-          </a:stretch>
-        </p:blipFill>
-        <p:spPr>
-          <a:xfrm>
-            <a:off x="5691843" y="2310962"/>
-            <a:ext cx="2447925" cy="2438400"/>
-          </a:xfrm>
-          <a:prstGeom prst="rect">
-            <a:avLst/>
-          </a:prstGeom>
-        </p:spPr>
-      </p:pic>
-      <p:sp>
-        <p:nvSpPr>
-          <p:cNvPr id="4" name="Espace réservé du numéro de diapositive 3"/>
-          <p:cNvSpPr>
-            <a:spLocks noGrp="1"/>
-          </p:cNvSpPr>
-          <p:nvPr>
-            <p:ph type="sldNum" sz="quarter" idx="12"/>
-          </p:nvPr>
-        </p:nvSpPr>
-        <p:spPr/>
-        <p:txBody>
-          <a:bodyPr/>
-          <a:lstStyle/>
-          <a:p>
-            <a:pPr rtl="0"/>
-            <a:fld id="{D57F1E4F-1CFF-5643-939E-217C01CDF565}" type="slidenum">
-              <a:rPr lang="fr-FR" noProof="0" smtClean="0"/>
-              <a:pPr rtl="0"/>
-              <a:t>4</a:t>
-            </a:fld>
-            <a:endParaRPr lang="fr-FR" noProof="0"/>
-          </a:p>
-        </p:txBody>
-      </p:sp>
-    </p:spTree>
-    <p:extLst>
-      <p:ext uri="{BB962C8B-B14F-4D97-AF65-F5344CB8AC3E}">
-        <p14:creationId xmlns:p14="http://schemas.microsoft.com/office/powerpoint/2010/main" val="151859928"/>
-      </p:ext>
-    </p:extLst>
-  </p:cSld>
-  <p:clrMapOvr>
-    <a:masterClrMapping/>
-  </p:clrMapOvr>
-  <p:timing>
-    <p:tnLst>
-      <p:par>
-        <p:cTn id="1" dur="indefinite" restart="never" nodeType="tmRoot"/>
-      </p:par>
-    </p:tnLst>
-  </p:timing>
-</p:sld>
-</file>
-
-<file path=ppt/slides/slide5.xml><?xml version="1.0" encoding="utf-8"?>
-<p:sld xmlns:a="http://schemas.openxmlformats.org/drawingml/2006/main" xmlns:r="http://schemas.openxmlformats.org/officeDocument/2006/relationships" xmlns:p="http://schemas.openxmlformats.org/presentationml/2006/main">
-  <p:cSld>
-    <p:spTree>
-      <p:nvGrpSpPr>
-        <p:cNvPr id="1" name=""/>
-        <p:cNvGrpSpPr/>
-        <p:nvPr/>
-      </p:nvGrpSpPr>
-      <p:grpSpPr>
-        <a:xfrm>
-          <a:off x="0" y="0"/>
-          <a:ext cx="0" cy="0"/>
-          <a:chOff x="0" y="0"/>
-          <a:chExt cx="0" cy="0"/>
-        </a:xfrm>
-      </p:grpSpPr>
-      <p:sp>
-        <p:nvSpPr>
-          <p:cNvPr id="2" name="Title 1">
-            <a:extLst>
-              <a:ext uri="{FF2B5EF4-FFF2-40B4-BE49-F238E27FC236}">
-                <a16:creationId xmlns:a16="http://schemas.microsoft.com/office/drawing/2014/main" id="{552F2E6E-CD03-4600-A8A8-DC17406DD8D1}"/>
-              </a:ext>
-            </a:extLst>
-          </p:cNvPr>
-          <p:cNvSpPr>
-            <a:spLocks noGrp="1"/>
-          </p:cNvSpPr>
-          <p:nvPr>
-            <p:ph type="title"/>
-          </p:nvPr>
-        </p:nvSpPr>
-        <p:spPr/>
-        <p:txBody>
-          <a:bodyPr/>
-          <a:lstStyle/>
-          <a:p>
-            <a:r>
-              <a:rPr lang="en-US" dirty="0" err="1" smtClean="0"/>
-              <a:t>Programme</a:t>
-            </a:r>
-            <a:r>
-              <a:rPr lang="en-US" dirty="0"/>
-              <a:t> </a:t>
-            </a:r>
-            <a:r>
-              <a:rPr lang="en-US" dirty="0" smtClean="0"/>
-              <a:t>des </a:t>
-            </a:r>
-            <a:r>
-              <a:rPr lang="en-US" dirty="0" err="1" smtClean="0"/>
-              <a:t>deux</a:t>
-            </a:r>
-            <a:r>
-              <a:rPr lang="en-US" dirty="0" smtClean="0"/>
-              <a:t> </a:t>
-            </a:r>
-            <a:r>
-              <a:rPr lang="en-US" dirty="0" err="1" smtClean="0"/>
-              <a:t>jours</a:t>
-            </a:r>
-            <a:endParaRPr lang="en-US" dirty="0"/>
-          </a:p>
-        </p:txBody>
-      </p:sp>
-      <p:graphicFrame>
-        <p:nvGraphicFramePr>
-          <p:cNvPr id="4" name="Espace réservé au contenu 3" descr="Graphique SmartArt icône">
-            <a:extLst>
-              <a:ext uri="{FF2B5EF4-FFF2-40B4-BE49-F238E27FC236}">
-                <a16:creationId xmlns:a16="http://schemas.microsoft.com/office/drawing/2014/main" id="{81E592E1-99DF-4294-A2E9-EF46299BD3F4}"/>
-              </a:ext>
-            </a:extLst>
-          </p:cNvPr>
-          <p:cNvGraphicFramePr>
-            <a:graphicFrameLocks noGrp="1"/>
-          </p:cNvGraphicFramePr>
-          <p:nvPr>
-            <p:ph idx="1"/>
-            <p:extLst>
-              <p:ext uri="{D42A27DB-BD31-4B8C-83A1-F6EECF244321}">
-                <p14:modId xmlns:p14="http://schemas.microsoft.com/office/powerpoint/2010/main" val="2558377741"/>
-              </p:ext>
-            </p:extLst>
-          </p:nvPr>
-        </p:nvGraphicFramePr>
-        <p:xfrm>
-          <a:off x="435643" y="2350294"/>
-          <a:ext cx="8272463" cy="2758679"/>
-        </p:xfrm>
-        <a:graphic>
-          <a:graphicData uri="http://schemas.openxmlformats.org/drawingml/2006/diagram">
-            <dgm:relIds xmlns:dgm="http://schemas.openxmlformats.org/drawingml/2006/diagram" xmlns:r="http://schemas.openxmlformats.org/officeDocument/2006/relationships" r:dm="rId2" r:lo="rId3" r:qs="rId4" r:cs="rId5"/>
-          </a:graphicData>
-        </a:graphic>
-      </p:graphicFrame>
-      <p:sp>
-        <p:nvSpPr>
-          <p:cNvPr id="3" name="Espace réservé du numéro de diapositive 2"/>
-          <p:cNvSpPr>
-            <a:spLocks noGrp="1"/>
-          </p:cNvSpPr>
-          <p:nvPr>
-            <p:ph type="sldNum" sz="quarter" idx="12"/>
-          </p:nvPr>
-        </p:nvSpPr>
-        <p:spPr/>
-        <p:txBody>
-          <a:bodyPr/>
-          <a:lstStyle/>
-          <a:p>
-            <a:pPr rtl="0"/>
-            <a:fld id="{D57F1E4F-1CFF-5643-939E-217C01CDF565}" type="slidenum">
-              <a:rPr lang="fr-FR" noProof="0" smtClean="0"/>
-              <a:pPr rtl="0"/>
-              <a:t>5</a:t>
-            </a:fld>
-            <a:endParaRPr lang="fr-FR" noProof="0"/>
-          </a:p>
-        </p:txBody>
-      </p:sp>
-    </p:spTree>
-    <p:extLst>
-      <p:ext uri="{BB962C8B-B14F-4D97-AF65-F5344CB8AC3E}">
-        <p14:creationId xmlns:p14="http://schemas.microsoft.com/office/powerpoint/2010/main" val="2539175492"/>
-      </p:ext>
-    </p:extLst>
-  </p:cSld>
-  <p:clrMapOvr>
-    <a:masterClrMapping/>
-  </p:clrMapOvr>
-  <p:timing>
-    <p:tnLst>
-      <p:par>
-        <p:cTn id="1" dur="indefinite" restart="never" nodeType="tmRoot"/>
-      </p:par>
-    </p:tnLst>
-  </p:timing>
-</p:sld>
-</file>
-
-<file path=ppt/slides/slide6.xml><?xml version="1.0" encoding="utf-8"?>
-<p:sld xmlns:a="http://schemas.openxmlformats.org/drawingml/2006/main" xmlns:r="http://schemas.openxmlformats.org/officeDocument/2006/relationships" xmlns:p="http://schemas.openxmlformats.org/presentationml/2006/main">
-  <p:cSld>
-    <p:spTree>
-      <p:nvGrpSpPr>
-        <p:cNvPr id="1" name=""/>
-        <p:cNvGrpSpPr/>
-        <p:nvPr/>
-      </p:nvGrpSpPr>
-      <p:grpSpPr>
-        <a:xfrm>
-          <a:off x="0" y="0"/>
-          <a:ext cx="0" cy="0"/>
-          <a:chOff x="0" y="0"/>
-          <a:chExt cx="0" cy="0"/>
-        </a:xfrm>
-      </p:grpSpPr>
-      <p:sp>
-        <p:nvSpPr>
-          <p:cNvPr id="2" name="Title 1">
-            <a:extLst>
-              <a:ext uri="{FF2B5EF4-FFF2-40B4-BE49-F238E27FC236}">
-                <a16:creationId xmlns:a16="http://schemas.microsoft.com/office/drawing/2014/main" id="{552F2E6E-CD03-4600-A8A8-DC17406DD8D1}"/>
-              </a:ext>
-            </a:extLst>
-          </p:cNvPr>
-          <p:cNvSpPr>
-            <a:spLocks noGrp="1"/>
-          </p:cNvSpPr>
-          <p:nvPr>
-            <p:ph type="title"/>
-          </p:nvPr>
-        </p:nvSpPr>
-        <p:spPr/>
-        <p:txBody>
-          <a:bodyPr/>
-          <a:lstStyle/>
-          <a:p>
-            <a:r>
-              <a:rPr lang="en-US" dirty="0" smtClean="0"/>
-              <a:t>Agenda </a:t>
-            </a:r>
-            <a:r>
-              <a:rPr lang="en-US" dirty="0" err="1" smtClean="0"/>
-              <a:t>journée</a:t>
-            </a:r>
-            <a:r>
-              <a:rPr lang="en-US" dirty="0" smtClean="0"/>
-              <a:t> 1</a:t>
-            </a:r>
-            <a:endParaRPr lang="en-US" dirty="0"/>
-          </a:p>
-        </p:txBody>
-      </p:sp>
-      <p:sp>
-        <p:nvSpPr>
-          <p:cNvPr id="5" name="Espace réservé du texte 4"/>
-          <p:cNvSpPr txBox="1">
-            <a:spLocks/>
-          </p:cNvSpPr>
-          <p:nvPr/>
-        </p:nvSpPr>
-        <p:spPr>
-          <a:xfrm>
-            <a:off x="1298791" y="1971131"/>
-            <a:ext cx="3721846" cy="2895159"/>
-          </a:xfrm>
-          <a:prstGeom prst="rect">
-            <a:avLst/>
-          </a:prstGeom>
-        </p:spPr>
-        <p:txBody>
-          <a:bodyPr>
-            <a:normAutofit fontScale="92500" lnSpcReduction="20000"/>
-          </a:bodyPr>
-          <a:lstStyle>
-            <a:lvl1pPr marL="229500" indent="-229500" algn="l" defTabSz="342900" rtl="0" eaLnBrk="1" latinLnBrk="0" hangingPunct="1">
-              <a:spcBef>
-                <a:spcPct val="20000"/>
-              </a:spcBef>
-              <a:spcAft>
-                <a:spcPts val="450"/>
-              </a:spcAft>
-              <a:buClr>
-                <a:schemeClr val="accent2"/>
-              </a:buClr>
-              <a:buSzPct val="92000"/>
-              <a:buFont typeface="Wingdings 2" panose="05020102010507070707" pitchFamily="18" charset="2"/>
-              <a:buChar char=""/>
-              <a:defRPr sz="1350" kern="1200">
-                <a:solidFill>
-                  <a:schemeClr val="tx2"/>
-                </a:solidFill>
-                <a:latin typeface="+mn-lt"/>
-                <a:ea typeface="+mn-ea"/>
-                <a:cs typeface="+mn-cs"/>
-              </a:defRPr>
-            </a:lvl1pPr>
-            <a:lvl2pPr marL="472500" indent="-229500" algn="l" defTabSz="342900" rtl="0" eaLnBrk="1" latinLnBrk="0" hangingPunct="1">
-              <a:spcBef>
-                <a:spcPct val="20000"/>
-              </a:spcBef>
-              <a:spcAft>
-                <a:spcPts val="450"/>
-              </a:spcAft>
-              <a:buClr>
-                <a:schemeClr val="accent2"/>
-              </a:buClr>
-              <a:buSzPct val="92000"/>
-              <a:buFont typeface="Wingdings 2" panose="05020102010507070707" pitchFamily="18" charset="2"/>
-              <a:buChar char=""/>
-              <a:defRPr sz="1200" kern="1200">
-                <a:solidFill>
-                  <a:schemeClr val="tx2"/>
-                </a:solidFill>
-                <a:latin typeface="+mn-lt"/>
-                <a:ea typeface="+mn-ea"/>
-                <a:cs typeface="+mn-cs"/>
-              </a:defRPr>
-            </a:lvl2pPr>
-            <a:lvl3pPr marL="675000" indent="-202500" algn="l" defTabSz="342900" rtl="0" eaLnBrk="1" latinLnBrk="0" hangingPunct="1">
-              <a:spcBef>
-                <a:spcPct val="20000"/>
-              </a:spcBef>
-              <a:spcAft>
-                <a:spcPts val="450"/>
-              </a:spcAft>
-              <a:buClr>
-                <a:schemeClr val="accent2"/>
-              </a:buClr>
-              <a:buSzPct val="92000"/>
-              <a:buFont typeface="Wingdings 2" panose="05020102010507070707" pitchFamily="18" charset="2"/>
-              <a:buChar char=""/>
-              <a:defRPr sz="1050" kern="1200">
-                <a:solidFill>
-                  <a:schemeClr val="tx2"/>
-                </a:solidFill>
-                <a:latin typeface="+mn-lt"/>
-                <a:ea typeface="+mn-ea"/>
-                <a:cs typeface="+mn-cs"/>
-              </a:defRPr>
-            </a:lvl3pPr>
-            <a:lvl4pPr marL="931500" indent="-175500" algn="l" defTabSz="342900" rtl="0" eaLnBrk="1" latinLnBrk="0" hangingPunct="1">
-              <a:spcBef>
-                <a:spcPct val="20000"/>
-              </a:spcBef>
-              <a:spcAft>
-                <a:spcPts val="450"/>
-              </a:spcAft>
-              <a:buClr>
-                <a:schemeClr val="accent2"/>
-              </a:buClr>
-              <a:buSzPct val="92000"/>
-              <a:buFont typeface="Wingdings 2" panose="05020102010507070707" pitchFamily="18" charset="2"/>
-              <a:buChar char=""/>
-              <a:defRPr sz="900" kern="1200">
-                <a:solidFill>
-                  <a:schemeClr val="tx2"/>
-                </a:solidFill>
-                <a:latin typeface="+mn-lt"/>
-                <a:ea typeface="+mn-ea"/>
-                <a:cs typeface="+mn-cs"/>
-              </a:defRPr>
-            </a:lvl4pPr>
-            <a:lvl5pPr marL="1201500" indent="-175500" algn="l" defTabSz="342900" rtl="0" eaLnBrk="1" latinLnBrk="0" hangingPunct="1">
-              <a:spcBef>
-                <a:spcPct val="20000"/>
-              </a:spcBef>
-              <a:spcAft>
-                <a:spcPts val="450"/>
-              </a:spcAft>
-              <a:buClr>
-                <a:schemeClr val="accent2"/>
-              </a:buClr>
-              <a:buSzPct val="92000"/>
-              <a:buFont typeface="Wingdings 2" panose="05020102010507070707" pitchFamily="18" charset="2"/>
-              <a:buChar char=""/>
-              <a:defRPr sz="900" kern="1200">
-                <a:solidFill>
-                  <a:schemeClr val="tx2"/>
-                </a:solidFill>
-                <a:latin typeface="+mn-lt"/>
-                <a:ea typeface="+mn-ea"/>
-                <a:cs typeface="+mn-cs"/>
-              </a:defRPr>
-            </a:lvl5pPr>
-            <a:lvl6pPr marL="1425000" indent="-171450" algn="l" defTabSz="342900" rtl="0" eaLnBrk="1" latinLnBrk="0" hangingPunct="1">
-              <a:spcBef>
-                <a:spcPct val="20000"/>
-              </a:spcBef>
-              <a:spcAft>
-                <a:spcPts val="450"/>
-              </a:spcAft>
-              <a:buClr>
-                <a:schemeClr val="accent2"/>
-              </a:buClr>
-              <a:buSzPct val="92000"/>
-              <a:buFont typeface="Wingdings 2" panose="05020102010507070707" pitchFamily="18" charset="2"/>
-              <a:buChar char=""/>
-              <a:defRPr sz="900" kern="1200">
-                <a:solidFill>
-                  <a:schemeClr val="tx2"/>
-                </a:solidFill>
-                <a:latin typeface="+mn-lt"/>
-                <a:ea typeface="+mn-ea"/>
-                <a:cs typeface="+mn-cs"/>
-              </a:defRPr>
-            </a:lvl6pPr>
-            <a:lvl7pPr marL="1650000" indent="-171450" algn="l" defTabSz="342900" rtl="0" eaLnBrk="1" latinLnBrk="0" hangingPunct="1">
-              <a:spcBef>
-                <a:spcPct val="20000"/>
-              </a:spcBef>
-              <a:spcAft>
-                <a:spcPts val="450"/>
-              </a:spcAft>
-              <a:buClr>
-                <a:schemeClr val="accent2"/>
-              </a:buClr>
-              <a:buSzPct val="92000"/>
-              <a:buFont typeface="Wingdings 2" panose="05020102010507070707" pitchFamily="18" charset="2"/>
-              <a:buChar char=""/>
-              <a:defRPr sz="900" kern="1200">
-                <a:solidFill>
-                  <a:schemeClr val="tx2"/>
-                </a:solidFill>
-                <a:latin typeface="+mn-lt"/>
-                <a:ea typeface="+mn-ea"/>
-                <a:cs typeface="+mn-cs"/>
-              </a:defRPr>
-            </a:lvl7pPr>
-            <a:lvl8pPr marL="1875000" indent="-171450" algn="l" defTabSz="342900" rtl="0" eaLnBrk="1" latinLnBrk="0" hangingPunct="1">
-              <a:spcBef>
-                <a:spcPct val="20000"/>
-              </a:spcBef>
-              <a:spcAft>
-                <a:spcPts val="450"/>
-              </a:spcAft>
-              <a:buClr>
-                <a:schemeClr val="accent2"/>
-              </a:buClr>
-              <a:buSzPct val="92000"/>
-              <a:buFont typeface="Wingdings 2" panose="05020102010507070707" pitchFamily="18" charset="2"/>
-              <a:buChar char=""/>
-              <a:defRPr sz="900" kern="1200">
-                <a:solidFill>
-                  <a:schemeClr val="tx2"/>
-                </a:solidFill>
-                <a:latin typeface="+mn-lt"/>
-                <a:ea typeface="+mn-ea"/>
-                <a:cs typeface="+mn-cs"/>
-              </a:defRPr>
-            </a:lvl8pPr>
-            <a:lvl9pPr marL="2100000" indent="-171450" algn="l" defTabSz="342900" rtl="0" eaLnBrk="1" latinLnBrk="0" hangingPunct="1">
-              <a:spcBef>
-                <a:spcPct val="20000"/>
-              </a:spcBef>
-              <a:spcAft>
-                <a:spcPts val="450"/>
-              </a:spcAft>
-              <a:buClr>
-                <a:schemeClr val="accent2"/>
-              </a:buClr>
-              <a:buSzPct val="92000"/>
-              <a:buFont typeface="Wingdings 2" panose="05020102010507070707" pitchFamily="18" charset="2"/>
-              <a:buChar char=""/>
-              <a:defRPr sz="900" kern="1200">
-                <a:solidFill>
-                  <a:schemeClr val="tx2"/>
-                </a:solidFill>
-                <a:latin typeface="+mn-lt"/>
-                <a:ea typeface="+mn-ea"/>
-                <a:cs typeface="+mn-cs"/>
-              </a:defRPr>
-            </a:lvl9pPr>
-          </a:lstStyle>
-          <a:p>
-            <a:pPr marL="342900" lvl="1" indent="-342900">
-              <a:lnSpc>
-                <a:spcPct val="150000"/>
-              </a:lnSpc>
-              <a:spcAft>
-                <a:spcPts val="600"/>
-              </a:spcAft>
-              <a:buClr>
-                <a:schemeClr val="accent1">
-                  <a:lumMod val="75000"/>
-                </a:schemeClr>
-              </a:buClr>
-              <a:buSzPct val="100000"/>
-              <a:buFont typeface="Wingdings" panose="05000000000000000000" pitchFamily="2" charset="2"/>
-              <a:buChar char="§"/>
-              <a:defRPr/>
-            </a:pPr>
-            <a:r>
-              <a:rPr lang="fr-FR" sz="2000" dirty="0" smtClean="0"/>
-              <a:t>9H :  Vectorisation</a:t>
-            </a:r>
-            <a:br>
-              <a:rPr lang="fr-FR" sz="2000" dirty="0" smtClean="0"/>
-            </a:br>
-            <a:r>
-              <a:rPr lang="fr-FR" sz="2000" dirty="0" smtClean="0"/>
-              <a:t>	pause</a:t>
-            </a:r>
-          </a:p>
-          <a:p>
-            <a:pPr marL="342900" lvl="1" indent="-342900">
-              <a:lnSpc>
-                <a:spcPct val="150000"/>
-              </a:lnSpc>
-              <a:spcAft>
-                <a:spcPts val="600"/>
-              </a:spcAft>
-              <a:buClr>
-                <a:schemeClr val="accent1">
-                  <a:lumMod val="75000"/>
-                </a:schemeClr>
-              </a:buClr>
-              <a:buSzPct val="100000"/>
-              <a:buFont typeface="Wingdings" panose="05000000000000000000" pitchFamily="2" charset="2"/>
-              <a:buChar char="§"/>
-              <a:defRPr/>
-            </a:pPr>
-            <a:r>
-              <a:rPr lang="fr-FR" sz="2000" dirty="0" smtClean="0"/>
-              <a:t>12H : Repas</a:t>
-            </a:r>
-          </a:p>
-          <a:p>
-            <a:pPr marL="342900" lvl="1" indent="-342900">
-              <a:lnSpc>
-                <a:spcPct val="150000"/>
-              </a:lnSpc>
-              <a:spcAft>
-                <a:spcPts val="600"/>
-              </a:spcAft>
-              <a:buClr>
-                <a:schemeClr val="accent1">
-                  <a:lumMod val="75000"/>
-                </a:schemeClr>
-              </a:buClr>
-              <a:buSzPct val="100000"/>
-              <a:buFont typeface="Wingdings" panose="05000000000000000000" pitchFamily="2" charset="2"/>
-              <a:buChar char="§"/>
-              <a:defRPr/>
-            </a:pPr>
-            <a:r>
-              <a:rPr lang="fr-FR" sz="2000" dirty="0" smtClean="0"/>
-              <a:t>13H30 : </a:t>
-            </a:r>
-            <a:r>
-              <a:rPr lang="fr-FR" sz="2000" dirty="0" err="1" smtClean="0"/>
-              <a:t>OpenMP</a:t>
-            </a:r>
-            <a:r>
-              <a:rPr lang="fr-FR" sz="2000" dirty="0" smtClean="0"/>
-              <a:t/>
-            </a:r>
-            <a:br>
-              <a:rPr lang="fr-FR" sz="2000" dirty="0" smtClean="0"/>
-            </a:br>
-            <a:r>
-              <a:rPr lang="fr-FR" sz="2000" dirty="0" smtClean="0"/>
-              <a:t>	pause</a:t>
-            </a:r>
-          </a:p>
-          <a:p>
-            <a:pPr marL="342900" lvl="1" indent="-342900">
-              <a:lnSpc>
-                <a:spcPct val="150000"/>
-              </a:lnSpc>
-              <a:spcAft>
-                <a:spcPts val="600"/>
-              </a:spcAft>
-              <a:buClr>
-                <a:schemeClr val="accent1">
-                  <a:lumMod val="75000"/>
-                </a:schemeClr>
-              </a:buClr>
-              <a:buSzPct val="100000"/>
-              <a:buFont typeface="Wingdings" panose="05000000000000000000" pitchFamily="2" charset="2"/>
-              <a:buChar char="§"/>
-              <a:defRPr/>
-            </a:pPr>
-            <a:r>
-              <a:rPr lang="fr-FR" sz="2000" dirty="0" smtClean="0"/>
-              <a:t>17H : Fin de journée</a:t>
-            </a:r>
-          </a:p>
-          <a:p>
-            <a:pPr marL="342900" lvl="1" indent="-342900">
-              <a:lnSpc>
-                <a:spcPct val="150000"/>
-              </a:lnSpc>
-              <a:spcAft>
-                <a:spcPts val="600"/>
-              </a:spcAft>
-              <a:buClr>
-                <a:schemeClr val="accent1">
-                  <a:lumMod val="75000"/>
-                </a:schemeClr>
-              </a:buClr>
-              <a:buSzPct val="100000"/>
-              <a:buFont typeface="Wingdings" panose="05000000000000000000" pitchFamily="2" charset="2"/>
-              <a:buChar char="§"/>
-              <a:defRPr/>
-            </a:pPr>
-            <a:endParaRPr lang="fr-FR" sz="2000" dirty="0" smtClean="0"/>
-          </a:p>
-          <a:p>
-            <a:pPr marL="342900" lvl="1" indent="-342900">
-              <a:lnSpc>
-                <a:spcPct val="150000"/>
-              </a:lnSpc>
-              <a:spcAft>
-                <a:spcPts val="600"/>
-              </a:spcAft>
-              <a:buClr>
-                <a:schemeClr val="accent1">
-                  <a:lumMod val="75000"/>
-                </a:schemeClr>
-              </a:buClr>
-              <a:buSzPct val="100000"/>
-              <a:buFont typeface="Wingdings" panose="05000000000000000000" pitchFamily="2" charset="2"/>
-              <a:buChar char="§"/>
-              <a:defRPr/>
-            </a:pPr>
-            <a:endParaRPr lang="fr-FR" sz="2000" dirty="0"/>
-          </a:p>
-        </p:txBody>
-      </p:sp>
-      <p:pic>
-        <p:nvPicPr>
-          <p:cNvPr id="4" name="Image 3"/>
-          <p:cNvPicPr>
-            <a:picLocks noChangeAspect="1"/>
-          </p:cNvPicPr>
-          <p:nvPr/>
-        </p:nvPicPr>
-        <p:blipFill>
-          <a:blip r:embed="rId2">
-            <a:extLst>
-              <a:ext uri="{28A0092B-C50C-407E-A947-70E740481C1C}">
-                <a14:useLocalDpi xmlns:a14="http://schemas.microsoft.com/office/drawing/2010/main" val="0"/>
-              </a:ext>
-            </a:extLst>
-          </a:blip>
-          <a:stretch>
-            <a:fillRect/>
-          </a:stretch>
-        </p:blipFill>
-        <p:spPr>
-          <a:xfrm>
-            <a:off x="5020637" y="2491829"/>
-            <a:ext cx="2790496" cy="2092872"/>
-          </a:xfrm>
-          <a:prstGeom prst="rect">
-            <a:avLst/>
-          </a:prstGeom>
-        </p:spPr>
-      </p:pic>
-      <p:sp>
-        <p:nvSpPr>
-          <p:cNvPr id="3" name="Espace réservé du numéro de diapositive 2"/>
-          <p:cNvSpPr>
-            <a:spLocks noGrp="1"/>
-          </p:cNvSpPr>
-          <p:nvPr>
-            <p:ph type="sldNum" sz="quarter" idx="12"/>
-          </p:nvPr>
-        </p:nvSpPr>
-        <p:spPr/>
-        <p:txBody>
-          <a:bodyPr/>
-          <a:lstStyle/>
-          <a:p>
-            <a:pPr rtl="0"/>
-            <a:fld id="{D57F1E4F-1CFF-5643-939E-217C01CDF565}" type="slidenum">
-              <a:rPr lang="fr-FR" noProof="0" smtClean="0"/>
-              <a:pPr rtl="0"/>
-              <a:t>6</a:t>
-            </a:fld>
-            <a:endParaRPr lang="fr-FR" noProof="0"/>
-          </a:p>
-        </p:txBody>
-      </p:sp>
-    </p:spTree>
-    <p:extLst>
-      <p:ext uri="{BB962C8B-B14F-4D97-AF65-F5344CB8AC3E}">
-        <p14:creationId xmlns:p14="http://schemas.microsoft.com/office/powerpoint/2010/main" val="199528950"/>
-      </p:ext>
-    </p:extLst>
-  </p:cSld>
-  <p:clrMapOvr>
-    <a:masterClrMapping/>
-  </p:clrMapOvr>
-  <p:timing>
-    <p:tnLst>
-      <p:par>
-        <p:cTn id="1" dur="indefinite" restart="never" nodeType="tmRoot"/>
-      </p:par>
-    </p:tnLst>
-  </p:timing>
-</p:sld>
-</file>
-
-<file path=ppt/slides/slide7.xml><?xml version="1.0" encoding="utf-8"?>
-<p:sld xmlns:a="http://schemas.openxmlformats.org/drawingml/2006/main" xmlns:r="http://schemas.openxmlformats.org/officeDocument/2006/relationships" xmlns:p="http://schemas.openxmlformats.org/presentationml/2006/main">
-  <p:cSld>
-    <p:spTree>
-      <p:nvGrpSpPr>
-        <p:cNvPr id="1" name=""/>
-        <p:cNvGrpSpPr/>
-        <p:nvPr/>
-      </p:nvGrpSpPr>
-      <p:grpSpPr>
-        <a:xfrm>
-          <a:off x="0" y="0"/>
-          <a:ext cx="0" cy="0"/>
-          <a:chOff x="0" y="0"/>
-          <a:chExt cx="0" cy="0"/>
-        </a:xfrm>
-      </p:grpSpPr>
-      <p:sp>
-        <p:nvSpPr>
-          <p:cNvPr id="2" name="Title 1">
-            <a:extLst>
-              <a:ext uri="{FF2B5EF4-FFF2-40B4-BE49-F238E27FC236}">
-                <a16:creationId xmlns:a16="http://schemas.microsoft.com/office/drawing/2014/main" id="{552F2E6E-CD03-4600-A8A8-DC17406DD8D1}"/>
-              </a:ext>
-            </a:extLst>
-          </p:cNvPr>
-          <p:cNvSpPr>
-            <a:spLocks noGrp="1"/>
-          </p:cNvSpPr>
-          <p:nvPr>
-            <p:ph type="title"/>
-          </p:nvPr>
-        </p:nvSpPr>
-        <p:spPr/>
-        <p:txBody>
-          <a:bodyPr/>
-          <a:lstStyle/>
-          <a:p>
-            <a:r>
-              <a:rPr lang="en-US" dirty="0" smtClean="0"/>
-              <a:t>Agenda </a:t>
-            </a:r>
-            <a:r>
-              <a:rPr lang="en-US" dirty="0" err="1" smtClean="0"/>
-              <a:t>journée</a:t>
-            </a:r>
-            <a:r>
-              <a:rPr lang="en-US" dirty="0" smtClean="0"/>
-              <a:t> II</a:t>
-            </a:r>
-            <a:endParaRPr lang="en-US" dirty="0"/>
-          </a:p>
-        </p:txBody>
-      </p:sp>
-      <p:sp>
-        <p:nvSpPr>
-          <p:cNvPr id="5" name="Espace réservé du texte 4"/>
-          <p:cNvSpPr txBox="1">
-            <a:spLocks/>
-          </p:cNvSpPr>
-          <p:nvPr/>
-        </p:nvSpPr>
-        <p:spPr>
-          <a:xfrm>
-            <a:off x="1298791" y="1971131"/>
-            <a:ext cx="3721846" cy="2895159"/>
-          </a:xfrm>
-          <a:prstGeom prst="rect">
-            <a:avLst/>
-          </a:prstGeom>
-        </p:spPr>
-        <p:txBody>
-          <a:bodyPr>
-            <a:normAutofit fontScale="92500" lnSpcReduction="20000"/>
-          </a:bodyPr>
-          <a:lstStyle>
-            <a:lvl1pPr marL="229500" indent="-229500" algn="l" defTabSz="342900" rtl="0" eaLnBrk="1" latinLnBrk="0" hangingPunct="1">
-              <a:spcBef>
-                <a:spcPct val="20000"/>
-              </a:spcBef>
-              <a:spcAft>
-                <a:spcPts val="450"/>
-              </a:spcAft>
-              <a:buClr>
-                <a:schemeClr val="accent2"/>
-              </a:buClr>
-              <a:buSzPct val="92000"/>
-              <a:buFont typeface="Wingdings 2" panose="05020102010507070707" pitchFamily="18" charset="2"/>
-              <a:buChar char=""/>
-              <a:defRPr sz="1350" kern="1200">
-                <a:solidFill>
-                  <a:schemeClr val="tx2"/>
-                </a:solidFill>
-                <a:latin typeface="+mn-lt"/>
-                <a:ea typeface="+mn-ea"/>
-                <a:cs typeface="+mn-cs"/>
-              </a:defRPr>
-            </a:lvl1pPr>
-            <a:lvl2pPr marL="472500" indent="-229500" algn="l" defTabSz="342900" rtl="0" eaLnBrk="1" latinLnBrk="0" hangingPunct="1">
-              <a:spcBef>
-                <a:spcPct val="20000"/>
-              </a:spcBef>
-              <a:spcAft>
-                <a:spcPts val="450"/>
-              </a:spcAft>
-              <a:buClr>
-                <a:schemeClr val="accent2"/>
-              </a:buClr>
-              <a:buSzPct val="92000"/>
-              <a:buFont typeface="Wingdings 2" panose="05020102010507070707" pitchFamily="18" charset="2"/>
-              <a:buChar char=""/>
-              <a:defRPr sz="1200" kern="1200">
-                <a:solidFill>
-                  <a:schemeClr val="tx2"/>
-                </a:solidFill>
-                <a:latin typeface="+mn-lt"/>
-                <a:ea typeface="+mn-ea"/>
-                <a:cs typeface="+mn-cs"/>
-              </a:defRPr>
-            </a:lvl2pPr>
-            <a:lvl3pPr marL="675000" indent="-202500" algn="l" defTabSz="342900" rtl="0" eaLnBrk="1" latinLnBrk="0" hangingPunct="1">
-              <a:spcBef>
-                <a:spcPct val="20000"/>
-              </a:spcBef>
-              <a:spcAft>
-                <a:spcPts val="450"/>
-              </a:spcAft>
-              <a:buClr>
-                <a:schemeClr val="accent2"/>
-              </a:buClr>
-              <a:buSzPct val="92000"/>
-              <a:buFont typeface="Wingdings 2" panose="05020102010507070707" pitchFamily="18" charset="2"/>
-              <a:buChar char=""/>
-              <a:defRPr sz="1050" kern="1200">
-                <a:solidFill>
-                  <a:schemeClr val="tx2"/>
-                </a:solidFill>
-                <a:latin typeface="+mn-lt"/>
-                <a:ea typeface="+mn-ea"/>
-                <a:cs typeface="+mn-cs"/>
-              </a:defRPr>
-            </a:lvl3pPr>
-            <a:lvl4pPr marL="931500" indent="-175500" algn="l" defTabSz="342900" rtl="0" eaLnBrk="1" latinLnBrk="0" hangingPunct="1">
-              <a:spcBef>
-                <a:spcPct val="20000"/>
-              </a:spcBef>
-              <a:spcAft>
-                <a:spcPts val="450"/>
-              </a:spcAft>
-              <a:buClr>
-                <a:schemeClr val="accent2"/>
-              </a:buClr>
-              <a:buSzPct val="92000"/>
-              <a:buFont typeface="Wingdings 2" panose="05020102010507070707" pitchFamily="18" charset="2"/>
-              <a:buChar char=""/>
-              <a:defRPr sz="900" kern="1200">
-                <a:solidFill>
-                  <a:schemeClr val="tx2"/>
-                </a:solidFill>
-                <a:latin typeface="+mn-lt"/>
-                <a:ea typeface="+mn-ea"/>
-                <a:cs typeface="+mn-cs"/>
-              </a:defRPr>
-            </a:lvl4pPr>
-            <a:lvl5pPr marL="1201500" indent="-175500" algn="l" defTabSz="342900" rtl="0" eaLnBrk="1" latinLnBrk="0" hangingPunct="1">
-              <a:spcBef>
-                <a:spcPct val="20000"/>
-              </a:spcBef>
-              <a:spcAft>
-                <a:spcPts val="450"/>
-              </a:spcAft>
-              <a:buClr>
-                <a:schemeClr val="accent2"/>
-              </a:buClr>
-              <a:buSzPct val="92000"/>
-              <a:buFont typeface="Wingdings 2" panose="05020102010507070707" pitchFamily="18" charset="2"/>
-              <a:buChar char=""/>
-              <a:defRPr sz="900" kern="1200">
-                <a:solidFill>
-                  <a:schemeClr val="tx2"/>
-                </a:solidFill>
-                <a:latin typeface="+mn-lt"/>
-                <a:ea typeface="+mn-ea"/>
-                <a:cs typeface="+mn-cs"/>
-              </a:defRPr>
-            </a:lvl5pPr>
-            <a:lvl6pPr marL="1425000" indent="-171450" algn="l" defTabSz="342900" rtl="0" eaLnBrk="1" latinLnBrk="0" hangingPunct="1">
-              <a:spcBef>
-                <a:spcPct val="20000"/>
-              </a:spcBef>
-              <a:spcAft>
-                <a:spcPts val="450"/>
-              </a:spcAft>
-              <a:buClr>
-                <a:schemeClr val="accent2"/>
-              </a:buClr>
-              <a:buSzPct val="92000"/>
-              <a:buFont typeface="Wingdings 2" panose="05020102010507070707" pitchFamily="18" charset="2"/>
-              <a:buChar char=""/>
-              <a:defRPr sz="900" kern="1200">
-                <a:solidFill>
-                  <a:schemeClr val="tx2"/>
-                </a:solidFill>
-                <a:latin typeface="+mn-lt"/>
-                <a:ea typeface="+mn-ea"/>
-                <a:cs typeface="+mn-cs"/>
-              </a:defRPr>
-            </a:lvl6pPr>
-            <a:lvl7pPr marL="1650000" indent="-171450" algn="l" defTabSz="342900" rtl="0" eaLnBrk="1" latinLnBrk="0" hangingPunct="1">
-              <a:spcBef>
-                <a:spcPct val="20000"/>
-              </a:spcBef>
-              <a:spcAft>
-                <a:spcPts val="450"/>
-              </a:spcAft>
-              <a:buClr>
-                <a:schemeClr val="accent2"/>
-              </a:buClr>
-              <a:buSzPct val="92000"/>
-              <a:buFont typeface="Wingdings 2" panose="05020102010507070707" pitchFamily="18" charset="2"/>
-              <a:buChar char=""/>
-              <a:defRPr sz="900" kern="1200">
-                <a:solidFill>
-                  <a:schemeClr val="tx2"/>
-                </a:solidFill>
-                <a:latin typeface="+mn-lt"/>
-                <a:ea typeface="+mn-ea"/>
-                <a:cs typeface="+mn-cs"/>
-              </a:defRPr>
-            </a:lvl7pPr>
-            <a:lvl8pPr marL="1875000" indent="-171450" algn="l" defTabSz="342900" rtl="0" eaLnBrk="1" latinLnBrk="0" hangingPunct="1">
-              <a:spcBef>
-                <a:spcPct val="20000"/>
-              </a:spcBef>
-              <a:spcAft>
-                <a:spcPts val="450"/>
-              </a:spcAft>
-              <a:buClr>
-                <a:schemeClr val="accent2"/>
-              </a:buClr>
-              <a:buSzPct val="92000"/>
-              <a:buFont typeface="Wingdings 2" panose="05020102010507070707" pitchFamily="18" charset="2"/>
-              <a:buChar char=""/>
-              <a:defRPr sz="900" kern="1200">
-                <a:solidFill>
-                  <a:schemeClr val="tx2"/>
-                </a:solidFill>
-                <a:latin typeface="+mn-lt"/>
-                <a:ea typeface="+mn-ea"/>
-                <a:cs typeface="+mn-cs"/>
-              </a:defRPr>
-            </a:lvl8pPr>
-            <a:lvl9pPr marL="2100000" indent="-171450" algn="l" defTabSz="342900" rtl="0" eaLnBrk="1" latinLnBrk="0" hangingPunct="1">
-              <a:spcBef>
-                <a:spcPct val="20000"/>
-              </a:spcBef>
-              <a:spcAft>
-                <a:spcPts val="450"/>
-              </a:spcAft>
-              <a:buClr>
-                <a:schemeClr val="accent2"/>
-              </a:buClr>
-              <a:buSzPct val="92000"/>
-              <a:buFont typeface="Wingdings 2" panose="05020102010507070707" pitchFamily="18" charset="2"/>
-              <a:buChar char=""/>
-              <a:defRPr sz="900" kern="1200">
-                <a:solidFill>
-                  <a:schemeClr val="tx2"/>
-                </a:solidFill>
-                <a:latin typeface="+mn-lt"/>
-                <a:ea typeface="+mn-ea"/>
-                <a:cs typeface="+mn-cs"/>
-              </a:defRPr>
-            </a:lvl9pPr>
-          </a:lstStyle>
-          <a:p>
-            <a:pPr marL="342900" lvl="1" indent="-342900">
-              <a:lnSpc>
-                <a:spcPct val="150000"/>
-              </a:lnSpc>
-              <a:spcAft>
-                <a:spcPts val="600"/>
-              </a:spcAft>
-              <a:buClr>
-                <a:schemeClr val="accent1">
-                  <a:lumMod val="75000"/>
-                </a:schemeClr>
-              </a:buClr>
-              <a:buSzPct val="100000"/>
-              <a:buFont typeface="Wingdings" panose="05000000000000000000" pitchFamily="2" charset="2"/>
-              <a:buChar char="§"/>
-              <a:defRPr/>
-            </a:pPr>
-            <a:r>
-              <a:rPr lang="fr-FR" sz="2000" dirty="0" smtClean="0"/>
-              <a:t>9H :  CUDA</a:t>
-            </a:r>
-            <a:br>
-              <a:rPr lang="fr-FR" sz="2000" dirty="0" smtClean="0"/>
-            </a:br>
-            <a:r>
-              <a:rPr lang="fr-FR" sz="2000" dirty="0" smtClean="0"/>
-              <a:t>	pause</a:t>
-            </a:r>
-          </a:p>
-          <a:p>
-            <a:pPr marL="342900" lvl="1" indent="-342900">
-              <a:lnSpc>
-                <a:spcPct val="150000"/>
-              </a:lnSpc>
-              <a:spcAft>
-                <a:spcPts val="600"/>
-              </a:spcAft>
-              <a:buClr>
-                <a:schemeClr val="accent1">
-                  <a:lumMod val="75000"/>
-                </a:schemeClr>
-              </a:buClr>
-              <a:buSzPct val="100000"/>
-              <a:buFont typeface="Wingdings" panose="05000000000000000000" pitchFamily="2" charset="2"/>
-              <a:buChar char="§"/>
-              <a:defRPr/>
-            </a:pPr>
-            <a:r>
-              <a:rPr lang="fr-FR" sz="2000" dirty="0" smtClean="0"/>
-              <a:t>12H : Repas</a:t>
-            </a:r>
-          </a:p>
-          <a:p>
-            <a:pPr marL="342900" lvl="1" indent="-342900">
-              <a:lnSpc>
-                <a:spcPct val="150000"/>
-              </a:lnSpc>
-              <a:spcAft>
-                <a:spcPts val="600"/>
-              </a:spcAft>
-              <a:buClr>
-                <a:schemeClr val="accent1">
-                  <a:lumMod val="75000"/>
-                </a:schemeClr>
-              </a:buClr>
-              <a:buSzPct val="100000"/>
-              <a:buFont typeface="Wingdings" panose="05000000000000000000" pitchFamily="2" charset="2"/>
-              <a:buChar char="§"/>
-              <a:defRPr/>
-            </a:pPr>
-            <a:r>
-              <a:rPr lang="fr-FR" sz="2000" dirty="0" smtClean="0"/>
-              <a:t>13H30 : CUDA – Suite</a:t>
-            </a:r>
-            <a:br>
-              <a:rPr lang="fr-FR" sz="2000" dirty="0" smtClean="0"/>
-            </a:br>
-            <a:r>
-              <a:rPr lang="fr-FR" sz="2000" dirty="0" smtClean="0"/>
-              <a:t>	pause</a:t>
-            </a:r>
-          </a:p>
-          <a:p>
-            <a:pPr marL="342900" lvl="1" indent="-342900">
-              <a:lnSpc>
-                <a:spcPct val="150000"/>
-              </a:lnSpc>
-              <a:spcAft>
-                <a:spcPts val="600"/>
-              </a:spcAft>
-              <a:buClr>
-                <a:schemeClr val="accent1">
-                  <a:lumMod val="75000"/>
-                </a:schemeClr>
-              </a:buClr>
-              <a:buSzPct val="100000"/>
-              <a:buFont typeface="Wingdings" panose="05000000000000000000" pitchFamily="2" charset="2"/>
-              <a:buChar char="§"/>
-              <a:defRPr/>
-            </a:pPr>
-            <a:r>
-              <a:rPr lang="fr-FR" sz="2000" dirty="0" smtClean="0"/>
-              <a:t>17H : Fin de journée</a:t>
-            </a:r>
-          </a:p>
-          <a:p>
-            <a:pPr marL="342900" lvl="1" indent="-342900">
-              <a:lnSpc>
-                <a:spcPct val="150000"/>
-              </a:lnSpc>
-              <a:spcAft>
-                <a:spcPts val="600"/>
-              </a:spcAft>
-              <a:buClr>
-                <a:schemeClr val="accent1">
-                  <a:lumMod val="75000"/>
-                </a:schemeClr>
-              </a:buClr>
-              <a:buSzPct val="100000"/>
-              <a:buFont typeface="Wingdings" panose="05000000000000000000" pitchFamily="2" charset="2"/>
-              <a:buChar char="§"/>
-              <a:defRPr/>
-            </a:pPr>
-            <a:endParaRPr lang="fr-FR" sz="2000" dirty="0" smtClean="0"/>
-          </a:p>
-          <a:p>
-            <a:pPr marL="342900" lvl="1" indent="-342900">
-              <a:lnSpc>
-                <a:spcPct val="150000"/>
-              </a:lnSpc>
-              <a:spcAft>
-                <a:spcPts val="600"/>
-              </a:spcAft>
-              <a:buClr>
-                <a:schemeClr val="accent1">
-                  <a:lumMod val="75000"/>
-                </a:schemeClr>
-              </a:buClr>
-              <a:buSzPct val="100000"/>
-              <a:buFont typeface="Wingdings" panose="05000000000000000000" pitchFamily="2" charset="2"/>
-              <a:buChar char="§"/>
-              <a:defRPr/>
-            </a:pPr>
-            <a:endParaRPr lang="fr-FR" sz="2000" dirty="0"/>
-          </a:p>
-        </p:txBody>
-      </p:sp>
-      <p:pic>
-        <p:nvPicPr>
-          <p:cNvPr id="4" name="Image 3"/>
-          <p:cNvPicPr>
-            <a:picLocks noChangeAspect="1"/>
-          </p:cNvPicPr>
-          <p:nvPr/>
-        </p:nvPicPr>
-        <p:blipFill>
-          <a:blip r:embed="rId2">
-            <a:extLst>
-              <a:ext uri="{28A0092B-C50C-407E-A947-70E740481C1C}">
-                <a14:useLocalDpi xmlns:a14="http://schemas.microsoft.com/office/drawing/2010/main" val="0"/>
-              </a:ext>
-            </a:extLst>
-          </a:blip>
-          <a:stretch>
-            <a:fillRect/>
-          </a:stretch>
-        </p:blipFill>
-        <p:spPr>
-          <a:xfrm>
-            <a:off x="5020637" y="2491829"/>
-            <a:ext cx="2790496" cy="2092872"/>
-          </a:xfrm>
-          <a:prstGeom prst="rect">
-            <a:avLst/>
-          </a:prstGeom>
-        </p:spPr>
-      </p:pic>
-      <p:sp>
-        <p:nvSpPr>
-          <p:cNvPr id="3" name="Espace réservé du numéro de diapositive 2"/>
-          <p:cNvSpPr>
-            <a:spLocks noGrp="1"/>
-          </p:cNvSpPr>
-          <p:nvPr>
-            <p:ph type="sldNum" sz="quarter" idx="12"/>
-          </p:nvPr>
-        </p:nvSpPr>
-        <p:spPr/>
-        <p:txBody>
-          <a:bodyPr/>
-          <a:lstStyle/>
-          <a:p>
-            <a:pPr rtl="0"/>
-            <a:fld id="{D57F1E4F-1CFF-5643-939E-217C01CDF565}" type="slidenum">
-              <a:rPr lang="fr-FR" noProof="0" smtClean="0"/>
-              <a:pPr rtl="0"/>
-              <a:t>7</a:t>
-            </a:fld>
-            <a:endParaRPr lang="fr-FR" noProof="0"/>
-          </a:p>
-        </p:txBody>
-      </p:sp>
-    </p:spTree>
-    <p:extLst>
-      <p:ext uri="{BB962C8B-B14F-4D97-AF65-F5344CB8AC3E}">
-        <p14:creationId xmlns:p14="http://schemas.microsoft.com/office/powerpoint/2010/main" val="3953854151"/>
-      </p:ext>
-    </p:extLst>
-  </p:cSld>
-  <p:clrMapOvr>
-    <a:masterClrMapping/>
-  </p:clrMapOvr>
-  <p:timing>
-    <p:tnLst>
-      <p:par>
-        <p:cTn id="1" dur="indefinite" restart="never" nodeType="tmRoot"/>
-      </p:par>
-    </p:tnLst>
-  </p:timing>
-</p:sld>
-</file>
-
-<file path=ppt/slides/slide8.xml><?xml version="1.0" encoding="utf-8"?>
-<p:sld xmlns:a="http://schemas.openxmlformats.org/drawingml/2006/main" xmlns:r="http://schemas.openxmlformats.org/officeDocument/2006/relationships" xmlns:p="http://schemas.openxmlformats.org/presentationml/2006/main">
-  <p:cSld>
-    <p:spTree>
-      <p:nvGrpSpPr>
-        <p:cNvPr id="1" name=""/>
-        <p:cNvGrpSpPr/>
-        <p:nvPr/>
-      </p:nvGrpSpPr>
-      <p:grpSpPr>
-        <a:xfrm>
-          <a:off x="0" y="0"/>
-          <a:ext cx="0" cy="0"/>
-          <a:chOff x="0" y="0"/>
-          <a:chExt cx="0" cy="0"/>
-        </a:xfrm>
-      </p:grpSpPr>
-      <p:sp>
-        <p:nvSpPr>
-          <p:cNvPr id="2" name="Title 1">
-            <a:extLst>
-              <a:ext uri="{FF2B5EF4-FFF2-40B4-BE49-F238E27FC236}">
-                <a16:creationId xmlns:a16="http://schemas.microsoft.com/office/drawing/2014/main" id="{552F2E6E-CD03-4600-A8A8-DC17406DD8D1}"/>
-              </a:ext>
-            </a:extLst>
-          </p:cNvPr>
-          <p:cNvSpPr>
-            <a:spLocks noGrp="1"/>
-          </p:cNvSpPr>
-          <p:nvPr>
-            <p:ph type="title"/>
-          </p:nvPr>
-        </p:nvSpPr>
-        <p:spPr/>
-        <p:txBody>
-          <a:bodyPr/>
-          <a:lstStyle/>
-          <a:p>
-            <a:r>
-              <a:rPr lang="en-US" dirty="0" smtClean="0"/>
-              <a:t>Les </a:t>
-            </a:r>
-            <a:r>
-              <a:rPr lang="en-US" dirty="0" err="1" smtClean="0"/>
-              <a:t>règles</a:t>
-            </a:r>
-            <a:r>
-              <a:rPr lang="en-US" dirty="0" smtClean="0"/>
-              <a:t> du </a:t>
-            </a:r>
-            <a:r>
-              <a:rPr lang="en-US" dirty="0" err="1" smtClean="0"/>
-              <a:t>jeu</a:t>
-            </a:r>
-            <a:r>
-              <a:rPr lang="en-US" dirty="0" smtClean="0"/>
-              <a:t> pendant la formation</a:t>
-            </a:r>
-            <a:endParaRPr lang="en-US" dirty="0"/>
-          </a:p>
-        </p:txBody>
-      </p:sp>
-      <p:sp>
-        <p:nvSpPr>
-          <p:cNvPr id="5" name="Espace réservé du texte 4"/>
-          <p:cNvSpPr txBox="1">
-            <a:spLocks/>
-          </p:cNvSpPr>
-          <p:nvPr/>
-        </p:nvSpPr>
-        <p:spPr>
-          <a:xfrm>
-            <a:off x="1136059" y="1993122"/>
-            <a:ext cx="3721846" cy="2895159"/>
-          </a:xfrm>
-          <a:prstGeom prst="rect">
-            <a:avLst/>
-          </a:prstGeom>
-        </p:spPr>
-        <p:txBody>
-          <a:bodyPr>
-            <a:normAutofit fontScale="92500" lnSpcReduction="20000"/>
-          </a:bodyPr>
-          <a:lstStyle>
-            <a:lvl1pPr marL="229500" indent="-229500" algn="l" defTabSz="342900" rtl="0" eaLnBrk="1" latinLnBrk="0" hangingPunct="1">
-              <a:spcBef>
-                <a:spcPct val="20000"/>
-              </a:spcBef>
-              <a:spcAft>
-                <a:spcPts val="450"/>
-              </a:spcAft>
-              <a:buClr>
-                <a:schemeClr val="accent2"/>
-              </a:buClr>
-              <a:buSzPct val="92000"/>
-              <a:buFont typeface="Wingdings 2" panose="05020102010507070707" pitchFamily="18" charset="2"/>
-              <a:buChar char=""/>
-              <a:defRPr sz="1350" kern="1200">
-                <a:solidFill>
-                  <a:schemeClr val="tx2"/>
-                </a:solidFill>
-                <a:latin typeface="+mn-lt"/>
-                <a:ea typeface="+mn-ea"/>
-                <a:cs typeface="+mn-cs"/>
-              </a:defRPr>
-            </a:lvl1pPr>
-            <a:lvl2pPr marL="472500" indent="-229500" algn="l" defTabSz="342900" rtl="0" eaLnBrk="1" latinLnBrk="0" hangingPunct="1">
-              <a:spcBef>
-                <a:spcPct val="20000"/>
-              </a:spcBef>
-              <a:spcAft>
-                <a:spcPts val="450"/>
-              </a:spcAft>
-              <a:buClr>
-                <a:schemeClr val="accent2"/>
-              </a:buClr>
-              <a:buSzPct val="92000"/>
-              <a:buFont typeface="Wingdings 2" panose="05020102010507070707" pitchFamily="18" charset="2"/>
-              <a:buChar char=""/>
-              <a:defRPr sz="1200" kern="1200">
-                <a:solidFill>
-                  <a:schemeClr val="tx2"/>
-                </a:solidFill>
-                <a:latin typeface="+mn-lt"/>
-                <a:ea typeface="+mn-ea"/>
-                <a:cs typeface="+mn-cs"/>
-              </a:defRPr>
-            </a:lvl2pPr>
-            <a:lvl3pPr marL="675000" indent="-202500" algn="l" defTabSz="342900" rtl="0" eaLnBrk="1" latinLnBrk="0" hangingPunct="1">
-              <a:spcBef>
-                <a:spcPct val="20000"/>
-              </a:spcBef>
-              <a:spcAft>
-                <a:spcPts val="450"/>
-              </a:spcAft>
-              <a:buClr>
-                <a:schemeClr val="accent2"/>
-              </a:buClr>
-              <a:buSzPct val="92000"/>
-              <a:buFont typeface="Wingdings 2" panose="05020102010507070707" pitchFamily="18" charset="2"/>
-              <a:buChar char=""/>
-              <a:defRPr sz="1050" kern="1200">
-                <a:solidFill>
-                  <a:schemeClr val="tx2"/>
-                </a:solidFill>
-                <a:latin typeface="+mn-lt"/>
-                <a:ea typeface="+mn-ea"/>
-                <a:cs typeface="+mn-cs"/>
-              </a:defRPr>
-            </a:lvl3pPr>
-            <a:lvl4pPr marL="931500" indent="-175500" algn="l" defTabSz="342900" rtl="0" eaLnBrk="1" latinLnBrk="0" hangingPunct="1">
-              <a:spcBef>
-                <a:spcPct val="20000"/>
-              </a:spcBef>
-              <a:spcAft>
-                <a:spcPts val="450"/>
-              </a:spcAft>
-              <a:buClr>
-                <a:schemeClr val="accent2"/>
-              </a:buClr>
-              <a:buSzPct val="92000"/>
-              <a:buFont typeface="Wingdings 2" panose="05020102010507070707" pitchFamily="18" charset="2"/>
-              <a:buChar char=""/>
-              <a:defRPr sz="900" kern="1200">
-                <a:solidFill>
-                  <a:schemeClr val="tx2"/>
-                </a:solidFill>
-                <a:latin typeface="+mn-lt"/>
-                <a:ea typeface="+mn-ea"/>
-                <a:cs typeface="+mn-cs"/>
-              </a:defRPr>
-            </a:lvl4pPr>
-            <a:lvl5pPr marL="1201500" indent="-175500" algn="l" defTabSz="342900" rtl="0" eaLnBrk="1" latinLnBrk="0" hangingPunct="1">
-              <a:spcBef>
-                <a:spcPct val="20000"/>
-              </a:spcBef>
-              <a:spcAft>
-                <a:spcPts val="450"/>
-              </a:spcAft>
-              <a:buClr>
-                <a:schemeClr val="accent2"/>
-              </a:buClr>
-              <a:buSzPct val="92000"/>
-              <a:buFont typeface="Wingdings 2" panose="05020102010507070707" pitchFamily="18" charset="2"/>
-              <a:buChar char=""/>
-              <a:defRPr sz="900" kern="1200">
-                <a:solidFill>
-                  <a:schemeClr val="tx2"/>
-                </a:solidFill>
-                <a:latin typeface="+mn-lt"/>
-                <a:ea typeface="+mn-ea"/>
-                <a:cs typeface="+mn-cs"/>
-              </a:defRPr>
-            </a:lvl5pPr>
-            <a:lvl6pPr marL="1425000" indent="-171450" algn="l" defTabSz="342900" rtl="0" eaLnBrk="1" latinLnBrk="0" hangingPunct="1">
-              <a:spcBef>
-                <a:spcPct val="20000"/>
-              </a:spcBef>
-              <a:spcAft>
-                <a:spcPts val="450"/>
-              </a:spcAft>
-              <a:buClr>
-                <a:schemeClr val="accent2"/>
-              </a:buClr>
-              <a:buSzPct val="92000"/>
-              <a:buFont typeface="Wingdings 2" panose="05020102010507070707" pitchFamily="18" charset="2"/>
-              <a:buChar char=""/>
-              <a:defRPr sz="900" kern="1200">
-                <a:solidFill>
-                  <a:schemeClr val="tx2"/>
-                </a:solidFill>
-                <a:latin typeface="+mn-lt"/>
-                <a:ea typeface="+mn-ea"/>
-                <a:cs typeface="+mn-cs"/>
-              </a:defRPr>
-            </a:lvl6pPr>
-            <a:lvl7pPr marL="1650000" indent="-171450" algn="l" defTabSz="342900" rtl="0" eaLnBrk="1" latinLnBrk="0" hangingPunct="1">
-              <a:spcBef>
-                <a:spcPct val="20000"/>
-              </a:spcBef>
-              <a:spcAft>
-                <a:spcPts val="450"/>
-              </a:spcAft>
-              <a:buClr>
-                <a:schemeClr val="accent2"/>
-              </a:buClr>
-              <a:buSzPct val="92000"/>
-              <a:buFont typeface="Wingdings 2" panose="05020102010507070707" pitchFamily="18" charset="2"/>
-              <a:buChar char=""/>
-              <a:defRPr sz="900" kern="1200">
-                <a:solidFill>
-                  <a:schemeClr val="tx2"/>
-                </a:solidFill>
-                <a:latin typeface="+mn-lt"/>
-                <a:ea typeface="+mn-ea"/>
-                <a:cs typeface="+mn-cs"/>
-              </a:defRPr>
-            </a:lvl7pPr>
-            <a:lvl8pPr marL="1875000" indent="-171450" algn="l" defTabSz="342900" rtl="0" eaLnBrk="1" latinLnBrk="0" hangingPunct="1">
-              <a:spcBef>
-                <a:spcPct val="20000"/>
-              </a:spcBef>
-              <a:spcAft>
-                <a:spcPts val="450"/>
-              </a:spcAft>
-              <a:buClr>
-                <a:schemeClr val="accent2"/>
-              </a:buClr>
-              <a:buSzPct val="92000"/>
-              <a:buFont typeface="Wingdings 2" panose="05020102010507070707" pitchFamily="18" charset="2"/>
-              <a:buChar char=""/>
-              <a:defRPr sz="900" kern="1200">
-                <a:solidFill>
-                  <a:schemeClr val="tx2"/>
-                </a:solidFill>
-                <a:latin typeface="+mn-lt"/>
-                <a:ea typeface="+mn-ea"/>
-                <a:cs typeface="+mn-cs"/>
-              </a:defRPr>
-            </a:lvl8pPr>
-            <a:lvl9pPr marL="2100000" indent="-171450" algn="l" defTabSz="342900" rtl="0" eaLnBrk="1" latinLnBrk="0" hangingPunct="1">
-              <a:spcBef>
-                <a:spcPct val="20000"/>
-              </a:spcBef>
-              <a:spcAft>
-                <a:spcPts val="450"/>
-              </a:spcAft>
-              <a:buClr>
-                <a:schemeClr val="accent2"/>
-              </a:buClr>
-              <a:buSzPct val="92000"/>
-              <a:buFont typeface="Wingdings 2" panose="05020102010507070707" pitchFamily="18" charset="2"/>
-              <a:buChar char=""/>
-              <a:defRPr sz="900" kern="1200">
-                <a:solidFill>
-                  <a:schemeClr val="tx2"/>
-                </a:solidFill>
-                <a:latin typeface="+mn-lt"/>
-                <a:ea typeface="+mn-ea"/>
-                <a:cs typeface="+mn-cs"/>
-              </a:defRPr>
-            </a:lvl9pPr>
-          </a:lstStyle>
-          <a:p>
-            <a:pPr marL="342900" lvl="1" indent="-342900">
-              <a:lnSpc>
-                <a:spcPct val="150000"/>
-              </a:lnSpc>
-              <a:spcAft>
-                <a:spcPts val="600"/>
-              </a:spcAft>
-              <a:buClr>
-                <a:schemeClr val="accent1">
-                  <a:lumMod val="75000"/>
-                </a:schemeClr>
-              </a:buClr>
-              <a:buSzPct val="100000"/>
-              <a:buFont typeface="Wingdings" panose="05000000000000000000" pitchFamily="2" charset="2"/>
-              <a:buChar char="§"/>
-              <a:defRPr/>
-            </a:pPr>
-            <a:r>
-              <a:rPr lang="fr-FR" sz="2400" dirty="0" smtClean="0"/>
-              <a:t>Pas de téléphone</a:t>
-            </a:r>
-          </a:p>
-          <a:p>
-            <a:pPr marL="342900" lvl="1" indent="-342900">
-              <a:lnSpc>
-                <a:spcPct val="150000"/>
-              </a:lnSpc>
-              <a:spcAft>
-                <a:spcPts val="600"/>
-              </a:spcAft>
-              <a:buClr>
-                <a:schemeClr val="accent1">
-                  <a:lumMod val="75000"/>
-                </a:schemeClr>
-              </a:buClr>
-              <a:buSzPct val="100000"/>
-              <a:buFont typeface="Wingdings" panose="05000000000000000000" pitchFamily="2" charset="2"/>
-              <a:buChar char="§"/>
-              <a:defRPr/>
-            </a:pPr>
-            <a:r>
-              <a:rPr lang="fr-FR" sz="2400" dirty="0" smtClean="0"/>
-              <a:t>Pas de travail à côté</a:t>
-            </a:r>
-          </a:p>
-          <a:p>
-            <a:pPr marL="342900" lvl="1" indent="-342900">
-              <a:lnSpc>
-                <a:spcPct val="150000"/>
-              </a:lnSpc>
-              <a:spcAft>
-                <a:spcPts val="600"/>
-              </a:spcAft>
-              <a:buClr>
-                <a:schemeClr val="accent1">
-                  <a:lumMod val="75000"/>
-                </a:schemeClr>
-              </a:buClr>
-              <a:buSzPct val="100000"/>
-              <a:buFont typeface="Wingdings" panose="05000000000000000000" pitchFamily="2" charset="2"/>
-              <a:buChar char="§"/>
-              <a:defRPr/>
-            </a:pPr>
-            <a:r>
-              <a:rPr lang="fr-FR" sz="2400" dirty="0" smtClean="0"/>
-              <a:t>Discutez et partagez !</a:t>
-            </a:r>
-          </a:p>
-          <a:p>
-            <a:pPr marL="342900" lvl="1" indent="-342900">
-              <a:lnSpc>
-                <a:spcPct val="150000"/>
-              </a:lnSpc>
-              <a:spcAft>
-                <a:spcPts val="600"/>
-              </a:spcAft>
-              <a:buClr>
-                <a:schemeClr val="accent1">
-                  <a:lumMod val="75000"/>
-                </a:schemeClr>
-              </a:buClr>
-              <a:buSzPct val="100000"/>
-              <a:buFont typeface="Wingdings" panose="05000000000000000000" pitchFamily="2" charset="2"/>
-              <a:buChar char="§"/>
-              <a:defRPr/>
-            </a:pPr>
-            <a:r>
-              <a:rPr lang="fr-FR" sz="2400" dirty="0" smtClean="0"/>
-              <a:t>Je peux enregistrer la formation ?</a:t>
-            </a:r>
-          </a:p>
-          <a:p>
-            <a:pPr marL="342900" lvl="1" indent="-342900">
-              <a:lnSpc>
-                <a:spcPct val="150000"/>
-              </a:lnSpc>
-              <a:spcAft>
-                <a:spcPts val="600"/>
-              </a:spcAft>
-              <a:buClr>
-                <a:schemeClr val="accent1">
-                  <a:lumMod val="75000"/>
-                </a:schemeClr>
-              </a:buClr>
-              <a:buSzPct val="100000"/>
-              <a:buFont typeface="Wingdings" panose="05000000000000000000" pitchFamily="2" charset="2"/>
-              <a:buChar char="§"/>
-              <a:defRPr/>
-            </a:pPr>
-            <a:endParaRPr lang="fr-FR" sz="2400" dirty="0" smtClean="0"/>
-          </a:p>
-          <a:p>
-            <a:pPr marL="342900" lvl="1" indent="-342900">
-              <a:lnSpc>
-                <a:spcPct val="150000"/>
-              </a:lnSpc>
-              <a:spcAft>
-                <a:spcPts val="600"/>
-              </a:spcAft>
-              <a:buClr>
-                <a:schemeClr val="accent1">
-                  <a:lumMod val="75000"/>
-                </a:schemeClr>
-              </a:buClr>
-              <a:buSzPct val="100000"/>
-              <a:buFont typeface="Wingdings" panose="05000000000000000000" pitchFamily="2" charset="2"/>
-              <a:buChar char="§"/>
-              <a:defRPr/>
-            </a:pPr>
-            <a:endParaRPr lang="fr-FR" sz="2400" dirty="0"/>
-          </a:p>
-        </p:txBody>
-      </p:sp>
-      <p:pic>
-        <p:nvPicPr>
-          <p:cNvPr id="3" name="Image 2"/>
-          <p:cNvPicPr>
-            <a:picLocks noChangeAspect="1"/>
-          </p:cNvPicPr>
-          <p:nvPr/>
-        </p:nvPicPr>
-        <p:blipFill>
-          <a:blip r:embed="rId2">
-            <a:extLst>
-              <a:ext uri="{28A0092B-C50C-407E-A947-70E740481C1C}">
-                <a14:useLocalDpi xmlns:a14="http://schemas.microsoft.com/office/drawing/2010/main" val="0"/>
-              </a:ext>
-            </a:extLst>
-          </a:blip>
-          <a:stretch>
-            <a:fillRect/>
-          </a:stretch>
-        </p:blipFill>
-        <p:spPr>
-          <a:xfrm>
-            <a:off x="5224734" y="2728860"/>
-            <a:ext cx="3140473" cy="1519033"/>
-          </a:xfrm>
-          <a:prstGeom prst="rect">
-            <a:avLst/>
-          </a:prstGeom>
-        </p:spPr>
-      </p:pic>
-      <p:sp>
-        <p:nvSpPr>
-          <p:cNvPr id="4" name="Espace réservé du numéro de diapositive 3"/>
-          <p:cNvSpPr>
-            <a:spLocks noGrp="1"/>
-          </p:cNvSpPr>
-          <p:nvPr>
-            <p:ph type="sldNum" sz="quarter" idx="12"/>
-          </p:nvPr>
-        </p:nvSpPr>
-        <p:spPr/>
-        <p:txBody>
-          <a:bodyPr/>
-          <a:lstStyle/>
-          <a:p>
-            <a:pPr rtl="0"/>
-            <a:fld id="{D57F1E4F-1CFF-5643-939E-217C01CDF565}" type="slidenum">
-              <a:rPr lang="fr-FR" noProof="0" smtClean="0"/>
-              <a:pPr rtl="0"/>
-              <a:t>8</a:t>
-            </a:fld>
-            <a:endParaRPr lang="fr-FR" noProof="0"/>
-          </a:p>
-        </p:txBody>
-      </p:sp>
-    </p:spTree>
-    <p:extLst>
-      <p:ext uri="{BB962C8B-B14F-4D97-AF65-F5344CB8AC3E}">
-        <p14:creationId xmlns:p14="http://schemas.microsoft.com/office/powerpoint/2010/main" val="2996435625"/>
-      </p:ext>
-    </p:extLst>
-  </p:cSld>
-  <p:clrMapOvr>
-    <a:masterClrMapping/>
-  </p:clrMapOvr>
-  <p:timing>
-    <p:tnLst>
-      <p:par>
-        <p:cTn id="1" dur="indefinite" restart="never" nodeType="tmRoot"/>
-      </p:par>
-    </p:tnLst>
-  </p:timing>
-</p:sld>
-</file>
-
-<file path=ppt/slides/slide9.xml><?xml version="1.0" encoding="utf-8"?>
-<p:sld xmlns:a="http://schemas.openxmlformats.org/drawingml/2006/main" xmlns:r="http://schemas.openxmlformats.org/officeDocument/2006/relationships" xmlns:p="http://schemas.openxmlformats.org/presentationml/2006/main">
-  <p:cSld>
-    <p:spTree>
-      <p:nvGrpSpPr>
-        <p:cNvPr id="1" name=""/>
-        <p:cNvGrpSpPr/>
-        <p:nvPr/>
-      </p:nvGrpSpPr>
-      <p:grpSpPr>
-        <a:xfrm>
-          <a:off x="0" y="0"/>
-          <a:ext cx="0" cy="0"/>
-          <a:chOff x="0" y="0"/>
-          <a:chExt cx="0" cy="0"/>
-        </a:xfrm>
-      </p:grpSpPr>
-      <p:sp>
-        <p:nvSpPr>
-          <p:cNvPr id="5" name="Titre 4"/>
-          <p:cNvSpPr>
-            <a:spLocks noGrp="1"/>
-          </p:cNvSpPr>
-          <p:nvPr>
-            <p:ph type="title"/>
-          </p:nvPr>
-        </p:nvSpPr>
-        <p:spPr/>
-        <p:txBody>
-          <a:bodyPr/>
-          <a:lstStyle/>
-          <a:p>
-            <a:r>
-              <a:rPr lang="fr-FR" dirty="0" smtClean="0"/>
-              <a:t>À garder en tête tout au long de la formation</a:t>
-            </a:r>
-            <a:endParaRPr lang="fr-FR" dirty="0"/>
-          </a:p>
-        </p:txBody>
-      </p:sp>
-      <p:sp>
-        <p:nvSpPr>
-          <p:cNvPr id="4" name="Espace réservé du numéro de diapositive 3"/>
-          <p:cNvSpPr>
-            <a:spLocks noGrp="1"/>
-          </p:cNvSpPr>
-          <p:nvPr>
-            <p:ph type="sldNum" sz="quarter" idx="12"/>
-          </p:nvPr>
-        </p:nvSpPr>
-        <p:spPr/>
-        <p:txBody>
-          <a:bodyPr/>
-          <a:lstStyle/>
-          <a:p>
-            <a:fld id="{D57F1E4F-1CFF-5643-939E-217C01CDF565}" type="slidenum">
-              <a:rPr lang="fr-FR" smtClean="0"/>
-              <a:pPr/>
-              <a:t>9</a:t>
-            </a:fld>
-            <a:endParaRPr lang="fr-FR" dirty="0"/>
-          </a:p>
-        </p:txBody>
-      </p:sp>
-      <p:sp>
-        <p:nvSpPr>
-          <p:cNvPr id="12" name="ZoneTexte 11"/>
-          <p:cNvSpPr txBox="1"/>
-          <p:nvPr/>
-        </p:nvSpPr>
-        <p:spPr>
-          <a:xfrm>
-            <a:off x="338667" y="1761067"/>
-            <a:ext cx="8455377" cy="523220"/>
-          </a:xfrm>
-          <a:prstGeom prst="rect">
-            <a:avLst/>
-          </a:prstGeom>
-          <a:noFill/>
-        </p:spPr>
-        <p:txBody>
-          <a:bodyPr wrap="square" rtlCol="0">
-            <a:spAutoFit/>
-          </a:bodyPr>
-          <a:lstStyle/>
-          <a:p>
-            <a:pPr algn="ctr"/>
-            <a:r>
-              <a:rPr lang="fr-FR" sz="2800" dirty="0" smtClean="0"/>
-              <a:t>L’optimisation passe après</a:t>
-            </a:r>
-            <a:endParaRPr lang="fr-FR" sz="2800" dirty="0"/>
-          </a:p>
-        </p:txBody>
-      </p:sp>
-      <p:graphicFrame>
-        <p:nvGraphicFramePr>
-          <p:cNvPr id="14" name="Diagramme 13"/>
-          <p:cNvGraphicFramePr/>
-          <p:nvPr>
-            <p:extLst>
-              <p:ext uri="{D42A27DB-BD31-4B8C-83A1-F6EECF244321}">
-                <p14:modId xmlns:p14="http://schemas.microsoft.com/office/powerpoint/2010/main" val="4105314846"/>
-              </p:ext>
-            </p:extLst>
-          </p:nvPr>
-        </p:nvGraphicFramePr>
-        <p:xfrm>
-          <a:off x="1584960" y="2697480"/>
-          <a:ext cx="6096000" cy="2291080"/>
-        </p:xfrm>
-        <a:graphic>
-          <a:graphicData uri="http://schemas.openxmlformats.org/drawingml/2006/diagram">
-            <dgm:relIds xmlns:dgm="http://schemas.openxmlformats.org/drawingml/2006/diagram" xmlns:r="http://schemas.openxmlformats.org/officeDocument/2006/relationships" r:dm="rId2" r:lo="rId3" r:qs="rId4" r:cs="rId5"/>
-          </a:graphicData>
-        </a:graphic>
-      </p:graphicFrame>
-    </p:spTree>
-    <p:extLst>
-      <p:ext uri="{BB962C8B-B14F-4D97-AF65-F5344CB8AC3E}">
-        <p14:creationId xmlns:p14="http://schemas.microsoft.com/office/powerpoint/2010/main" val="4121735484"/>
-      </p:ext>
-    </p:extLst>
-  </p:cSld>
-  <p:clrMapOvr>
-    <a:masterClrMapping/>
-  </p:clrMapOvr>
 </p:sld>
 </file>
 
@@ -15330,14 +15489,6 @@
 </file>
 
 <file path=customXml/item1.xml><?xml version="1.0" encoding="utf-8"?>
-<p:properties xmlns:p="http://schemas.microsoft.com/office/2006/metadata/properties" xmlns:xsi="http://www.w3.org/2001/XMLSchema-instance" xmlns:pc="http://schemas.microsoft.com/office/infopath/2007/PartnerControls">
-  <documentManagement>
-    <MediaServiceKeyPoints xmlns="71af3243-3dd4-4a8d-8c0d-dd76da1f02a5" xsi:nil="true"/>
-  </documentManagement>
-</p:properties>
-</file>
-
-<file path=customXml/item2.xml><?xml version="1.0" encoding="utf-8"?>
 <ct:contentTypeSchema xmlns:ct="http://schemas.microsoft.com/office/2006/metadata/contentType" xmlns:ma="http://schemas.microsoft.com/office/2006/metadata/properties/metaAttributes" ct:_="" ma:_="" ma:contentTypeName="Document" ma:contentTypeID="0x01010079F111ED35F8CC479449609E8A0923A6" ma:contentTypeVersion="11" ma:contentTypeDescription="Create a new document." ma:contentTypeScope="" ma:versionID="9677210f24a1be23c92c90fd886aa0aa">
   <xsd:schema xmlns:xsd="http://www.w3.org/2001/XMLSchema" xmlns:xs="http://www.w3.org/2001/XMLSchema" xmlns:p="http://schemas.microsoft.com/office/2006/metadata/properties" xmlns:ns2="71af3243-3dd4-4a8d-8c0d-dd76da1f02a5" xmlns:ns3="16c05727-aa75-4e4a-9b5f-8a80a1165891" targetNamespace="http://schemas.microsoft.com/office/2006/metadata/properties" ma:root="true" ma:fieldsID="60e05723c5c1908df1a1a4ebf11d344e" ns2:_="" ns3:_="">
     <xsd:import namespace="71af3243-3dd4-4a8d-8c0d-dd76da1f02a5"/>
@@ -15548,6 +15699,14 @@
 </ct:contentTypeSchema>
 </file>
 
+<file path=customXml/item2.xml><?xml version="1.0" encoding="utf-8"?>
+<p:properties xmlns:p="http://schemas.microsoft.com/office/2006/metadata/properties" xmlns:xsi="http://www.w3.org/2001/XMLSchema-instance" xmlns:pc="http://schemas.microsoft.com/office/infopath/2007/PartnerControls">
+  <documentManagement>
+    <MediaServiceKeyPoints xmlns="71af3243-3dd4-4a8d-8c0d-dd76da1f02a5" xsi:nil="true"/>
+  </documentManagement>
+</p:properties>
+</file>
+
 <file path=customXml/item3.xml><?xml version="1.0" encoding="utf-8"?>
 <?mso-contentType ?>
 <FormTemplates xmlns="http://schemas.microsoft.com/sharepoint/v3/contenttype/forms">
@@ -15558,23 +15717,6 @@
 </file>
 
 <file path=customXml/itemProps1.xml><?xml version="1.0" encoding="utf-8"?>
-<ds:datastoreItem xmlns:ds="http://schemas.openxmlformats.org/officeDocument/2006/customXml" ds:itemID="{F651EF32-6551-47EB-8BA9-22EF81F3DDAC}">
-  <ds:schemaRefs>
-    <ds:schemaRef ds:uri="16c05727-aa75-4e4a-9b5f-8a80a1165891"/>
-    <ds:schemaRef ds:uri="http://www.w3.org/XML/1998/namespace"/>
-    <ds:schemaRef ds:uri="http://schemas.openxmlformats.org/package/2006/metadata/core-properties"/>
-    <ds:schemaRef ds:uri="http://schemas.microsoft.com/office/2006/metadata/properties"/>
-    <ds:schemaRef ds:uri="http://schemas.microsoft.com/office/2006/documentManagement/types"/>
-    <ds:schemaRef ds:uri="71af3243-3dd4-4a8d-8c0d-dd76da1f02a5"/>
-    <ds:schemaRef ds:uri="http://schemas.microsoft.com/office/infopath/2007/PartnerControls"/>
-    <ds:schemaRef ds:uri="http://purl.org/dc/dcmitype/"/>
-    <ds:schemaRef ds:uri="http://purl.org/dc/elements/1.1/"/>
-    <ds:schemaRef ds:uri="http://purl.org/dc/terms/"/>
-  </ds:schemaRefs>
-</ds:datastoreItem>
-</file>
-
-<file path=customXml/itemProps2.xml><?xml version="1.0" encoding="utf-8"?>
 <ds:datastoreItem xmlns:ds="http://schemas.openxmlformats.org/officeDocument/2006/customXml" ds:itemID="{1EED214C-B51A-4B75-8B08-0E0DBD2305BE}">
   <ds:schemaRefs>
     <ds:schemaRef ds:uri="http://schemas.microsoft.com/office/2006/metadata/contentType"/>
@@ -15593,6 +15735,23 @@
 </ds:datastoreItem>
 </file>
 
+<file path=customXml/itemProps2.xml><?xml version="1.0" encoding="utf-8"?>
+<ds:datastoreItem xmlns:ds="http://schemas.openxmlformats.org/officeDocument/2006/customXml" ds:itemID="{F651EF32-6551-47EB-8BA9-22EF81F3DDAC}">
+  <ds:schemaRefs>
+    <ds:schemaRef ds:uri="16c05727-aa75-4e4a-9b5f-8a80a1165891"/>
+    <ds:schemaRef ds:uri="http://www.w3.org/XML/1998/namespace"/>
+    <ds:schemaRef ds:uri="http://schemas.openxmlformats.org/package/2006/metadata/core-properties"/>
+    <ds:schemaRef ds:uri="http://schemas.microsoft.com/office/2006/metadata/properties"/>
+    <ds:schemaRef ds:uri="http://schemas.microsoft.com/office/2006/documentManagement/types"/>
+    <ds:schemaRef ds:uri="71af3243-3dd4-4a8d-8c0d-dd76da1f02a5"/>
+    <ds:schemaRef ds:uri="http://schemas.microsoft.com/office/infopath/2007/PartnerControls"/>
+    <ds:schemaRef ds:uri="http://purl.org/dc/dcmitype/"/>
+    <ds:schemaRef ds:uri="http://purl.org/dc/elements/1.1/"/>
+    <ds:schemaRef ds:uri="http://purl.org/dc/terms/"/>
+  </ds:schemaRefs>
+</ds:datastoreItem>
+</file>
+
 <file path=customXml/itemProps3.xml><?xml version="1.0" encoding="utf-8"?>
 <ds:datastoreItem xmlns:ds="http://schemas.openxmlformats.org/officeDocument/2006/customXml" ds:itemID="{2B21BF1A-59D3-4E19-9B95-2FD4309AC3AF}">
   <ds:schemaRefs>
